--- a/docs/Nkakou_Lina_2_presentation_102025.pptx
+++ b/docs/Nkakou_Lina_2_presentation_102025.pptx
@@ -21,25 +21,18 @@
   <p:notesSz cx="6858000" cy="9144000"/>
   <p:embeddedFontLst>
     <p:embeddedFont>
-      <p:font typeface="Inter" panose="020B0604020202020204" charset="0"/>
+      <p:font typeface="Lato" panose="020F0502020204030203" pitchFamily="34" charset="0"/>
       <p:regular r:id="rId11"/>
       <p:bold r:id="rId12"/>
       <p:italic r:id="rId13"/>
       <p:boldItalic r:id="rId14"/>
     </p:embeddedFont>
     <p:embeddedFont>
-      <p:font typeface="Lato" panose="020F0502020204030203" pitchFamily="34" charset="0"/>
+      <p:font typeface="Montserrat" panose="00000500000000000000" pitchFamily="2" charset="0"/>
       <p:regular r:id="rId15"/>
       <p:bold r:id="rId16"/>
       <p:italic r:id="rId17"/>
       <p:boldItalic r:id="rId18"/>
-    </p:embeddedFont>
-    <p:embeddedFont>
-      <p:font typeface="Montserrat" panose="00000500000000000000" pitchFamily="2" charset="0"/>
-      <p:regular r:id="rId19"/>
-      <p:bold r:id="rId20"/>
-      <p:italic r:id="rId21"/>
-      <p:boldItalic r:id="rId22"/>
     </p:embeddedFont>
   </p:embeddedFontLst>
   <p:defaultTextStyle>
@@ -285,6 +278,9 @@
           </p15:clr>
         </p15:guide>
       </p15:sldGuideLst>
+    </p:ext>
+    <p:ext uri="{2D200454-40CA-4A62-9FC3-DE9A4176ACB9}">
+      <p15:notesGuideLst xmlns:p15="http://schemas.microsoft.com/office/powerpoint/2012/main"/>
     </p:ext>
   </p:extLst>
 </p:presentation>
@@ -1176,7 +1172,7 @@
         </p:nvSpPr>
         <p:spPr>
           <a:xfrm>
-            <a:off x="381300" y="685800"/>
+            <a:off x="381000" y="685800"/>
             <a:ext cx="6096000" cy="3429000"/>
           </a:xfrm>
           <a:custGeom>
@@ -1280,7 +1276,7 @@
         </p:nvSpPr>
         <p:spPr>
           <a:xfrm>
-            <a:off x="381300" y="685800"/>
+            <a:off x="381000" y="685800"/>
             <a:ext cx="6096000" cy="3429000"/>
           </a:xfrm>
           <a:custGeom>
@@ -1384,7 +1380,7 @@
         </p:nvSpPr>
         <p:spPr>
           <a:xfrm>
-            <a:off x="381300" y="685800"/>
+            <a:off x="381000" y="685800"/>
             <a:ext cx="6096000" cy="3429000"/>
           </a:xfrm>
           <a:custGeom>
@@ -1488,7 +1484,7 @@
         </p:nvSpPr>
         <p:spPr>
           <a:xfrm>
-            <a:off x="381300" y="685800"/>
+            <a:off x="381000" y="685800"/>
             <a:ext cx="6096000" cy="3429000"/>
           </a:xfrm>
           <a:custGeom>
@@ -9708,7 +9704,7 @@
         <p:spPr>
           <a:xfrm>
             <a:off x="6344450" y="3891100"/>
-            <a:ext cx="3470700" cy="506100"/>
+            <a:ext cx="1559568" cy="506100"/>
           </a:xfrm>
           <a:prstGeom prst="rect">
             <a:avLst/>
@@ -9716,11 +9712,14 @@
         </p:spPr>
         <p:txBody>
           <a:bodyPr spcFirstLastPara="1" wrap="square" lIns="91425" tIns="91425" rIns="91425" bIns="91425" anchor="t" anchorCtr="0">
-            <a:normAutofit/>
+            <a:noAutofit/>
           </a:bodyPr>
           <a:lstStyle/>
           <a:p>
             <a:pPr marL="0" lvl="0" indent="0" algn="l" rtl="0">
+              <a:lnSpc>
+                <a:spcPct val="170000"/>
+              </a:lnSpc>
               <a:spcBef>
                 <a:spcPts val="0"/>
               </a:spcBef>
@@ -9730,10 +9729,28 @@
               <a:buNone/>
             </a:pPr>
             <a:r>
-              <a:rPr lang="fr" dirty="0"/>
+              <a:rPr lang="fr" sz="1400" dirty="0"/>
               <a:t>NKAKOU Lina</a:t>
             </a:r>
-            <a:endParaRPr dirty="0"/>
+          </a:p>
+          <a:p>
+            <a:pPr marL="0" lvl="0" indent="0" algn="l" rtl="0">
+              <a:lnSpc>
+                <a:spcPct val="170000"/>
+              </a:lnSpc>
+              <a:spcBef>
+                <a:spcPts val="0"/>
+              </a:spcBef>
+              <a:spcAft>
+                <a:spcPts val="0"/>
+              </a:spcAft>
+              <a:buNone/>
+            </a:pPr>
+            <a:r>
+              <a:rPr lang="fr" sz="1400" dirty="0"/>
+              <a:t>13.10.2025</a:t>
+            </a:r>
+            <a:endParaRPr sz="1400" dirty="0"/>
           </a:p>
         </p:txBody>
       </p:sp>
@@ -9824,7 +9841,7 @@
         </p:nvSpPr>
         <p:spPr>
           <a:xfrm>
-            <a:off x="287594" y="1393722"/>
+            <a:off x="276532" y="1227468"/>
             <a:ext cx="8590935" cy="3356027"/>
           </a:xfrm>
           <a:prstGeom prst="rect">
@@ -9837,188 +9854,221 @@
           </a:bodyPr>
           <a:lstStyle/>
           <a:p>
+            <a:pPr marL="0" lvl="0" indent="0" algn="just">
+              <a:spcAft>
+                <a:spcPts val="600"/>
+              </a:spcAft>
+              <a:buNone/>
+            </a:pPr>
+            <a:r>
+              <a:rPr lang="fr-FR" sz="1400" dirty="0">
+                <a:solidFill>
+                  <a:schemeClr val="tx2">
+                    <a:lumMod val="75000"/>
+                  </a:schemeClr>
+                </a:solidFill>
+                <a:latin typeface="Montserrat" panose="00000500000000000000" pitchFamily="2" charset="0"/>
+              </a:rPr>
+              <a:t>Fashion Trend Intelligence </a:t>
+            </a:r>
+            <a:r>
+              <a:rPr lang="fr-FR" sz="1400" dirty="0">
+                <a:solidFill>
+                  <a:schemeClr val="bg1"/>
+                </a:solidFill>
+                <a:latin typeface="Montserrat" panose="00000500000000000000" pitchFamily="2" charset="0"/>
+              </a:rPr>
+              <a:t>: </a:t>
+            </a:r>
+            <a:r>
+              <a:rPr lang="fr-FR" sz="1400" b="0" i="0" dirty="0">
+                <a:solidFill>
+                  <a:schemeClr val="bg1"/>
+                </a:solidFill>
+                <a:effectLst/>
+                <a:latin typeface="Montserrat" panose="00000500000000000000" pitchFamily="2" charset="0"/>
+              </a:rPr>
+              <a:t>projet ambitieux </a:t>
+            </a:r>
+            <a:r>
+              <a:rPr lang="fr-FR" sz="1400" dirty="0">
+                <a:solidFill>
+                  <a:schemeClr val="bg1"/>
+                </a:solidFill>
+                <a:latin typeface="Montserrat" panose="00000500000000000000" pitchFamily="2" charset="0"/>
+              </a:rPr>
+              <a:t>du </a:t>
+            </a:r>
+            <a:r>
+              <a:rPr lang="fr-FR" sz="1400" b="0" i="0" dirty="0">
+                <a:solidFill>
+                  <a:schemeClr val="bg1"/>
+                </a:solidFill>
+                <a:effectLst/>
+                <a:latin typeface="Montserrat" panose="00000500000000000000" pitchFamily="2" charset="0"/>
+              </a:rPr>
+              <a:t>laboratoire d’intelligence artificielle de </a:t>
+            </a:r>
+            <a:r>
+              <a:rPr lang="fr-FR" sz="1400" b="0" i="0" dirty="0" err="1">
+                <a:solidFill>
+                  <a:schemeClr val="bg1"/>
+                </a:solidFill>
+                <a:effectLst/>
+                <a:latin typeface="Montserrat" panose="00000500000000000000" pitchFamily="2" charset="0"/>
+              </a:rPr>
+              <a:t>ModeTrends</a:t>
+            </a:r>
+            <a:r>
+              <a:rPr lang="fr-FR" sz="1400" b="0" i="0" dirty="0">
+                <a:solidFill>
+                  <a:schemeClr val="bg1"/>
+                </a:solidFill>
+                <a:effectLst/>
+                <a:latin typeface="Montserrat" panose="00000500000000000000" pitchFamily="2" charset="0"/>
+              </a:rPr>
+              <a:t>, une  agences de conseil en marketing digital influente dans l’industrie de la mode</a:t>
+            </a:r>
+            <a:r>
+              <a:rPr lang="fr-FR" sz="1400" dirty="0">
+                <a:solidFill>
+                  <a:schemeClr val="bg1"/>
+                </a:solidFill>
+                <a:latin typeface="Montserrat" panose="00000500000000000000" pitchFamily="2" charset="0"/>
+              </a:rPr>
+              <a:t>. Il </a:t>
+            </a:r>
+            <a:r>
+              <a:rPr lang="fr-FR" sz="1400" b="0" i="0" dirty="0">
+                <a:solidFill>
+                  <a:schemeClr val="bg1"/>
+                </a:solidFill>
+                <a:effectLst/>
+                <a:latin typeface="Montserrat" panose="00000500000000000000" pitchFamily="2" charset="0"/>
+              </a:rPr>
+              <a:t>vise à développer un système automatisé capable d’analyser les tendances vestimentaires émergentes sur les réseaux sociaux. </a:t>
+            </a:r>
+            <a:r>
+              <a:rPr lang="fr-FR" sz="1400" dirty="0">
+                <a:solidFill>
+                  <a:schemeClr val="bg1"/>
+                </a:solidFill>
+                <a:latin typeface="Montserrat" panose="00000500000000000000" pitchFamily="2" charset="0"/>
+              </a:rPr>
+              <a:t>Il</a:t>
+            </a:r>
+            <a:r>
+              <a:rPr lang="fr-FR" sz="1400" b="0" i="0" dirty="0">
+                <a:solidFill>
+                  <a:schemeClr val="bg1"/>
+                </a:solidFill>
+                <a:effectLst/>
+                <a:latin typeface="Montserrat" panose="00000500000000000000" pitchFamily="2" charset="0"/>
+              </a:rPr>
+              <a:t> couvre les trois fonctionnalités suivantes </a:t>
+            </a:r>
+            <a:r>
+              <a:rPr lang="fr-FR" sz="1400" i="0" dirty="0">
+                <a:solidFill>
+                  <a:schemeClr val="bg1"/>
+                </a:solidFill>
+                <a:effectLst/>
+                <a:latin typeface="Montserrat" panose="00000500000000000000" pitchFamily="2" charset="0"/>
+              </a:rPr>
+              <a:t>:  la Segmentation vestimentaire, </a:t>
+            </a:r>
+            <a:r>
+              <a:rPr lang="fr-FR" sz="1400" dirty="0">
+                <a:solidFill>
+                  <a:schemeClr val="bg1"/>
+                </a:solidFill>
+                <a:latin typeface="Montserrat" panose="00000500000000000000" pitchFamily="2" charset="0"/>
+              </a:rPr>
+              <a:t>l’</a:t>
+            </a:r>
+            <a:r>
+              <a:rPr lang="fr-FR" sz="1400" i="0" dirty="0">
+                <a:solidFill>
+                  <a:schemeClr val="bg1"/>
+                </a:solidFill>
+                <a:effectLst/>
+                <a:latin typeface="Montserrat" panose="00000500000000000000" pitchFamily="2" charset="0"/>
+              </a:rPr>
+              <a:t>Analyse stylistique et l’Agrégation de tendances .</a:t>
+            </a:r>
+          </a:p>
+          <a:p>
+            <a:pPr marL="0" lvl="0" indent="0" algn="just">
+              <a:lnSpc>
+                <a:spcPct val="100000"/>
+              </a:lnSpc>
+              <a:buNone/>
+            </a:pPr>
+            <a:endParaRPr lang="fr-FR" sz="1400" i="0" dirty="0">
+              <a:solidFill>
+                <a:schemeClr val="bg1"/>
+              </a:solidFill>
+              <a:effectLst/>
+              <a:latin typeface="Montserrat" panose="00000500000000000000" pitchFamily="2" charset="0"/>
+            </a:endParaRPr>
+          </a:p>
+          <a:p>
             <a:pPr marL="285750" lvl="0" indent="-285750" algn="just">
               <a:spcAft>
-                <a:spcPts val="1200"/>
+                <a:spcPts val="600"/>
               </a:spcAft>
               <a:buFont typeface="Wingdings" panose="05000000000000000000" pitchFamily="2" charset="2"/>
               <a:buChar char="q"/>
             </a:pPr>
             <a:r>
+              <a:rPr lang="fr-FR" sz="1400" b="0" i="0" dirty="0">
+                <a:solidFill>
+                  <a:srgbClr val="00B0F0"/>
+                </a:solidFill>
+                <a:effectLst/>
+                <a:latin typeface="Montserrat" panose="00000500000000000000" pitchFamily="2" charset="0"/>
+              </a:rPr>
+              <a:t>Objectif global </a:t>
+            </a:r>
+            <a:r>
+              <a:rPr lang="fr-FR" sz="1400" b="0" i="0" dirty="0">
+                <a:solidFill>
+                  <a:schemeClr val="bg1"/>
+                </a:solidFill>
+                <a:effectLst/>
+                <a:latin typeface="Montserrat" panose="00000500000000000000" pitchFamily="2" charset="0"/>
+              </a:rPr>
+              <a:t>: fournir aux marques clientes des informations précises et en temps réel sur les nouvelles modes, avant qu’elles ne deviennent populaires.</a:t>
+            </a:r>
+          </a:p>
+          <a:p>
+            <a:pPr marL="285750" lvl="0" indent="-285750" algn="just">
+              <a:spcAft>
+                <a:spcPts val="600"/>
+              </a:spcAft>
+              <a:buFont typeface="Wingdings" panose="05000000000000000000" pitchFamily="2" charset="2"/>
+              <a:buChar char="q"/>
+            </a:pPr>
+            <a:r>
               <a:rPr lang="fr-FR" sz="1400" dirty="0">
+                <a:solidFill>
+                  <a:srgbClr val="00B0F0"/>
+                </a:solidFill>
+                <a:latin typeface="Montserrat" panose="00000500000000000000" pitchFamily="2" charset="0"/>
+              </a:rPr>
+              <a:t>Mission : </a:t>
+            </a:r>
+            <a:r>
+              <a:rPr lang="fr-FR" sz="1400" i="0" dirty="0">
                 <a:solidFill>
                   <a:schemeClr val="tx2">
                     <a:lumMod val="75000"/>
                   </a:schemeClr>
                 </a:solidFill>
-                <a:latin typeface="Aptos" panose="020B0004020202020204" pitchFamily="34" charset="0"/>
-              </a:rPr>
-              <a:t>Fashion Trend Intelligence </a:t>
-            </a:r>
-            <a:r>
-              <a:rPr lang="fr-FR" sz="1400" dirty="0">
-                <a:solidFill>
-                  <a:schemeClr val="bg1"/>
-                </a:solidFill>
-                <a:latin typeface="Aptos" panose="020B0004020202020204" pitchFamily="34" charset="0"/>
-              </a:rPr>
-              <a:t>: </a:t>
-            </a:r>
-            <a:r>
-              <a:rPr lang="fr-FR" sz="1400" b="0" i="0" dirty="0">
-                <a:solidFill>
-                  <a:schemeClr val="bg1"/>
-                </a:solidFill>
                 <a:effectLst/>
-                <a:latin typeface="Aptos" panose="020B0004020202020204" pitchFamily="34" charset="0"/>
-              </a:rPr>
-              <a:t>Un projet ambitieux </a:t>
-            </a:r>
-            <a:r>
-              <a:rPr lang="fr-FR" sz="1400" dirty="0">
-                <a:solidFill>
-                  <a:schemeClr val="bg1"/>
-                </a:solidFill>
-                <a:latin typeface="Aptos" panose="020B0004020202020204" pitchFamily="34" charset="0"/>
-              </a:rPr>
-              <a:t>du </a:t>
-            </a:r>
-            <a:r>
-              <a:rPr lang="fr-FR" sz="1400" b="0" i="0" dirty="0">
-                <a:solidFill>
-                  <a:schemeClr val="bg1"/>
-                </a:solidFill>
-                <a:effectLst/>
-                <a:latin typeface="Aptos" panose="020B0004020202020204" pitchFamily="34" charset="0"/>
-              </a:rPr>
-              <a:t>laboratoire d’intelligence artificielle de </a:t>
-            </a:r>
-            <a:r>
-              <a:rPr lang="fr-FR" sz="1400" b="0" i="0" dirty="0" err="1">
-                <a:solidFill>
-                  <a:schemeClr val="bg1"/>
-                </a:solidFill>
-                <a:effectLst/>
-                <a:latin typeface="Aptos" panose="020B0004020202020204" pitchFamily="34" charset="0"/>
-              </a:rPr>
-              <a:t>ModeTrends</a:t>
-            </a:r>
-            <a:r>
-              <a:rPr lang="fr-FR" sz="1400" b="0" i="0" dirty="0">
-                <a:solidFill>
-                  <a:schemeClr val="bg1"/>
-                </a:solidFill>
-                <a:effectLst/>
-                <a:latin typeface="Aptos" panose="020B0004020202020204" pitchFamily="34" charset="0"/>
-              </a:rPr>
-              <a:t>, l’une des agences de conseil en marketing digital les plus influentes de l’industrie de la mode.</a:t>
-            </a:r>
-          </a:p>
-          <a:p>
-            <a:pPr marL="285750" lvl="0" indent="-285750" algn="just">
-              <a:spcAft>
-                <a:spcPts val="1200"/>
-              </a:spcAft>
-              <a:buFont typeface="Wingdings" panose="05000000000000000000" pitchFamily="2" charset="2"/>
-              <a:buChar char="q"/>
-            </a:pPr>
-            <a:r>
-              <a:rPr lang="fr-FR" sz="1400" b="0" i="0" dirty="0">
-                <a:solidFill>
-                  <a:schemeClr val="bg1"/>
-                </a:solidFill>
-                <a:effectLst/>
-                <a:latin typeface="Aptos" panose="020B0004020202020204" pitchFamily="34" charset="0"/>
-              </a:rPr>
-              <a:t>ce projet vise à développer un système automatisé capable d’analyser les tendances vestimentaires émergentes sur les réseaux sociaux qui couvre les trois fonctionnalités suivantes </a:t>
-            </a:r>
-            <a:r>
-              <a:rPr lang="fr-FR" sz="1400" i="0" dirty="0">
-                <a:solidFill>
-                  <a:schemeClr val="bg1"/>
-                </a:solidFill>
-                <a:effectLst/>
-                <a:latin typeface="Aptos" panose="020B0004020202020204" pitchFamily="34" charset="0"/>
-              </a:rPr>
-              <a:t>:  la Segmentation vestimentaire, </a:t>
-            </a:r>
-            <a:r>
-              <a:rPr lang="fr-FR" sz="1400" dirty="0">
-                <a:solidFill>
-                  <a:schemeClr val="bg1"/>
-                </a:solidFill>
-                <a:latin typeface="Aptos" panose="020B0004020202020204" pitchFamily="34" charset="0"/>
-              </a:rPr>
-              <a:t>l’</a:t>
-            </a:r>
-            <a:r>
-              <a:rPr lang="fr-FR" sz="1400" i="0" dirty="0">
-                <a:solidFill>
-                  <a:schemeClr val="bg1"/>
-                </a:solidFill>
-                <a:effectLst/>
-                <a:latin typeface="Aptos" panose="020B0004020202020204" pitchFamily="34" charset="0"/>
-              </a:rPr>
-              <a:t>Analyse stylistique et l’Agrégation de tendances .</a:t>
-            </a:r>
-          </a:p>
-          <a:p>
-            <a:pPr marL="285750" lvl="0" indent="-285750" algn="just">
-              <a:spcAft>
-                <a:spcPts val="1200"/>
-              </a:spcAft>
-              <a:buFont typeface="Wingdings" panose="05000000000000000000" pitchFamily="2" charset="2"/>
-              <a:buChar char="q"/>
-            </a:pPr>
-            <a:r>
-              <a:rPr lang="fr-FR" sz="1400" b="0" i="0" dirty="0">
-                <a:solidFill>
-                  <a:srgbClr val="00B0F0"/>
-                </a:solidFill>
-                <a:effectLst/>
-                <a:latin typeface="Aptos" panose="020B0004020202020204" pitchFamily="34" charset="0"/>
-              </a:rPr>
-              <a:t>Objectif global </a:t>
-            </a:r>
-            <a:r>
-              <a:rPr lang="fr-FR" sz="1400" b="0" i="0" dirty="0">
-                <a:solidFill>
-                  <a:schemeClr val="bg1"/>
-                </a:solidFill>
-                <a:effectLst/>
-                <a:latin typeface="Aptos" panose="020B0004020202020204" pitchFamily="34" charset="0"/>
-              </a:rPr>
-              <a:t>: fournir aux marques clientes des informations précises et en temps réel sur les nouvelles modes, avant qu’elles ne deviennent populaires.</a:t>
-            </a:r>
-          </a:p>
-          <a:p>
-            <a:pPr marL="285750" lvl="0" indent="-285750" algn="just">
-              <a:spcAft>
-                <a:spcPts val="1200"/>
-              </a:spcAft>
-              <a:buFont typeface="Wingdings" panose="05000000000000000000" pitchFamily="2" charset="2"/>
-              <a:buChar char="q"/>
-            </a:pPr>
-            <a:r>
-              <a:rPr lang="fr-FR" sz="1400" dirty="0">
-                <a:solidFill>
-                  <a:srgbClr val="00B0F0"/>
-                </a:solidFill>
-                <a:latin typeface="Aptos" panose="020B0004020202020204" pitchFamily="34" charset="0"/>
-              </a:rPr>
-              <a:t>Mission : </a:t>
-            </a:r>
-            <a:r>
-              <a:rPr lang="fr-FR" sz="1400" i="0" dirty="0">
-                <a:solidFill>
-                  <a:schemeClr val="tx2">
-                    <a:lumMod val="75000"/>
-                  </a:schemeClr>
-                </a:solidFill>
-                <a:effectLst/>
-                <a:latin typeface="Aptos" panose="020B0004020202020204" pitchFamily="34" charset="0"/>
-              </a:rPr>
-              <a:t>concevoir, développer et déployer un système d'analyse IA lié à la fonctionnalité de la Segmentation vestimentaire du projet Fashion Trend Intelligence</a:t>
+                <a:latin typeface="Montserrat" panose="00000500000000000000" pitchFamily="2" charset="0"/>
+              </a:rPr>
+              <a:t>concevoir, développer et déployer un système d'analyse IA lié à la Segmentation vestimentaire, première fonctionnalité du projet Fashion Trend Intelligence</a:t>
             </a:r>
             <a:r>
               <a:rPr lang="fr-FR" sz="1400" i="0" dirty="0">
@@ -10029,59 +10079,111 @@
                   </a:schemeClr>
                 </a:solidFill>
                 <a:effectLst/>
-                <a:latin typeface="Aptos" panose="020B0004020202020204" pitchFamily="34" charset="0"/>
-              </a:rPr>
-              <a:t>. </a:t>
-            </a:r>
-            <a:r>
-              <a:rPr lang="fr-FR" sz="1400" i="0" dirty="0">
-                <a:solidFill>
-                  <a:schemeClr val="bg1"/>
-                </a:solidFill>
-                <a:effectLst/>
-                <a:latin typeface="Aptos" panose="020B0004020202020204" pitchFamily="34" charset="0"/>
-              </a:rPr>
-              <a:t>Ce </a:t>
-            </a:r>
-            <a:r>
-              <a:rPr lang="fr-FR" sz="1400" dirty="0">
-                <a:solidFill>
-                  <a:schemeClr val="bg1"/>
-                </a:solidFill>
-                <a:latin typeface="Aptos" panose="020B0004020202020204" pitchFamily="34" charset="0"/>
-              </a:rPr>
-              <a:t>s</a:t>
-            </a:r>
-            <a:r>
-              <a:rPr lang="fr-FR" sz="1400" i="0" dirty="0">
-                <a:solidFill>
-                  <a:schemeClr val="bg1"/>
-                </a:solidFill>
-                <a:effectLst/>
-                <a:latin typeface="Aptos" panose="020B0004020202020204" pitchFamily="34" charset="0"/>
-              </a:rPr>
-              <a:t>ystème doit </a:t>
-            </a:r>
-            <a:r>
-              <a:rPr lang="fr-FR" sz="1400" b="0" i="0" dirty="0">
-                <a:solidFill>
-                  <a:schemeClr val="bg1"/>
-                </a:solidFill>
-                <a:effectLst/>
-                <a:latin typeface="Aptos" panose="020B0004020202020204" pitchFamily="34" charset="0"/>
-              </a:rPr>
-              <a:t>être capable d'identifier et d'isoler avec précision chaque pièce vestimentaire dans une image.</a:t>
+                <a:latin typeface="Montserrat" panose="00000500000000000000" pitchFamily="2" charset="0"/>
+              </a:rPr>
+              <a:t>.  </a:t>
             </a:r>
           </a:p>
           <a:p>
-            <a:pPr marL="146050" indent="0" algn="l" rtl="0">
-              <a:buNone/>
+            <a:pPr marL="742950" lvl="1" indent="-285750" algn="just">
+              <a:spcAft>
+                <a:spcPts val="600"/>
+              </a:spcAft>
+              <a:buFont typeface="Wingdings" panose="05000000000000000000" pitchFamily="2" charset="2"/>
+              <a:buChar char="v"/>
             </a:pPr>
-            <a:endParaRPr sz="1400" dirty="0">
+            <a:r>
+              <a:rPr lang="fr-FR" sz="1400" i="1" dirty="0">
+                <a:solidFill>
+                  <a:schemeClr val="bg1"/>
+                </a:solidFill>
+                <a:latin typeface="Montserrat" panose="00000500000000000000" pitchFamily="2" charset="0"/>
+              </a:rPr>
+              <a:t>utilisation du modèle sayeed99/segformer_b3_clothes </a:t>
+            </a:r>
+            <a:r>
+              <a:rPr lang="fr-FR" sz="1400" b="0" i="1" dirty="0">
+                <a:solidFill>
+                  <a:schemeClr val="bg1"/>
+                </a:solidFill>
+                <a:effectLst/>
+                <a:latin typeface="Montserrat" panose="00000500000000000000" pitchFamily="2" charset="0"/>
+              </a:rPr>
+              <a:t>de </a:t>
+            </a:r>
+            <a:r>
+              <a:rPr lang="fr-FR" sz="1400" b="0" i="1" dirty="0" err="1">
+                <a:solidFill>
+                  <a:schemeClr val="bg1"/>
+                </a:solidFill>
+                <a:effectLst/>
+                <a:latin typeface="Montserrat" panose="00000500000000000000" pitchFamily="2" charset="0"/>
+              </a:rPr>
+              <a:t>Hugging</a:t>
+            </a:r>
+            <a:r>
+              <a:rPr lang="fr-FR" sz="1400" b="0" i="1" dirty="0">
+                <a:solidFill>
+                  <a:schemeClr val="bg1"/>
+                </a:solidFill>
+                <a:effectLst/>
+                <a:latin typeface="Montserrat" panose="00000500000000000000" pitchFamily="2" charset="0"/>
+              </a:rPr>
+              <a:t> Face pour la segmentation  </a:t>
+            </a:r>
+          </a:p>
+          <a:p>
+            <a:pPr marL="742950" lvl="1" indent="-285750" algn="just">
+              <a:spcAft>
+                <a:spcPts val="600"/>
+              </a:spcAft>
+              <a:buFont typeface="Wingdings" panose="05000000000000000000" pitchFamily="2" charset="2"/>
+              <a:buChar char="v"/>
+            </a:pPr>
+            <a:r>
+              <a:rPr lang="fr-FR" sz="1400" i="1" dirty="0">
+                <a:solidFill>
+                  <a:schemeClr val="bg1"/>
+                </a:solidFill>
+                <a:latin typeface="Montserrat" panose="00000500000000000000" pitchFamily="2" charset="0"/>
+              </a:rPr>
+              <a:t>évaluation du coût pour 500 000 images sur 30 jours en </a:t>
+            </a:r>
+            <a:r>
+              <a:rPr lang="fr-FR" sz="1400" b="0" i="1" dirty="0">
+                <a:solidFill>
+                  <a:schemeClr val="bg1"/>
+                </a:solidFill>
+                <a:effectLst/>
+                <a:latin typeface="Montserrat" panose="00000500000000000000" pitchFamily="2" charset="0"/>
+              </a:rPr>
+              <a:t>utilisant  l’API de </a:t>
+            </a:r>
+            <a:r>
+              <a:rPr lang="fr-FR" sz="1400" b="0" i="1" dirty="0" err="1">
+                <a:solidFill>
+                  <a:schemeClr val="bg1"/>
+                </a:solidFill>
+                <a:effectLst/>
+                <a:latin typeface="Montserrat" panose="00000500000000000000" pitchFamily="2" charset="0"/>
+              </a:rPr>
+              <a:t>Hugging</a:t>
+            </a:r>
+            <a:r>
+              <a:rPr lang="fr-FR" sz="1400" b="0" i="1" dirty="0">
+                <a:solidFill>
+                  <a:schemeClr val="bg1"/>
+                </a:solidFill>
+                <a:effectLst/>
+                <a:latin typeface="Montserrat" panose="00000500000000000000" pitchFamily="2" charset="0"/>
+              </a:rPr>
+              <a:t> Face.</a:t>
+            </a:r>
+            <a:endParaRPr sz="1500" i="1" dirty="0">
               <a:solidFill>
-                <a:schemeClr val="tx2"/>
+                <a:schemeClr val="bg1"/>
               </a:solidFill>
-              <a:latin typeface="Aptos" panose="020B0004020202020204" pitchFamily="34" charset="0"/>
+              <a:latin typeface="Montserrat" panose="00000500000000000000" pitchFamily="2" charset="0"/>
             </a:endParaRPr>
           </a:p>
         </p:txBody>
@@ -10146,10 +10248,10 @@
               <a:buNone/>
             </a:pPr>
             <a:r>
-              <a:rPr lang="fr"/>
+              <a:rPr lang="fr" dirty="0"/>
               <a:t>Fonctionnement de Segformer</a:t>
             </a:r>
-            <a:endParaRPr/>
+            <a:endParaRPr dirty="0"/>
           </a:p>
         </p:txBody>
       </p:sp>
@@ -10165,8 +10267,8 @@
         </p:nvSpPr>
         <p:spPr>
           <a:xfrm>
-            <a:off x="331839" y="1567550"/>
-            <a:ext cx="8325464" cy="2617100"/>
+            <a:off x="331839" y="1338950"/>
+            <a:ext cx="8440686" cy="2617100"/>
           </a:xfrm>
           <a:prstGeom prst="rect">
             <a:avLst/>
@@ -10174,188 +10276,226 @@
         </p:spPr>
         <p:txBody>
           <a:bodyPr spcFirstLastPara="1" wrap="square" lIns="91425" tIns="91425" rIns="91425" bIns="91425" anchor="t" anchorCtr="0">
-            <a:normAutofit lnSpcReduction="10000"/>
+            <a:noAutofit/>
           </a:bodyPr>
           <a:lstStyle/>
           <a:p>
-            <a:pPr algn="just" rtl="0">
-              <a:buFont typeface="Wingdings" panose="05000000000000000000" pitchFamily="2" charset="2"/>
-              <a:buChar char="q"/>
+            <a:pPr marL="146050" indent="0" algn="just" rtl="0">
+              <a:lnSpc>
+                <a:spcPct val="130000"/>
+              </a:lnSpc>
+              <a:buNone/>
             </a:pPr>
             <a:r>
-              <a:rPr lang="fr-FR" sz="2000" i="0" dirty="0">
-                <a:solidFill>
-                  <a:srgbClr val="00B0F0"/>
-                </a:solidFill>
-                <a:effectLst/>
-                <a:latin typeface="Aptos" panose="020B0004020202020204" pitchFamily="34" charset="0"/>
-              </a:rPr>
-              <a:t>Définition </a:t>
-            </a:r>
-            <a:r>
-              <a:rPr lang="fr-FR" sz="2000" i="0" dirty="0">
-                <a:solidFill>
-                  <a:schemeClr val="bg1"/>
-                </a:solidFill>
-                <a:effectLst/>
-                <a:latin typeface="Aptos" panose="020B0004020202020204" pitchFamily="34" charset="0"/>
-              </a:rPr>
-              <a:t>: </a:t>
-            </a:r>
-            <a:r>
-              <a:rPr lang="fr-FR" sz="2000" i="0" dirty="0" err="1">
+              <a:rPr lang="fr-FR" sz="1500" i="0" dirty="0" err="1">
                 <a:solidFill>
                   <a:schemeClr val="tx2">
                     <a:lumMod val="75000"/>
                   </a:schemeClr>
                 </a:solidFill>
                 <a:effectLst/>
-                <a:latin typeface="Aptos" panose="020B0004020202020204" pitchFamily="34" charset="0"/>
+                <a:latin typeface="Montserrat" panose="00000500000000000000" pitchFamily="2" charset="0"/>
               </a:rPr>
               <a:t>SegFormer-clothes</a:t>
             </a:r>
             <a:r>
-              <a:rPr lang="fr-FR" sz="2000" i="0" dirty="0">
+              <a:rPr lang="fr-FR" sz="1500" i="0" dirty="0">
                 <a:solidFill>
                   <a:schemeClr val="bg1"/>
                 </a:solidFill>
                 <a:effectLst/>
-                <a:latin typeface="Aptos" panose="020B0004020202020204" pitchFamily="34" charset="0"/>
-              </a:rPr>
-              <a:t>, modèle affiné de </a:t>
-            </a:r>
-            <a:r>
-              <a:rPr lang="fr-FR" sz="2000" i="0" dirty="0" err="1">
+                <a:latin typeface="Montserrat" panose="00000500000000000000" pitchFamily="2" charset="0"/>
+              </a:rPr>
+              <a:t>, modèle pré-entraîné de </a:t>
+            </a:r>
+            <a:r>
+              <a:rPr lang="fr-FR" sz="1500" i="0" dirty="0" err="1">
                 <a:solidFill>
                   <a:schemeClr val="bg1"/>
                 </a:solidFill>
                 <a:effectLst/>
-                <a:latin typeface="Aptos" panose="020B0004020202020204" pitchFamily="34" charset="0"/>
+                <a:latin typeface="Montserrat" panose="00000500000000000000" pitchFamily="2" charset="0"/>
               </a:rPr>
               <a:t>Hugging</a:t>
             </a:r>
             <a:r>
-              <a:rPr lang="fr-FR" sz="2000" i="0" dirty="0">
+              <a:rPr lang="fr-FR" sz="1500" i="0" dirty="0">
                 <a:solidFill>
                   <a:schemeClr val="bg1"/>
                 </a:solidFill>
                 <a:effectLst/>
-                <a:latin typeface="Aptos" panose="020B0004020202020204" pitchFamily="34" charset="0"/>
-              </a:rPr>
-              <a:t> </a:t>
-            </a:r>
-            <a:r>
-              <a:rPr lang="fr-FR" sz="2000" i="0" dirty="0" err="1">
+                <a:latin typeface="Montserrat" panose="00000500000000000000" pitchFamily="2" charset="0"/>
+              </a:rPr>
+              <a:t> Face sur la segmentation vestimentaire</a:t>
+            </a:r>
+            <a:r>
+              <a:rPr lang="fr-FR" sz="1500" dirty="0">
+                <a:solidFill>
+                  <a:schemeClr val="bg1"/>
+                </a:solidFill>
+                <a:latin typeface="Montserrat" panose="00000500000000000000" pitchFamily="2" charset="0"/>
+              </a:rPr>
+              <a:t>, doit renvoyer la segmentation correcte des différentes pièces vestimentaires</a:t>
+            </a:r>
+            <a:r>
+              <a:rPr lang="fr-FR" sz="1500" i="0" dirty="0">
                 <a:solidFill>
                   <a:schemeClr val="bg1"/>
                 </a:solidFill>
                 <a:effectLst/>
-                <a:latin typeface="Aptos" panose="020B0004020202020204" pitchFamily="34" charset="0"/>
-              </a:rPr>
-              <a:t>Facesur</a:t>
-            </a:r>
-            <a:r>
-              <a:rPr lang="fr-FR" sz="2000" i="0" dirty="0">
+                <a:latin typeface="Montserrat" panose="00000500000000000000" pitchFamily="2" charset="0"/>
+              </a:rPr>
+              <a:t> lorsque tu envoies une image au service </a:t>
+            </a:r>
+            <a:r>
+              <a:rPr lang="fr-FR" sz="1500" i="0" dirty="0" err="1">
                 <a:solidFill>
                   <a:schemeClr val="bg1"/>
                 </a:solidFill>
                 <a:effectLst/>
-                <a:latin typeface="Aptos" panose="020B0004020202020204" pitchFamily="34" charset="0"/>
-              </a:rPr>
-              <a:t> sur la segmentation vestimentaire. </a:t>
-            </a:r>
-            <a:r>
-              <a:rPr lang="fr-FR" sz="2000" dirty="0">
-                <a:solidFill>
-                  <a:schemeClr val="bg1"/>
-                </a:solidFill>
-                <a:latin typeface="Aptos" panose="020B0004020202020204" pitchFamily="34" charset="0"/>
-              </a:rPr>
-              <a:t>C’est</a:t>
-            </a:r>
-            <a:r>
-              <a:rPr lang="fr-FR" sz="2000" i="0" dirty="0">
+                <a:latin typeface="Montserrat" panose="00000500000000000000" pitchFamily="2" charset="0"/>
+              </a:rPr>
+              <a:t>Hugging</a:t>
+            </a:r>
+            <a:r>
+              <a:rPr lang="fr-FR" sz="1500" i="0" dirty="0">
                 <a:solidFill>
                   <a:schemeClr val="bg1"/>
                 </a:solidFill>
                 <a:effectLst/>
-                <a:latin typeface="Aptos" panose="020B0004020202020204" pitchFamily="34" charset="0"/>
-              </a:rPr>
-              <a:t> un modèle pré-entraîné capable d'identifier les différentes pièces vestimentaires dans une photo. </a:t>
+                <a:latin typeface="Montserrat" panose="00000500000000000000" pitchFamily="2" charset="0"/>
+              </a:rPr>
+              <a:t> Face. </a:t>
             </a:r>
           </a:p>
           <a:p>
-            <a:pPr algn="just" rtl="0">
-              <a:buFont typeface="Wingdings" panose="05000000000000000000" pitchFamily="2" charset="2"/>
-              <a:buChar char="q"/>
+            <a:pPr marL="146050" indent="0" algn="just" rtl="0">
+              <a:lnSpc>
+                <a:spcPct val="130000"/>
+              </a:lnSpc>
+              <a:buNone/>
             </a:pPr>
-            <a:endParaRPr lang="fr-FR" sz="2000" i="0" dirty="0">
+            <a:endParaRPr lang="fr-FR" sz="1500" dirty="0">
               <a:solidFill>
                 <a:schemeClr val="bg1"/>
               </a:solidFill>
-              <a:effectLst/>
-              <a:latin typeface="Aptos" panose="020B0004020202020204" pitchFamily="34" charset="0"/>
+              <a:latin typeface="Montserrat" panose="00000500000000000000" pitchFamily="2" charset="0"/>
             </a:endParaRPr>
           </a:p>
           <a:p>
             <a:pPr algn="just">
+              <a:lnSpc>
+                <a:spcPct val="130000"/>
+              </a:lnSpc>
               <a:buFont typeface="Wingdings" panose="05000000000000000000" pitchFamily="2" charset="2"/>
               <a:buChar char="q"/>
             </a:pPr>
             <a:r>
-              <a:rPr lang="fr-FR" sz="2000" i="0" dirty="0" err="1">
+              <a:rPr lang="fr-FR" sz="1500" i="0" dirty="0">
                 <a:solidFill>
                   <a:schemeClr val="bg1"/>
                 </a:solidFill>
                 <a:effectLst/>
-                <a:latin typeface="Aptos" panose="020B0004020202020204" pitchFamily="34" charset="0"/>
-              </a:rPr>
-              <a:t>SegFormer-clothes</a:t>
-            </a:r>
-            <a:r>
-              <a:rPr lang="fr-FR" sz="2000" dirty="0">
-                <a:solidFill>
-                  <a:schemeClr val="bg1"/>
-                </a:solidFill>
-                <a:latin typeface="Aptos" panose="020B0004020202020204" pitchFamily="34" charset="0"/>
-              </a:rPr>
-              <a:t> doit renvoyer la segmentation correcte des différentes pièces vestimentaires</a:t>
-            </a:r>
-            <a:r>
-              <a:rPr lang="fr-FR" sz="2000" i="0" dirty="0">
+                <a:latin typeface="Montserrat" panose="00000500000000000000" pitchFamily="2" charset="0"/>
+              </a:rPr>
+              <a:t>Le modèle renvoie des masques pour différentes classes (cheveux, chapeau, etc.).</a:t>
+            </a:r>
+          </a:p>
+          <a:p>
+            <a:pPr algn="just">
+              <a:lnSpc>
+                <a:spcPct val="130000"/>
+              </a:lnSpc>
+              <a:buFont typeface="Wingdings" panose="05000000000000000000" pitchFamily="2" charset="2"/>
+              <a:buChar char="q"/>
+            </a:pPr>
+            <a:r>
+              <a:rPr lang="fr-FR" sz="1500" i="0" dirty="0">
                 <a:solidFill>
                   <a:schemeClr val="bg1"/>
                 </a:solidFill>
                 <a:effectLst/>
-                <a:latin typeface="Aptos" panose="020B0004020202020204" pitchFamily="34" charset="0"/>
-              </a:rPr>
-              <a:t> lorsque tu envoies une image au service </a:t>
-            </a:r>
-            <a:r>
-              <a:rPr lang="fr-FR" sz="2000" i="0" dirty="0" err="1">
-                <a:solidFill>
-                  <a:schemeClr val="bg1"/>
-                </a:solidFill>
-                <a:effectLst/>
-                <a:latin typeface="Aptos" panose="020B0004020202020204" pitchFamily="34" charset="0"/>
-              </a:rPr>
-              <a:t>Hugging</a:t>
-            </a:r>
-            <a:r>
-              <a:rPr lang="fr-FR" sz="2000" i="0" dirty="0">
-                <a:solidFill>
-                  <a:schemeClr val="bg1"/>
-                </a:solidFill>
-                <a:effectLst/>
-                <a:latin typeface="Aptos" panose="020B0004020202020204" pitchFamily="34" charset="0"/>
-              </a:rPr>
-              <a:t> Face.</a:t>
-            </a:r>
-            <a:endParaRPr sz="2000" dirty="0">
+                <a:latin typeface="Montserrat" panose="00000500000000000000" pitchFamily="2" charset="0"/>
+              </a:rPr>
+              <a:t>Ces masques sont encodés en base64. </a:t>
+            </a:r>
+          </a:p>
+          <a:p>
+            <a:pPr lvl="1" algn="just">
+              <a:lnSpc>
+                <a:spcPct val="130000"/>
+              </a:lnSpc>
+              <a:buFont typeface="Wingdings" panose="05000000000000000000" pitchFamily="2" charset="2"/>
+              <a:buChar char="v"/>
+            </a:pPr>
+            <a:r>
+              <a:rPr lang="fr-FR" sz="1500" dirty="0">
+                <a:solidFill>
+                  <a:schemeClr val="bg1"/>
+                </a:solidFill>
+                <a:latin typeface="Montserrat" panose="00000500000000000000" pitchFamily="2" charset="0"/>
+              </a:rPr>
+              <a:t>Un dictionnaire qui associe les noms de classes à des identifiants numériques.</a:t>
+            </a:r>
+          </a:p>
+          <a:p>
+            <a:pPr lvl="1" algn="just">
+              <a:lnSpc>
+                <a:spcPct val="130000"/>
+              </a:lnSpc>
+              <a:buFont typeface="Wingdings" panose="05000000000000000000" pitchFamily="2" charset="2"/>
+              <a:buChar char="v"/>
+            </a:pPr>
+            <a:r>
+              <a:rPr lang="fr-FR" sz="1500" dirty="0">
+                <a:solidFill>
+                  <a:schemeClr val="bg1"/>
+                </a:solidFill>
+                <a:latin typeface="Montserrat" panose="00000500000000000000" pitchFamily="2" charset="0"/>
+              </a:rPr>
+              <a:t>Récupérer les dimensions d'une image.</a:t>
+            </a:r>
+          </a:p>
+          <a:p>
+            <a:pPr lvl="1" algn="just">
+              <a:lnSpc>
+                <a:spcPct val="130000"/>
+              </a:lnSpc>
+              <a:buFont typeface="Wingdings" panose="05000000000000000000" pitchFamily="2" charset="2"/>
+              <a:buChar char="v"/>
+            </a:pPr>
+            <a:r>
+              <a:rPr lang="fr-FR" sz="1500" dirty="0">
+                <a:solidFill>
+                  <a:schemeClr val="bg1"/>
+                </a:solidFill>
+                <a:latin typeface="Montserrat" panose="00000500000000000000" pitchFamily="2" charset="0"/>
+              </a:rPr>
+              <a:t>Décoder un masque de base64 en une image et le redimensionner.</a:t>
+            </a:r>
+          </a:p>
+          <a:p>
+            <a:pPr lvl="1" algn="just">
+              <a:lnSpc>
+                <a:spcPct val="130000"/>
+              </a:lnSpc>
+              <a:buFont typeface="Wingdings" panose="05000000000000000000" pitchFamily="2" charset="2"/>
+              <a:buChar char="v"/>
+            </a:pPr>
+            <a:r>
+              <a:rPr lang="fr-FR" sz="1500" dirty="0">
+                <a:solidFill>
+                  <a:schemeClr val="bg1"/>
+                </a:solidFill>
+                <a:latin typeface="Montserrat" panose="00000500000000000000" pitchFamily="2" charset="0"/>
+              </a:rPr>
+              <a:t>Combiner les masques de toutes les classes détectées en un seul masque de segmentation final, où chaque pixel a la valeur de l'ID de sa classe.</a:t>
+            </a:r>
+            <a:endParaRPr sz="1500" dirty="0">
               <a:solidFill>
                 <a:schemeClr val="bg1"/>
               </a:solidFill>
-              <a:latin typeface="Aptos" panose="020B0004020202020204" pitchFamily="34" charset="0"/>
+              <a:latin typeface="Montserrat" panose="00000500000000000000" pitchFamily="2" charset="0"/>
             </a:endParaRPr>
           </a:p>
         </p:txBody>
@@ -10429,83 +10569,1258 @@
       </p:sp>
       <p:sp>
         <p:nvSpPr>
-          <p:cNvPr id="153" name="Google Shape;153;p16"/>
-          <p:cNvSpPr txBox="1">
-            <a:spLocks noGrp="1"/>
-          </p:cNvSpPr>
-          <p:nvPr>
-            <p:ph type="body" idx="1"/>
-          </p:nvPr>
+          <p:cNvPr id="5" name="TextBox 2">
+            <a:extLst>
+              <a:ext uri="{FF2B5EF4-FFF2-40B4-BE49-F238E27FC236}">
+                <a16:creationId xmlns:a16="http://schemas.microsoft.com/office/drawing/2014/main" id="{48F2EAF5-78AA-527A-AC56-DCDC67CAC833}"/>
+              </a:ext>
+            </a:extLst>
+          </p:cNvPr>
+          <p:cNvSpPr txBox="1"/>
+          <p:nvPr/>
         </p:nvSpPr>
         <p:spPr>
           <a:xfrm>
-            <a:off x="1297500" y="1567550"/>
-            <a:ext cx="7038900" cy="2911200"/>
+            <a:off x="1058057" y="1223356"/>
+            <a:ext cx="8069838" cy="1033809"/>
           </a:xfrm>
           <a:prstGeom prst="rect">
             <a:avLst/>
           </a:prstGeom>
+          <a:noFill/>
         </p:spPr>
         <p:txBody>
-          <a:bodyPr spcFirstLastPara="1" wrap="square" lIns="91425" tIns="91425" rIns="91425" bIns="91425" anchor="t" anchorCtr="0">
-            <a:normAutofit/>
+          <a:bodyPr wrap="none">
+            <a:spAutoFit/>
           </a:bodyPr>
           <a:lstStyle/>
           <a:p>
-            <a:pPr marL="0" lvl="0" indent="0" algn="l" rtl="0">
-              <a:spcBef>
-                <a:spcPts val="0"/>
-              </a:spcBef>
-              <a:spcAft>
-                <a:spcPts val="1200"/>
-              </a:spcAft>
-              <a:buNone/>
+            <a:pPr>
+              <a:lnSpc>
+                <a:spcPct val="120000"/>
+              </a:lnSpc>
+              <a:defRPr sz="1800">
+                <a:solidFill>
+                  <a:srgbClr val="3C3C3C"/>
+                </a:solidFill>
+              </a:defRPr>
             </a:pPr>
             <a:r>
-              <a:rPr lang="fr-FR" b="0" i="0" dirty="0">
-                <a:solidFill>
-                  <a:schemeClr val="bg1"/>
-                </a:solidFill>
-                <a:effectLst/>
-                <a:latin typeface="Inter" panose="020B0604020202020204" charset="0"/>
-              </a:rPr>
-              <a:t>Pour la segmentation, le modèle </a:t>
-            </a:r>
-            <a:r>
-              <a:rPr lang="fr-FR" b="0" i="0" dirty="0" err="1">
-                <a:solidFill>
-                  <a:schemeClr val="bg1"/>
-                </a:solidFill>
-                <a:effectLst/>
-                <a:latin typeface="Inter" panose="020B0604020202020204" charset="0"/>
-              </a:rPr>
-              <a:t>SegFormer-clothes</a:t>
-            </a:r>
-            <a:r>
-              <a:rPr lang="fr-FR" b="0" i="0">
-                <a:solidFill>
-                  <a:schemeClr val="bg1"/>
-                </a:solidFill>
-                <a:effectLst/>
-                <a:latin typeface="Inter" panose="020B0604020202020204" charset="0"/>
-              </a:rPr>
-              <a:t>, pré-entraîné </a:t>
-            </a:r>
-            <a:r>
-              <a:rPr lang="fr-FR" b="0" i="0" dirty="0">
-                <a:solidFill>
-                  <a:schemeClr val="bg1"/>
-                </a:solidFill>
-                <a:effectLst/>
-                <a:latin typeface="Inter" panose="020B0604020202020204" charset="0"/>
-              </a:rPr>
-              <a:t>capable d'identifier les différentes pièces vestimentaires dans une photo comme sur l'illustration ci-dessous. </a:t>
-            </a:r>
-            <a:endParaRPr dirty="0">
+              <a:rPr sz="1300" dirty="0">
+                <a:solidFill>
+                  <a:schemeClr val="tx2">
+                    <a:lumMod val="75000"/>
+                  </a:schemeClr>
+                </a:solidFill>
+                <a:latin typeface="Montserrat" panose="00000500000000000000" pitchFamily="2" charset="0"/>
+              </a:rPr>
+              <a:t>Mean </a:t>
+            </a:r>
+            <a:r>
+              <a:rPr sz="1300" dirty="0" err="1">
+                <a:solidFill>
+                  <a:schemeClr val="tx2">
+                    <a:lumMod val="75000"/>
+                  </a:schemeClr>
+                </a:solidFill>
+                <a:latin typeface="Montserrat" panose="00000500000000000000" pitchFamily="2" charset="0"/>
+              </a:rPr>
+              <a:t>IoU</a:t>
+            </a:r>
+            <a:r>
+              <a:rPr sz="1300" dirty="0">
+                <a:solidFill>
+                  <a:schemeClr val="tx2">
+                    <a:lumMod val="75000"/>
+                  </a:schemeClr>
+                </a:solidFill>
+                <a:latin typeface="Montserrat" panose="00000500000000000000" pitchFamily="2" charset="0"/>
+              </a:rPr>
+              <a:t> global (sans classes </a:t>
+            </a:r>
+            <a:r>
+              <a:rPr sz="1300" dirty="0" err="1">
+                <a:solidFill>
+                  <a:schemeClr val="tx2">
+                    <a:lumMod val="75000"/>
+                  </a:schemeClr>
+                </a:solidFill>
+                <a:latin typeface="Montserrat" panose="00000500000000000000" pitchFamily="2" charset="0"/>
+              </a:rPr>
+              <a:t>nulles</a:t>
+            </a:r>
+            <a:r>
+              <a:rPr sz="1300" dirty="0">
+                <a:solidFill>
+                  <a:schemeClr val="tx2">
+                    <a:lumMod val="75000"/>
+                  </a:schemeClr>
+                </a:solidFill>
+                <a:latin typeface="Montserrat" panose="00000500000000000000" pitchFamily="2" charset="0"/>
+              </a:rPr>
+              <a:t>) : 0.66 → performance </a:t>
+            </a:r>
+            <a:r>
+              <a:rPr sz="1300" dirty="0" err="1">
+                <a:solidFill>
+                  <a:schemeClr val="tx2">
+                    <a:lumMod val="75000"/>
+                  </a:schemeClr>
+                </a:solidFill>
+                <a:latin typeface="Montserrat" panose="00000500000000000000" pitchFamily="2" charset="0"/>
+              </a:rPr>
+              <a:t>moyenne</a:t>
+            </a:r>
+            <a:r>
+              <a:rPr sz="1300" dirty="0">
+                <a:solidFill>
+                  <a:schemeClr val="tx2">
+                    <a:lumMod val="75000"/>
+                  </a:schemeClr>
+                </a:solidFill>
+                <a:latin typeface="Montserrat" panose="00000500000000000000" pitchFamily="2" charset="0"/>
+              </a:rPr>
+              <a:t> </a:t>
+            </a:r>
+            <a:r>
+              <a:rPr sz="1300" dirty="0" err="1">
+                <a:solidFill>
+                  <a:schemeClr val="tx2">
+                    <a:lumMod val="75000"/>
+                  </a:schemeClr>
+                </a:solidFill>
+                <a:latin typeface="Montserrat" panose="00000500000000000000" pitchFamily="2" charset="0"/>
+              </a:rPr>
+              <a:t>correcte</a:t>
+            </a:r>
+            <a:r>
+              <a:rPr sz="1300" dirty="0">
+                <a:solidFill>
+                  <a:schemeClr val="tx2">
+                    <a:lumMod val="75000"/>
+                  </a:schemeClr>
+                </a:solidFill>
+                <a:latin typeface="Montserrat" panose="00000500000000000000" pitchFamily="2" charset="0"/>
+              </a:rPr>
+              <a:t> </a:t>
+            </a:r>
+            <a:endParaRPr lang="fr-FR" sz="1300" dirty="0">
+              <a:solidFill>
+                <a:schemeClr val="tx2">
+                  <a:lumMod val="75000"/>
+                </a:schemeClr>
+              </a:solidFill>
+              <a:latin typeface="Montserrat" panose="00000500000000000000" pitchFamily="2" charset="0"/>
+            </a:endParaRPr>
+          </a:p>
+          <a:p>
+            <a:pPr>
+              <a:lnSpc>
+                <a:spcPct val="120000"/>
+              </a:lnSpc>
+              <a:defRPr sz="1800">
+                <a:solidFill>
+                  <a:srgbClr val="3C3C3C"/>
+                </a:solidFill>
+              </a:defRPr>
+            </a:pPr>
+            <a:r>
+              <a:rPr sz="1300" dirty="0" err="1">
+                <a:solidFill>
+                  <a:schemeClr val="tx2">
+                    <a:lumMod val="75000"/>
+                  </a:schemeClr>
+                </a:solidFill>
+                <a:latin typeface="Montserrat" panose="00000500000000000000" pitchFamily="2" charset="0"/>
+              </a:rPr>
+              <a:t>mais</a:t>
+            </a:r>
+            <a:r>
+              <a:rPr sz="1300" dirty="0">
+                <a:solidFill>
+                  <a:schemeClr val="tx2">
+                    <a:lumMod val="75000"/>
+                  </a:schemeClr>
+                </a:solidFill>
+                <a:latin typeface="Montserrat" panose="00000500000000000000" pitchFamily="2" charset="0"/>
+              </a:rPr>
+              <a:t> </a:t>
+            </a:r>
+            <a:r>
+              <a:rPr sz="1300" dirty="0" err="1">
+                <a:solidFill>
+                  <a:schemeClr val="tx2">
+                    <a:lumMod val="75000"/>
+                  </a:schemeClr>
+                </a:solidFill>
+                <a:latin typeface="Montserrat" panose="00000500000000000000" pitchFamily="2" charset="0"/>
+              </a:rPr>
+              <a:t>hétérogène</a:t>
+            </a:r>
+            <a:r>
+              <a:rPr sz="1300" dirty="0">
+                <a:solidFill>
+                  <a:schemeClr val="tx2">
+                    <a:lumMod val="75000"/>
+                  </a:schemeClr>
+                </a:solidFill>
+                <a:latin typeface="Montserrat" panose="00000500000000000000" pitchFamily="2" charset="0"/>
+              </a:rPr>
+              <a:t> </a:t>
+            </a:r>
+            <a:r>
+              <a:rPr sz="1300" dirty="0" err="1">
+                <a:solidFill>
+                  <a:schemeClr val="tx2">
+                    <a:lumMod val="75000"/>
+                  </a:schemeClr>
+                </a:solidFill>
+                <a:latin typeface="Montserrat" panose="00000500000000000000" pitchFamily="2" charset="0"/>
+              </a:rPr>
+              <a:t>selon</a:t>
+            </a:r>
+            <a:r>
+              <a:rPr sz="1300" dirty="0">
+                <a:solidFill>
+                  <a:schemeClr val="tx2">
+                    <a:lumMod val="75000"/>
+                  </a:schemeClr>
+                </a:solidFill>
+                <a:latin typeface="Montserrat" panose="00000500000000000000" pitchFamily="2" charset="0"/>
+              </a:rPr>
+              <a:t> les classes.</a:t>
+            </a:r>
+            <a:r>
+              <a:rPr lang="fr-FR" sz="1300" dirty="0">
+                <a:solidFill>
+                  <a:schemeClr val="tx2">
+                    <a:lumMod val="75000"/>
+                  </a:schemeClr>
+                </a:solidFill>
+                <a:latin typeface="Montserrat" panose="00000500000000000000" pitchFamily="2" charset="0"/>
+              </a:rPr>
+              <a:t> En segmentation, une </a:t>
+            </a:r>
+            <a:r>
+              <a:rPr lang="fr-FR" sz="1300" dirty="0" err="1">
+                <a:solidFill>
+                  <a:schemeClr val="tx2">
+                    <a:lumMod val="75000"/>
+                  </a:schemeClr>
+                </a:solidFill>
+                <a:latin typeface="Montserrat" panose="00000500000000000000" pitchFamily="2" charset="0"/>
+              </a:rPr>
+              <a:t>mIoU</a:t>
+            </a:r>
+            <a:r>
+              <a:rPr lang="fr-FR" sz="1300" dirty="0">
+                <a:solidFill>
+                  <a:schemeClr val="tx2">
+                    <a:lumMod val="75000"/>
+                  </a:schemeClr>
+                </a:solidFill>
+                <a:latin typeface="Montserrat" panose="00000500000000000000" pitchFamily="2" charset="0"/>
+              </a:rPr>
+              <a:t> de </a:t>
+            </a:r>
+            <a:r>
+              <a:rPr lang="fr-FR" sz="1300" b="1" dirty="0">
+                <a:solidFill>
+                  <a:schemeClr val="tx2">
+                    <a:lumMod val="75000"/>
+                  </a:schemeClr>
+                </a:solidFill>
+                <a:latin typeface="Montserrat" panose="00000500000000000000" pitchFamily="2" charset="0"/>
+              </a:rPr>
+              <a:t>0.65–0.70</a:t>
+            </a:r>
+            <a:r>
+              <a:rPr lang="fr-FR" sz="1300" dirty="0">
+                <a:solidFill>
+                  <a:schemeClr val="tx2">
+                    <a:lumMod val="75000"/>
+                  </a:schemeClr>
+                </a:solidFill>
+                <a:latin typeface="Montserrat" panose="00000500000000000000" pitchFamily="2" charset="0"/>
+              </a:rPr>
+              <a:t> est jugée </a:t>
+            </a:r>
+          </a:p>
+          <a:p>
+            <a:pPr>
+              <a:lnSpc>
+                <a:spcPct val="120000"/>
+              </a:lnSpc>
+              <a:defRPr sz="1800">
+                <a:solidFill>
+                  <a:srgbClr val="3C3C3C"/>
+                </a:solidFill>
+              </a:defRPr>
+            </a:pPr>
+            <a:r>
+              <a:rPr lang="fr-FR" sz="1300" b="1" dirty="0" err="1">
+                <a:solidFill>
+                  <a:schemeClr val="tx2">
+                    <a:lumMod val="75000"/>
+                  </a:schemeClr>
+                </a:solidFill>
+                <a:latin typeface="Montserrat" panose="00000500000000000000" pitchFamily="2" charset="0"/>
+              </a:rPr>
+              <a:t>accceptable</a:t>
+            </a:r>
+            <a:r>
+              <a:rPr lang="fr-FR" sz="1300" dirty="0">
+                <a:solidFill>
+                  <a:schemeClr val="tx2">
+                    <a:lumMod val="75000"/>
+                  </a:schemeClr>
+                </a:solidFill>
+                <a:latin typeface="Montserrat" panose="00000500000000000000" pitchFamily="2" charset="0"/>
+              </a:rPr>
+              <a:t> pour un modèle pré-entraîné sans fine-tuning, mais </a:t>
+            </a:r>
+            <a:r>
+              <a:rPr lang="fr-FR" sz="1300" b="1" dirty="0">
+                <a:solidFill>
+                  <a:schemeClr val="tx2">
+                    <a:lumMod val="75000"/>
+                  </a:schemeClr>
+                </a:solidFill>
+                <a:latin typeface="Montserrat" panose="00000500000000000000" pitchFamily="2" charset="0"/>
+              </a:rPr>
+              <a:t>insuffisante pour un usage </a:t>
+            </a:r>
+          </a:p>
+          <a:p>
+            <a:pPr>
+              <a:lnSpc>
+                <a:spcPct val="120000"/>
+              </a:lnSpc>
+              <a:defRPr sz="1800">
+                <a:solidFill>
+                  <a:srgbClr val="3C3C3C"/>
+                </a:solidFill>
+              </a:defRPr>
+            </a:pPr>
+            <a:r>
+              <a:rPr lang="fr-FR" sz="1300" b="1" dirty="0">
+                <a:solidFill>
+                  <a:schemeClr val="tx2">
+                    <a:lumMod val="75000"/>
+                  </a:schemeClr>
+                </a:solidFill>
+                <a:latin typeface="Montserrat" panose="00000500000000000000" pitchFamily="2" charset="0"/>
+              </a:rPr>
+              <a:t>industriel</a:t>
+            </a:r>
+            <a:r>
+              <a:rPr lang="fr-FR" sz="1300" dirty="0">
+                <a:solidFill>
+                  <a:schemeClr val="tx2">
+                    <a:lumMod val="75000"/>
+                  </a:schemeClr>
+                </a:solidFill>
+                <a:latin typeface="Montserrat" panose="00000500000000000000" pitchFamily="2" charset="0"/>
+              </a:rPr>
+              <a:t> exigeant de la précision ( ex: e-commerce,…)</a:t>
+            </a:r>
+            <a:endParaRPr sz="1300" dirty="0">
+              <a:solidFill>
+                <a:schemeClr val="tx2">
+                  <a:lumMod val="75000"/>
+                </a:schemeClr>
+              </a:solidFill>
+              <a:latin typeface="Montserrat" panose="00000500000000000000" pitchFamily="2" charset="0"/>
+            </a:endParaRPr>
+          </a:p>
+        </p:txBody>
+      </p:sp>
+      <p:sp>
+        <p:nvSpPr>
+          <p:cNvPr id="6" name="TextBox 3">
+            <a:extLst>
+              <a:ext uri="{FF2B5EF4-FFF2-40B4-BE49-F238E27FC236}">
+                <a16:creationId xmlns:a16="http://schemas.microsoft.com/office/drawing/2014/main" id="{85647A0C-1DDA-BAB8-1F71-7AF4330C07A5}"/>
+              </a:ext>
+            </a:extLst>
+          </p:cNvPr>
+          <p:cNvSpPr txBox="1"/>
+          <p:nvPr/>
+        </p:nvSpPr>
+        <p:spPr>
+          <a:xfrm>
+            <a:off x="443742" y="2259327"/>
+            <a:ext cx="4730932" cy="1404552"/>
+          </a:xfrm>
+          <a:prstGeom prst="rect">
+            <a:avLst/>
+          </a:prstGeom>
+          <a:noFill/>
+        </p:spPr>
+        <p:txBody>
+          <a:bodyPr wrap="square">
+            <a:spAutoFit/>
+          </a:bodyPr>
+          <a:lstStyle/>
+          <a:p>
+            <a:pPr>
+              <a:lnSpc>
+                <a:spcPct val="120000"/>
+              </a:lnSpc>
+            </a:pPr>
+            <a:endParaRPr sz="1200" dirty="0">
               <a:solidFill>
                 <a:schemeClr val="bg1"/>
               </a:solidFill>
+              <a:latin typeface="Montserrat" panose="00000500000000000000" pitchFamily="2" charset="0"/>
             </a:endParaRPr>
+          </a:p>
+          <a:p>
+            <a:pPr>
+              <a:lnSpc>
+                <a:spcPct val="120000"/>
+              </a:lnSpc>
+              <a:defRPr sz="2000" b="1">
+                <a:solidFill>
+                  <a:srgbClr val="0066CC"/>
+                </a:solidFill>
+              </a:defRPr>
+            </a:pPr>
+            <a:r>
+              <a:rPr sz="1200" dirty="0">
+                <a:solidFill>
+                  <a:schemeClr val="bg1"/>
+                </a:solidFill>
+                <a:latin typeface="Montserrat" panose="00000500000000000000" pitchFamily="2" charset="0"/>
+              </a:rPr>
+              <a:t>✅ </a:t>
+            </a:r>
+            <a:r>
+              <a:rPr sz="1200" dirty="0">
+                <a:solidFill>
+                  <a:srgbClr val="0070C0"/>
+                </a:solidFill>
+                <a:latin typeface="Montserrat" panose="00000500000000000000" pitchFamily="2" charset="0"/>
+              </a:rPr>
+              <a:t>Points forts :</a:t>
+            </a:r>
+          </a:p>
+          <a:p>
+            <a:pPr marL="171450" lvl="1" indent="-171450">
+              <a:lnSpc>
+                <a:spcPct val="120000"/>
+              </a:lnSpc>
+              <a:buClr>
+                <a:schemeClr val="bg1"/>
+              </a:buClr>
+              <a:buFont typeface="Wingdings" panose="05000000000000000000" pitchFamily="2" charset="2"/>
+              <a:buChar char="§"/>
+              <a:defRPr sz="1600">
+                <a:solidFill>
+                  <a:srgbClr val="3C3C3C"/>
+                </a:solidFill>
+              </a:defRPr>
+            </a:pPr>
+            <a:r>
+              <a:rPr lang="fr-FR" sz="1200" dirty="0">
+                <a:solidFill>
+                  <a:schemeClr val="bg1"/>
+                </a:solidFill>
+                <a:latin typeface="Montserrat" panose="00000500000000000000" pitchFamily="2" charset="0"/>
+              </a:rPr>
+              <a:t>Très bonnes classes : 0, 4, 6, 11 </a:t>
+            </a:r>
+            <a:r>
+              <a:rPr sz="1200" dirty="0">
+                <a:solidFill>
+                  <a:schemeClr val="bg1"/>
+                </a:solidFill>
+                <a:latin typeface="Montserrat" panose="00000500000000000000" pitchFamily="2" charset="0"/>
+              </a:rPr>
+              <a:t>(</a:t>
+            </a:r>
+            <a:r>
+              <a:rPr sz="1200" dirty="0" err="1">
+                <a:solidFill>
+                  <a:schemeClr val="bg1"/>
+                </a:solidFill>
+                <a:latin typeface="Montserrat" panose="00000500000000000000" pitchFamily="2" charset="0"/>
+              </a:rPr>
+              <a:t>IoU</a:t>
+            </a:r>
+            <a:r>
+              <a:rPr sz="1200" dirty="0">
+                <a:solidFill>
+                  <a:schemeClr val="bg1"/>
+                </a:solidFill>
+                <a:latin typeface="Montserrat" panose="00000500000000000000" pitchFamily="2" charset="0"/>
+              </a:rPr>
+              <a:t> ≥ 0.80).</a:t>
+            </a:r>
+          </a:p>
+          <a:p>
+            <a:pPr marL="171450" lvl="1" indent="-171450">
+              <a:lnSpc>
+                <a:spcPct val="120000"/>
+              </a:lnSpc>
+              <a:buClr>
+                <a:schemeClr val="bg1"/>
+              </a:buClr>
+              <a:buFont typeface="Wingdings" panose="05000000000000000000" pitchFamily="2" charset="2"/>
+              <a:buChar char="§"/>
+              <a:defRPr sz="1600">
+                <a:solidFill>
+                  <a:srgbClr val="3C3C3C"/>
+                </a:solidFill>
+              </a:defRPr>
+            </a:pPr>
+            <a:r>
+              <a:rPr sz="1200" dirty="0">
+                <a:solidFill>
+                  <a:schemeClr val="bg1"/>
+                </a:solidFill>
+                <a:latin typeface="Montserrat" panose="00000500000000000000" pitchFamily="2" charset="0"/>
+              </a:rPr>
+              <a:t>Segmentation </a:t>
+            </a:r>
+            <a:r>
+              <a:rPr sz="1200" dirty="0" err="1">
+                <a:solidFill>
+                  <a:schemeClr val="bg1"/>
+                </a:solidFill>
+                <a:latin typeface="Montserrat" panose="00000500000000000000" pitchFamily="2" charset="0"/>
+              </a:rPr>
+              <a:t>fiable</a:t>
+            </a:r>
+            <a:r>
+              <a:rPr sz="1200" dirty="0">
+                <a:solidFill>
+                  <a:schemeClr val="bg1"/>
+                </a:solidFill>
+                <a:latin typeface="Montserrat" panose="00000500000000000000" pitchFamily="2" charset="0"/>
+              </a:rPr>
+              <a:t> sur zones </a:t>
+            </a:r>
+            <a:r>
+              <a:rPr sz="1200" dirty="0" err="1">
+                <a:solidFill>
+                  <a:schemeClr val="bg1"/>
+                </a:solidFill>
+                <a:latin typeface="Montserrat" panose="00000500000000000000" pitchFamily="2" charset="0"/>
+              </a:rPr>
+              <a:t>homogènes</a:t>
+            </a:r>
+            <a:r>
+              <a:rPr sz="1200" dirty="0">
+                <a:solidFill>
+                  <a:schemeClr val="bg1"/>
+                </a:solidFill>
+                <a:latin typeface="Montserrat" panose="00000500000000000000" pitchFamily="2" charset="0"/>
+              </a:rPr>
+              <a:t> : fond, </a:t>
+            </a:r>
+            <a:r>
+              <a:rPr sz="1200" dirty="0" err="1">
+                <a:solidFill>
+                  <a:schemeClr val="bg1"/>
+                </a:solidFill>
+                <a:latin typeface="Montserrat" panose="00000500000000000000" pitchFamily="2" charset="0"/>
+              </a:rPr>
+              <a:t>pantalon</a:t>
+            </a:r>
+            <a:r>
+              <a:rPr sz="1200" dirty="0">
+                <a:solidFill>
+                  <a:schemeClr val="bg1"/>
+                </a:solidFill>
+                <a:latin typeface="Montserrat" panose="00000500000000000000" pitchFamily="2" charset="0"/>
+              </a:rPr>
+              <a:t>, manteau.</a:t>
+            </a:r>
+          </a:p>
+          <a:p>
+            <a:pPr marL="171450" lvl="1" indent="-171450">
+              <a:lnSpc>
+                <a:spcPct val="120000"/>
+              </a:lnSpc>
+              <a:buClr>
+                <a:schemeClr val="bg1"/>
+              </a:buClr>
+              <a:buFont typeface="Wingdings" panose="05000000000000000000" pitchFamily="2" charset="2"/>
+              <a:buChar char="§"/>
+              <a:defRPr sz="1600">
+                <a:solidFill>
+                  <a:srgbClr val="3C3C3C"/>
+                </a:solidFill>
+              </a:defRPr>
+            </a:pPr>
+            <a:r>
+              <a:rPr sz="1200" dirty="0" err="1">
+                <a:solidFill>
+                  <a:schemeClr val="bg1"/>
+                </a:solidFill>
+                <a:latin typeface="Montserrat" panose="00000500000000000000" pitchFamily="2" charset="0"/>
+              </a:rPr>
+              <a:t>Traitement</a:t>
+            </a:r>
+            <a:r>
+              <a:rPr sz="1200" dirty="0">
+                <a:solidFill>
+                  <a:schemeClr val="bg1"/>
+                </a:solidFill>
+                <a:latin typeface="Montserrat" panose="00000500000000000000" pitchFamily="2" charset="0"/>
+              </a:rPr>
+              <a:t> </a:t>
+            </a:r>
+            <a:r>
+              <a:rPr sz="1200" dirty="0" err="1">
+                <a:solidFill>
+                  <a:schemeClr val="bg1"/>
+                </a:solidFill>
+                <a:latin typeface="Montserrat" panose="00000500000000000000" pitchFamily="2" charset="0"/>
+              </a:rPr>
+              <a:t>rapide</a:t>
+            </a:r>
+            <a:r>
+              <a:rPr sz="1200" dirty="0">
+                <a:solidFill>
+                  <a:schemeClr val="bg1"/>
+                </a:solidFill>
+                <a:latin typeface="Montserrat" panose="00000500000000000000" pitchFamily="2" charset="0"/>
+              </a:rPr>
+              <a:t> : 3 min 25 s pour 50 images.</a:t>
+            </a:r>
+          </a:p>
+        </p:txBody>
+      </p:sp>
+      <p:sp>
+        <p:nvSpPr>
+          <p:cNvPr id="7" name="TextBox 4">
+            <a:extLst>
+              <a:ext uri="{FF2B5EF4-FFF2-40B4-BE49-F238E27FC236}">
+                <a16:creationId xmlns:a16="http://schemas.microsoft.com/office/drawing/2014/main" id="{5D8E1A6C-BBED-F411-58D3-E01E050C9D01}"/>
+              </a:ext>
+            </a:extLst>
+          </p:cNvPr>
+          <p:cNvSpPr txBox="1"/>
+          <p:nvPr/>
+        </p:nvSpPr>
+        <p:spPr>
+          <a:xfrm>
+            <a:off x="443741" y="3700726"/>
+            <a:ext cx="4675514" cy="1182953"/>
+          </a:xfrm>
+          <a:prstGeom prst="rect">
+            <a:avLst/>
+          </a:prstGeom>
+          <a:noFill/>
+        </p:spPr>
+        <p:txBody>
+          <a:bodyPr wrap="square">
+            <a:spAutoFit/>
+          </a:bodyPr>
+          <a:lstStyle/>
+          <a:p>
+            <a:pPr>
+              <a:lnSpc>
+                <a:spcPct val="120000"/>
+              </a:lnSpc>
+              <a:defRPr sz="2000" b="1">
+                <a:solidFill>
+                  <a:srgbClr val="0066CC"/>
+                </a:solidFill>
+              </a:defRPr>
+            </a:pPr>
+            <a:r>
+              <a:rPr sz="1200" dirty="0">
+                <a:solidFill>
+                  <a:schemeClr val="bg1"/>
+                </a:solidFill>
+                <a:latin typeface="Montserrat" panose="00000500000000000000" pitchFamily="2" charset="0"/>
+              </a:rPr>
+              <a:t>⚠️ </a:t>
+            </a:r>
+            <a:r>
+              <a:rPr sz="1200" dirty="0">
+                <a:solidFill>
+                  <a:srgbClr val="0070C0"/>
+                </a:solidFill>
+                <a:latin typeface="Montserrat" panose="00000500000000000000" pitchFamily="2" charset="0"/>
+              </a:rPr>
+              <a:t>Points </a:t>
+            </a:r>
+            <a:r>
+              <a:rPr sz="1200" dirty="0" err="1">
+                <a:solidFill>
+                  <a:srgbClr val="0070C0"/>
+                </a:solidFill>
+                <a:latin typeface="Montserrat" panose="00000500000000000000" pitchFamily="2" charset="0"/>
+              </a:rPr>
+              <a:t>faibles</a:t>
+            </a:r>
+            <a:r>
+              <a:rPr sz="1200" dirty="0">
+                <a:solidFill>
+                  <a:srgbClr val="0070C0"/>
+                </a:solidFill>
+                <a:latin typeface="Montserrat" panose="00000500000000000000" pitchFamily="2" charset="0"/>
+              </a:rPr>
+              <a:t> </a:t>
+            </a:r>
+            <a:r>
+              <a:rPr sz="1200" dirty="0">
+                <a:solidFill>
+                  <a:schemeClr val="bg1"/>
+                </a:solidFill>
+                <a:latin typeface="Montserrat" panose="00000500000000000000" pitchFamily="2" charset="0"/>
+              </a:rPr>
+              <a:t>:</a:t>
+            </a:r>
+          </a:p>
+          <a:p>
+            <a:pPr marL="171450" lvl="1" indent="-171450">
+              <a:lnSpc>
+                <a:spcPct val="120000"/>
+              </a:lnSpc>
+              <a:buClr>
+                <a:schemeClr val="bg1"/>
+              </a:buClr>
+              <a:buFont typeface="Wingdings" panose="05000000000000000000" pitchFamily="2" charset="2"/>
+              <a:buChar char="§"/>
+              <a:defRPr sz="1600">
+                <a:solidFill>
+                  <a:srgbClr val="3C3C3C"/>
+                </a:solidFill>
+              </a:defRPr>
+            </a:pPr>
+            <a:r>
+              <a:rPr sz="1200" dirty="0">
+                <a:solidFill>
+                  <a:schemeClr val="bg1"/>
+                </a:solidFill>
+                <a:latin typeface="Montserrat" panose="00000500000000000000" pitchFamily="2" charset="0"/>
+              </a:rPr>
+              <a:t>Confusion entre chemise, </a:t>
+            </a:r>
+            <a:r>
+              <a:rPr sz="1200" dirty="0" err="1">
+                <a:solidFill>
+                  <a:schemeClr val="bg1"/>
+                </a:solidFill>
+                <a:latin typeface="Montserrat" panose="00000500000000000000" pitchFamily="2" charset="0"/>
+              </a:rPr>
+              <a:t>veste</a:t>
+            </a:r>
+            <a:r>
+              <a:rPr sz="1200" dirty="0">
+                <a:solidFill>
+                  <a:schemeClr val="bg1"/>
+                </a:solidFill>
+                <a:latin typeface="Montserrat" panose="00000500000000000000" pitchFamily="2" charset="0"/>
+              </a:rPr>
+              <a:t> et polo (haut du corps).</a:t>
+            </a:r>
+          </a:p>
+          <a:p>
+            <a:pPr marL="171450" lvl="1" indent="-171450">
+              <a:lnSpc>
+                <a:spcPct val="120000"/>
+              </a:lnSpc>
+              <a:buClr>
+                <a:schemeClr val="bg1"/>
+              </a:buClr>
+              <a:buFont typeface="Wingdings" panose="05000000000000000000" pitchFamily="2" charset="2"/>
+              <a:buChar char="§"/>
+              <a:defRPr sz="1600">
+                <a:solidFill>
+                  <a:srgbClr val="3C3C3C"/>
+                </a:solidFill>
+              </a:defRPr>
+            </a:pPr>
+            <a:r>
+              <a:rPr sz="1200" dirty="0" err="1">
+                <a:solidFill>
+                  <a:schemeClr val="bg1"/>
+                </a:solidFill>
+                <a:latin typeface="Montserrat" panose="00000500000000000000" pitchFamily="2" charset="0"/>
+              </a:rPr>
+              <a:t>Incohérence</a:t>
+            </a:r>
+            <a:r>
+              <a:rPr sz="1200" dirty="0">
+                <a:solidFill>
+                  <a:schemeClr val="bg1"/>
+                </a:solidFill>
+                <a:latin typeface="Montserrat" panose="00000500000000000000" pitchFamily="2" charset="0"/>
+              </a:rPr>
+              <a:t> entre chaussures gauche et droite.</a:t>
+            </a:r>
+          </a:p>
+          <a:p>
+            <a:pPr marL="171450" lvl="1" indent="-171450">
+              <a:lnSpc>
+                <a:spcPct val="120000"/>
+              </a:lnSpc>
+              <a:buClr>
+                <a:schemeClr val="bg1"/>
+              </a:buClr>
+              <a:buFont typeface="Wingdings" panose="05000000000000000000" pitchFamily="2" charset="2"/>
+              <a:buChar char="§"/>
+              <a:defRPr sz="1600">
+                <a:solidFill>
+                  <a:srgbClr val="3C3C3C"/>
+                </a:solidFill>
+              </a:defRPr>
+            </a:pPr>
+            <a:r>
+              <a:rPr sz="1200" dirty="0" err="1">
+                <a:solidFill>
+                  <a:schemeClr val="bg1"/>
+                </a:solidFill>
+                <a:latin typeface="Montserrat" panose="00000500000000000000" pitchFamily="2" charset="0"/>
+              </a:rPr>
+              <a:t>IoU</a:t>
+            </a:r>
+            <a:r>
+              <a:rPr sz="1200" dirty="0">
+                <a:solidFill>
+                  <a:schemeClr val="bg1"/>
+                </a:solidFill>
+                <a:latin typeface="Montserrat" panose="00000500000000000000" pitchFamily="2" charset="0"/>
+              </a:rPr>
+              <a:t> </a:t>
+            </a:r>
+            <a:r>
+              <a:rPr sz="1200" dirty="0" err="1">
+                <a:solidFill>
+                  <a:schemeClr val="bg1"/>
+                </a:solidFill>
+                <a:latin typeface="Montserrat" panose="00000500000000000000" pitchFamily="2" charset="0"/>
+              </a:rPr>
+              <a:t>faible</a:t>
+            </a:r>
+            <a:r>
+              <a:rPr sz="1200" dirty="0">
+                <a:solidFill>
+                  <a:schemeClr val="bg1"/>
+                </a:solidFill>
+                <a:latin typeface="Montserrat" panose="00000500000000000000" pitchFamily="2" charset="0"/>
+              </a:rPr>
+              <a:t> (&lt;0.3) pour </a:t>
+            </a:r>
+            <a:r>
+              <a:rPr sz="1200" dirty="0" err="1">
+                <a:solidFill>
+                  <a:schemeClr val="bg1"/>
+                </a:solidFill>
+                <a:latin typeface="Montserrat" panose="00000500000000000000" pitchFamily="2" charset="0"/>
+              </a:rPr>
+              <a:t>certaines</a:t>
+            </a:r>
+            <a:r>
+              <a:rPr sz="1200" dirty="0">
+                <a:solidFill>
+                  <a:schemeClr val="bg1"/>
+                </a:solidFill>
+                <a:latin typeface="Montserrat" panose="00000500000000000000" pitchFamily="2" charset="0"/>
+              </a:rPr>
+              <a:t> classes </a:t>
+            </a:r>
+            <a:r>
+              <a:rPr sz="1200" dirty="0" err="1">
+                <a:solidFill>
+                  <a:schemeClr val="bg1"/>
+                </a:solidFill>
+                <a:latin typeface="Montserrat" panose="00000500000000000000" pitchFamily="2" charset="0"/>
+              </a:rPr>
+              <a:t>minoritaires</a:t>
+            </a:r>
+            <a:r>
+              <a:rPr sz="1200" dirty="0">
+                <a:solidFill>
+                  <a:schemeClr val="bg1"/>
+                </a:solidFill>
+                <a:latin typeface="Montserrat" panose="00000500000000000000" pitchFamily="2" charset="0"/>
+              </a:rPr>
+              <a:t>.</a:t>
+            </a:r>
+            <a:endParaRPr lang="fr-FR" sz="1200" dirty="0">
+              <a:solidFill>
+                <a:schemeClr val="bg1"/>
+              </a:solidFill>
+              <a:latin typeface="Montserrat" panose="00000500000000000000" pitchFamily="2" charset="0"/>
+            </a:endParaRPr>
+          </a:p>
+          <a:p>
+            <a:pPr marL="171450" lvl="1" indent="-171450">
+              <a:lnSpc>
+                <a:spcPct val="120000"/>
+              </a:lnSpc>
+              <a:buClr>
+                <a:schemeClr val="bg1"/>
+              </a:buClr>
+              <a:buFont typeface="Wingdings" panose="05000000000000000000" pitchFamily="2" charset="2"/>
+              <a:buChar char="§"/>
+              <a:defRPr sz="1600">
+                <a:solidFill>
+                  <a:srgbClr val="3C3C3C"/>
+                </a:solidFill>
+              </a:defRPr>
+            </a:pPr>
+            <a:r>
+              <a:rPr lang="fr-FR" sz="1200" dirty="0" err="1">
+                <a:solidFill>
+                  <a:schemeClr val="bg1"/>
+                </a:solidFill>
+                <a:latin typeface="Montserrat" panose="00000500000000000000" pitchFamily="2" charset="0"/>
+              </a:rPr>
+              <a:t>Accesoires</a:t>
+            </a:r>
+            <a:r>
+              <a:rPr lang="fr-FR" sz="1200" dirty="0">
+                <a:solidFill>
+                  <a:schemeClr val="bg1"/>
+                </a:solidFill>
+                <a:latin typeface="Montserrat" panose="00000500000000000000" pitchFamily="2" charset="0"/>
+              </a:rPr>
+              <a:t> et petits </a:t>
+            </a:r>
+            <a:r>
+              <a:rPr lang="fr-FR" sz="1200" dirty="0" err="1">
+                <a:solidFill>
+                  <a:schemeClr val="bg1"/>
+                </a:solidFill>
+                <a:latin typeface="Montserrat" panose="00000500000000000000" pitchFamily="2" charset="0"/>
+              </a:rPr>
+              <a:t>objects</a:t>
+            </a:r>
+            <a:r>
+              <a:rPr lang="fr-FR" sz="1200" dirty="0">
+                <a:solidFill>
+                  <a:schemeClr val="bg1"/>
+                </a:solidFill>
+                <a:latin typeface="Montserrat" panose="00000500000000000000" pitchFamily="2" charset="0"/>
+              </a:rPr>
+              <a:t> rarement détectés</a:t>
+            </a:r>
+            <a:endParaRPr sz="1200" dirty="0">
+              <a:solidFill>
+                <a:schemeClr val="bg1"/>
+              </a:solidFill>
+              <a:latin typeface="Montserrat" panose="00000500000000000000" pitchFamily="2" charset="0"/>
+            </a:endParaRPr>
+          </a:p>
+        </p:txBody>
+      </p:sp>
+      <p:sp>
+        <p:nvSpPr>
+          <p:cNvPr id="9" name="TextBox 5">
+            <a:extLst>
+              <a:ext uri="{FF2B5EF4-FFF2-40B4-BE49-F238E27FC236}">
+                <a16:creationId xmlns:a16="http://schemas.microsoft.com/office/drawing/2014/main" id="{3699274D-977E-4BB7-6126-7F23EDD26221}"/>
+              </a:ext>
+            </a:extLst>
+          </p:cNvPr>
+          <p:cNvSpPr txBox="1"/>
+          <p:nvPr/>
+        </p:nvSpPr>
+        <p:spPr>
+          <a:xfrm>
+            <a:off x="5174674" y="2252068"/>
+            <a:ext cx="3761508" cy="1990866"/>
+          </a:xfrm>
+          <a:prstGeom prst="rect">
+            <a:avLst/>
+          </a:prstGeom>
+          <a:noFill/>
+        </p:spPr>
+        <p:txBody>
+          <a:bodyPr wrap="square">
+            <a:spAutoFit/>
+          </a:bodyPr>
+          <a:lstStyle/>
+          <a:p>
+            <a:pPr>
+              <a:lnSpc>
+                <a:spcPct val="130000"/>
+              </a:lnSpc>
+            </a:pPr>
+            <a:endParaRPr sz="1200" dirty="0">
+              <a:solidFill>
+                <a:schemeClr val="bg1"/>
+              </a:solidFill>
+              <a:latin typeface="Montserrat" panose="00000500000000000000" pitchFamily="2" charset="0"/>
+            </a:endParaRPr>
+          </a:p>
+          <a:p>
+            <a:pPr>
+              <a:lnSpc>
+                <a:spcPct val="130000"/>
+              </a:lnSpc>
+              <a:defRPr sz="2000" b="1">
+                <a:solidFill>
+                  <a:srgbClr val="0066CC"/>
+                </a:solidFill>
+              </a:defRPr>
+            </a:pPr>
+            <a:r>
+              <a:rPr sz="1200" dirty="0">
+                <a:solidFill>
+                  <a:srgbClr val="0070C0"/>
+                </a:solidFill>
+                <a:latin typeface="Montserrat" panose="00000500000000000000" pitchFamily="2" charset="0"/>
+              </a:rPr>
+              <a:t>🚀 </a:t>
+            </a:r>
+            <a:r>
+              <a:rPr sz="1200" dirty="0" err="1">
+                <a:solidFill>
+                  <a:srgbClr val="0070C0"/>
+                </a:solidFill>
+                <a:latin typeface="Montserrat" panose="00000500000000000000" pitchFamily="2" charset="0"/>
+              </a:rPr>
+              <a:t>Recommandations</a:t>
+            </a:r>
+            <a:r>
+              <a:rPr sz="1200" dirty="0">
+                <a:solidFill>
+                  <a:srgbClr val="0070C0"/>
+                </a:solidFill>
+                <a:latin typeface="Montserrat" panose="00000500000000000000" pitchFamily="2" charset="0"/>
+              </a:rPr>
+              <a:t> :</a:t>
+            </a:r>
+          </a:p>
+          <a:p>
+            <a:pPr marL="171450" lvl="1" indent="-171450">
+              <a:lnSpc>
+                <a:spcPct val="130000"/>
+              </a:lnSpc>
+              <a:buClr>
+                <a:schemeClr val="bg1"/>
+              </a:buClr>
+              <a:buFont typeface="Wingdings" panose="05000000000000000000" pitchFamily="2" charset="2"/>
+              <a:buChar char="§"/>
+              <a:defRPr sz="1600">
+                <a:solidFill>
+                  <a:srgbClr val="3C3C3C"/>
+                </a:solidFill>
+              </a:defRPr>
+            </a:pPr>
+            <a:r>
+              <a:rPr sz="1200" dirty="0" err="1">
+                <a:solidFill>
+                  <a:schemeClr val="bg1"/>
+                </a:solidFill>
+                <a:latin typeface="Montserrat" panose="00000500000000000000" pitchFamily="2" charset="0"/>
+              </a:rPr>
+              <a:t>Effectuer</a:t>
+            </a:r>
+            <a:r>
+              <a:rPr sz="1200" dirty="0">
+                <a:solidFill>
+                  <a:schemeClr val="bg1"/>
+                </a:solidFill>
+                <a:latin typeface="Montserrat" panose="00000500000000000000" pitchFamily="2" charset="0"/>
+              </a:rPr>
+              <a:t> un fine-tuning </a:t>
+            </a:r>
+            <a:r>
+              <a:rPr sz="1200" dirty="0" err="1">
+                <a:solidFill>
+                  <a:schemeClr val="bg1"/>
+                </a:solidFill>
+                <a:latin typeface="Montserrat" panose="00000500000000000000" pitchFamily="2" charset="0"/>
+              </a:rPr>
+              <a:t>ciblé</a:t>
+            </a:r>
+            <a:r>
+              <a:rPr sz="1200" dirty="0">
+                <a:solidFill>
+                  <a:schemeClr val="bg1"/>
+                </a:solidFill>
+                <a:latin typeface="Montserrat" panose="00000500000000000000" pitchFamily="2" charset="0"/>
+              </a:rPr>
+              <a:t> sur les </a:t>
+            </a:r>
+            <a:r>
+              <a:rPr sz="1200" dirty="0" err="1">
+                <a:solidFill>
+                  <a:schemeClr val="bg1"/>
+                </a:solidFill>
+                <a:latin typeface="Montserrat" panose="00000500000000000000" pitchFamily="2" charset="0"/>
+              </a:rPr>
+              <a:t>vêtements</a:t>
+            </a:r>
+            <a:r>
+              <a:rPr sz="1200" dirty="0">
+                <a:solidFill>
+                  <a:schemeClr val="bg1"/>
+                </a:solidFill>
+                <a:latin typeface="Montserrat" panose="00000500000000000000" pitchFamily="2" charset="0"/>
+              </a:rPr>
+              <a:t> du haut du corps.</a:t>
+            </a:r>
+          </a:p>
+          <a:p>
+            <a:pPr marL="171450" lvl="1" indent="-171450">
+              <a:lnSpc>
+                <a:spcPct val="130000"/>
+              </a:lnSpc>
+              <a:buClr>
+                <a:schemeClr val="bg1"/>
+              </a:buClr>
+              <a:buFont typeface="Wingdings" panose="05000000000000000000" pitchFamily="2" charset="2"/>
+              <a:buChar char="§"/>
+              <a:defRPr sz="1600">
+                <a:solidFill>
+                  <a:srgbClr val="3C3C3C"/>
+                </a:solidFill>
+              </a:defRPr>
+            </a:pPr>
+            <a:r>
+              <a:rPr sz="1200" dirty="0" err="1">
+                <a:solidFill>
+                  <a:schemeClr val="bg1"/>
+                </a:solidFill>
+                <a:latin typeface="Montserrat" panose="00000500000000000000" pitchFamily="2" charset="0"/>
+              </a:rPr>
+              <a:t>Améliorer</a:t>
+            </a:r>
+            <a:r>
+              <a:rPr sz="1200" dirty="0">
+                <a:solidFill>
+                  <a:schemeClr val="bg1"/>
+                </a:solidFill>
+                <a:latin typeface="Montserrat" panose="00000500000000000000" pitchFamily="2" charset="0"/>
+              </a:rPr>
+              <a:t> la </a:t>
+            </a:r>
+            <a:r>
+              <a:rPr sz="1200" dirty="0" err="1">
+                <a:solidFill>
+                  <a:schemeClr val="bg1"/>
+                </a:solidFill>
+                <a:latin typeface="Montserrat" panose="00000500000000000000" pitchFamily="2" charset="0"/>
+              </a:rPr>
+              <a:t>diversité</a:t>
+            </a:r>
+            <a:r>
+              <a:rPr sz="1200" dirty="0">
+                <a:solidFill>
+                  <a:schemeClr val="bg1"/>
+                </a:solidFill>
+                <a:latin typeface="Montserrat" panose="00000500000000000000" pitchFamily="2" charset="0"/>
+              </a:rPr>
+              <a:t> du jeu </a:t>
+            </a:r>
+            <a:r>
+              <a:rPr sz="1200" dirty="0" err="1">
+                <a:solidFill>
+                  <a:schemeClr val="bg1"/>
+                </a:solidFill>
+                <a:latin typeface="Montserrat" panose="00000500000000000000" pitchFamily="2" charset="0"/>
+              </a:rPr>
+              <a:t>d'entraînement</a:t>
+            </a:r>
+            <a:r>
+              <a:rPr sz="1200" dirty="0">
+                <a:solidFill>
+                  <a:schemeClr val="bg1"/>
+                </a:solidFill>
+                <a:latin typeface="Montserrat" panose="00000500000000000000" pitchFamily="2" charset="0"/>
+              </a:rPr>
+              <a:t> (angles, textures, </a:t>
+            </a:r>
+            <a:r>
+              <a:rPr sz="1200" dirty="0" err="1">
+                <a:solidFill>
+                  <a:schemeClr val="bg1"/>
+                </a:solidFill>
+                <a:latin typeface="Montserrat" panose="00000500000000000000" pitchFamily="2" charset="0"/>
+              </a:rPr>
+              <a:t>éclairages</a:t>
+            </a:r>
+            <a:r>
+              <a:rPr sz="1200" dirty="0">
+                <a:solidFill>
+                  <a:schemeClr val="bg1"/>
+                </a:solidFill>
+                <a:latin typeface="Montserrat" panose="00000500000000000000" pitchFamily="2" charset="0"/>
+              </a:rPr>
+              <a:t>).</a:t>
+            </a:r>
+          </a:p>
+          <a:p>
+            <a:pPr marL="171450" lvl="1" indent="-171450">
+              <a:lnSpc>
+                <a:spcPct val="130000"/>
+              </a:lnSpc>
+              <a:buClr>
+                <a:schemeClr val="bg1"/>
+              </a:buClr>
+              <a:buFont typeface="Wingdings" panose="05000000000000000000" pitchFamily="2" charset="2"/>
+              <a:buChar char="§"/>
+              <a:defRPr sz="1600">
+                <a:solidFill>
+                  <a:srgbClr val="3C3C3C"/>
+                </a:solidFill>
+              </a:defRPr>
+            </a:pPr>
+            <a:r>
+              <a:rPr sz="1200" dirty="0" err="1">
+                <a:solidFill>
+                  <a:schemeClr val="bg1"/>
+                </a:solidFill>
+                <a:latin typeface="Montserrat" panose="00000500000000000000" pitchFamily="2" charset="0"/>
+              </a:rPr>
+              <a:t>Uniformiser</a:t>
+            </a:r>
+            <a:r>
+              <a:rPr sz="1200" dirty="0">
+                <a:solidFill>
+                  <a:schemeClr val="bg1"/>
+                </a:solidFill>
+                <a:latin typeface="Montserrat" panose="00000500000000000000" pitchFamily="2" charset="0"/>
+              </a:rPr>
+              <a:t> les codes couleur </a:t>
+            </a:r>
+            <a:r>
+              <a:rPr sz="1200" dirty="0" err="1">
+                <a:solidFill>
+                  <a:schemeClr val="bg1"/>
+                </a:solidFill>
+                <a:latin typeface="Montserrat" panose="00000500000000000000" pitchFamily="2" charset="0"/>
+              </a:rPr>
+              <a:t>en</a:t>
+            </a:r>
+            <a:r>
+              <a:rPr sz="1200" dirty="0">
+                <a:solidFill>
+                  <a:schemeClr val="bg1"/>
+                </a:solidFill>
+                <a:latin typeface="Montserrat" panose="00000500000000000000" pitchFamily="2" charset="0"/>
+              </a:rPr>
+              <a:t> post-</a:t>
+            </a:r>
+            <a:r>
+              <a:rPr sz="1200" dirty="0" err="1">
+                <a:solidFill>
+                  <a:schemeClr val="bg1"/>
+                </a:solidFill>
+                <a:latin typeface="Montserrat" panose="00000500000000000000" pitchFamily="2" charset="0"/>
+              </a:rPr>
+              <a:t>traitement</a:t>
+            </a:r>
+            <a:r>
+              <a:rPr sz="1200" dirty="0">
+                <a:solidFill>
+                  <a:schemeClr val="bg1"/>
+                </a:solidFill>
+                <a:latin typeface="Montserrat" panose="00000500000000000000" pitchFamily="2" charset="0"/>
+              </a:rPr>
+              <a:t>.</a:t>
+            </a:r>
           </a:p>
         </p:txBody>
       </p:sp>
@@ -10569,48 +11884,730 @@
               <a:buNone/>
             </a:pPr>
             <a:r>
-              <a:rPr lang="fr"/>
+              <a:rPr lang="fr" dirty="0"/>
               <a:t>Proposition d’une méthode de validation du modèle</a:t>
             </a:r>
-            <a:endParaRPr/>
+            <a:endParaRPr dirty="0"/>
           </a:p>
         </p:txBody>
       </p:sp>
       <p:sp>
         <p:nvSpPr>
-          <p:cNvPr id="159" name="Google Shape;159;p17"/>
-          <p:cNvSpPr txBox="1">
-            <a:spLocks noGrp="1"/>
-          </p:cNvSpPr>
-          <p:nvPr>
-            <p:ph type="body" idx="1"/>
-          </p:nvPr>
+          <p:cNvPr id="2" name="TextBox 2">
+            <a:extLst>
+              <a:ext uri="{FF2B5EF4-FFF2-40B4-BE49-F238E27FC236}">
+                <a16:creationId xmlns:a16="http://schemas.microsoft.com/office/drawing/2014/main" id="{9EC1A30A-3A90-C17D-9BC1-4726291E0F95}"/>
+              </a:ext>
+            </a:extLst>
+          </p:cNvPr>
+          <p:cNvSpPr txBox="1"/>
+          <p:nvPr/>
         </p:nvSpPr>
         <p:spPr>
           <a:xfrm>
-            <a:off x="1297500" y="1567550"/>
-            <a:ext cx="7038900" cy="2911200"/>
+            <a:off x="1297500" y="1264882"/>
+            <a:ext cx="7389300" cy="769441"/>
           </a:xfrm>
           <a:prstGeom prst="rect">
             <a:avLst/>
           </a:prstGeom>
+          <a:noFill/>
         </p:spPr>
         <p:txBody>
-          <a:bodyPr spcFirstLastPara="1" wrap="square" lIns="91425" tIns="91425" rIns="91425" bIns="91425" anchor="t" anchorCtr="0">
-            <a:normAutofit/>
+          <a:bodyPr wrap="square">
+            <a:spAutoFit/>
           </a:bodyPr>
           <a:lstStyle/>
           <a:p>
-            <a:pPr marL="0" lvl="0" indent="0" algn="l" rtl="0">
-              <a:spcBef>
-                <a:spcPts val="0"/>
-              </a:spcBef>
-              <a:spcAft>
-                <a:spcPts val="1200"/>
-              </a:spcAft>
-              <a:buNone/>
+            <a:endParaRPr sz="1200" dirty="0">
+              <a:latin typeface="Montserrat" panose="00000500000000000000" pitchFamily="2" charset="0"/>
+            </a:endParaRPr>
+          </a:p>
+          <a:p>
+            <a:pPr>
+              <a:defRPr sz="1800">
+                <a:solidFill>
+                  <a:srgbClr val="505050"/>
+                </a:solidFill>
+              </a:defRPr>
             </a:pPr>
-            <a:endParaRPr/>
+            <a:r>
+              <a:rPr sz="1600" dirty="0">
+                <a:latin typeface="Montserrat" panose="00000500000000000000" pitchFamily="2" charset="0"/>
+              </a:rPr>
+              <a:t>🧠 </a:t>
+            </a:r>
+            <a:r>
+              <a:rPr sz="1600" b="1" dirty="0">
+                <a:solidFill>
+                  <a:srgbClr val="0070C0"/>
+                </a:solidFill>
+                <a:latin typeface="Montserrat" panose="00000500000000000000" pitchFamily="2" charset="0"/>
+              </a:rPr>
+              <a:t>Objectif : </a:t>
+            </a:r>
+            <a:r>
+              <a:rPr sz="1600" dirty="0" err="1">
+                <a:solidFill>
+                  <a:schemeClr val="tx2">
+                    <a:lumMod val="75000"/>
+                  </a:schemeClr>
+                </a:solidFill>
+                <a:latin typeface="Montserrat" panose="00000500000000000000" pitchFamily="2" charset="0"/>
+              </a:rPr>
+              <a:t>Évaluer</a:t>
+            </a:r>
+            <a:r>
+              <a:rPr sz="1600" dirty="0">
+                <a:solidFill>
+                  <a:schemeClr val="tx2">
+                    <a:lumMod val="75000"/>
+                  </a:schemeClr>
+                </a:solidFill>
+                <a:latin typeface="Montserrat" panose="00000500000000000000" pitchFamily="2" charset="0"/>
+              </a:rPr>
+              <a:t> la </a:t>
+            </a:r>
+            <a:r>
+              <a:rPr sz="1600" dirty="0" err="1">
+                <a:solidFill>
+                  <a:schemeClr val="tx2">
+                    <a:lumMod val="75000"/>
+                  </a:schemeClr>
+                </a:solidFill>
+                <a:latin typeface="Montserrat" panose="00000500000000000000" pitchFamily="2" charset="0"/>
+              </a:rPr>
+              <a:t>précision</a:t>
+            </a:r>
+            <a:r>
+              <a:rPr sz="1600" dirty="0">
+                <a:solidFill>
+                  <a:schemeClr val="tx2">
+                    <a:lumMod val="75000"/>
+                  </a:schemeClr>
+                </a:solidFill>
+                <a:latin typeface="Montserrat" panose="00000500000000000000" pitchFamily="2" charset="0"/>
+              </a:rPr>
+              <a:t>, la </a:t>
+            </a:r>
+            <a:r>
+              <a:rPr sz="1600" dirty="0" err="1">
+                <a:solidFill>
+                  <a:schemeClr val="tx2">
+                    <a:lumMod val="75000"/>
+                  </a:schemeClr>
+                </a:solidFill>
+                <a:latin typeface="Montserrat" panose="00000500000000000000" pitchFamily="2" charset="0"/>
+              </a:rPr>
+              <a:t>robustesse</a:t>
+            </a:r>
+            <a:r>
+              <a:rPr sz="1600" dirty="0">
+                <a:solidFill>
+                  <a:schemeClr val="tx2">
+                    <a:lumMod val="75000"/>
+                  </a:schemeClr>
+                </a:solidFill>
+                <a:latin typeface="Montserrat" panose="00000500000000000000" pitchFamily="2" charset="0"/>
+              </a:rPr>
+              <a:t> et la </a:t>
+            </a:r>
+            <a:r>
+              <a:rPr sz="1600" dirty="0" err="1">
+                <a:solidFill>
+                  <a:schemeClr val="tx2">
+                    <a:lumMod val="75000"/>
+                  </a:schemeClr>
+                </a:solidFill>
+                <a:latin typeface="Montserrat" panose="00000500000000000000" pitchFamily="2" charset="0"/>
+              </a:rPr>
+              <a:t>cohérence</a:t>
+            </a:r>
+            <a:r>
+              <a:rPr sz="1600" dirty="0">
+                <a:solidFill>
+                  <a:schemeClr val="tx2">
+                    <a:lumMod val="75000"/>
+                  </a:schemeClr>
+                </a:solidFill>
+                <a:latin typeface="Montserrat" panose="00000500000000000000" pitchFamily="2" charset="0"/>
+              </a:rPr>
+              <a:t> du </a:t>
+            </a:r>
+            <a:r>
+              <a:rPr sz="1600" dirty="0" err="1">
+                <a:solidFill>
+                  <a:schemeClr val="tx2">
+                    <a:lumMod val="75000"/>
+                  </a:schemeClr>
+                </a:solidFill>
+                <a:latin typeface="Montserrat" panose="00000500000000000000" pitchFamily="2" charset="0"/>
+              </a:rPr>
+              <a:t>modèle</a:t>
+            </a:r>
+            <a:r>
+              <a:rPr sz="1600" dirty="0">
+                <a:solidFill>
+                  <a:schemeClr val="tx2">
+                    <a:lumMod val="75000"/>
+                  </a:schemeClr>
+                </a:solidFill>
+                <a:latin typeface="Montserrat" panose="00000500000000000000" pitchFamily="2" charset="0"/>
+              </a:rPr>
+              <a:t> de segmentation </a:t>
+            </a:r>
+            <a:r>
+              <a:rPr sz="1600" dirty="0" err="1">
+                <a:solidFill>
+                  <a:schemeClr val="tx2">
+                    <a:lumMod val="75000"/>
+                  </a:schemeClr>
+                </a:solidFill>
+                <a:latin typeface="Montserrat" panose="00000500000000000000" pitchFamily="2" charset="0"/>
+              </a:rPr>
+              <a:t>d’articles</a:t>
+            </a:r>
+            <a:r>
+              <a:rPr sz="1600" dirty="0">
+                <a:solidFill>
+                  <a:schemeClr val="tx2">
+                    <a:lumMod val="75000"/>
+                  </a:schemeClr>
+                </a:solidFill>
+                <a:latin typeface="Montserrat" panose="00000500000000000000" pitchFamily="2" charset="0"/>
+              </a:rPr>
+              <a:t> </a:t>
+            </a:r>
+            <a:r>
+              <a:rPr sz="1600" dirty="0" err="1">
+                <a:solidFill>
+                  <a:schemeClr val="tx2">
+                    <a:lumMod val="75000"/>
+                  </a:schemeClr>
+                </a:solidFill>
+                <a:latin typeface="Montserrat" panose="00000500000000000000" pitchFamily="2" charset="0"/>
+              </a:rPr>
+              <a:t>vestimentaires</a:t>
+            </a:r>
+            <a:r>
+              <a:rPr sz="1600" dirty="0">
+                <a:solidFill>
+                  <a:schemeClr val="tx2">
+                    <a:lumMod val="75000"/>
+                  </a:schemeClr>
+                </a:solidFill>
+                <a:latin typeface="Montserrat" panose="00000500000000000000" pitchFamily="2" charset="0"/>
+              </a:rPr>
+              <a:t>.</a:t>
+            </a:r>
+          </a:p>
+        </p:txBody>
+      </p:sp>
+      <p:sp>
+        <p:nvSpPr>
+          <p:cNvPr id="3" name="TextBox 3">
+            <a:extLst>
+              <a:ext uri="{FF2B5EF4-FFF2-40B4-BE49-F238E27FC236}">
+                <a16:creationId xmlns:a16="http://schemas.microsoft.com/office/drawing/2014/main" id="{D1FA7A52-3930-DA7B-3D87-A5C999ECBA77}"/>
+              </a:ext>
+            </a:extLst>
+          </p:cNvPr>
+          <p:cNvSpPr txBox="1"/>
+          <p:nvPr/>
+        </p:nvSpPr>
+        <p:spPr>
+          <a:xfrm>
+            <a:off x="387928" y="2148837"/>
+            <a:ext cx="8229600" cy="1513235"/>
+          </a:xfrm>
+          <a:prstGeom prst="rect">
+            <a:avLst/>
+          </a:prstGeom>
+          <a:noFill/>
+        </p:spPr>
+        <p:txBody>
+          <a:bodyPr wrap="square">
+            <a:spAutoFit/>
+          </a:bodyPr>
+          <a:lstStyle/>
+          <a:p>
+            <a:pPr>
+              <a:lnSpc>
+                <a:spcPct val="120000"/>
+              </a:lnSpc>
+              <a:defRPr sz="2000" b="1">
+                <a:solidFill>
+                  <a:srgbClr val="0066CC"/>
+                </a:solidFill>
+              </a:defRPr>
+            </a:pPr>
+            <a:r>
+              <a:rPr sz="1300" dirty="0">
+                <a:latin typeface="Montserrat" panose="00000500000000000000" pitchFamily="2" charset="0"/>
+              </a:rPr>
+              <a:t>⚙️ </a:t>
+            </a:r>
+            <a:r>
+              <a:rPr lang="fr-FR" sz="1300" dirty="0">
+                <a:latin typeface="Montserrat" panose="00000500000000000000" pitchFamily="2" charset="0"/>
+              </a:rPr>
+              <a:t>M</a:t>
+            </a:r>
+            <a:r>
+              <a:rPr sz="1200" dirty="0" err="1">
+                <a:solidFill>
+                  <a:srgbClr val="0070C0"/>
+                </a:solidFill>
+                <a:latin typeface="Montserrat" panose="00000500000000000000" pitchFamily="2" charset="0"/>
+              </a:rPr>
+              <a:t>éthodologie</a:t>
+            </a:r>
+            <a:r>
+              <a:rPr sz="1200" dirty="0">
+                <a:solidFill>
+                  <a:srgbClr val="0070C0"/>
+                </a:solidFill>
+                <a:latin typeface="Montserrat" panose="00000500000000000000" pitchFamily="2" charset="0"/>
+              </a:rPr>
+              <a:t> :</a:t>
+            </a:r>
+          </a:p>
+          <a:p>
+            <a:pPr lvl="1">
+              <a:lnSpc>
+                <a:spcPct val="120000"/>
+              </a:lnSpc>
+              <a:defRPr sz="1600">
+                <a:solidFill>
+                  <a:srgbClr val="505050"/>
+                </a:solidFill>
+              </a:defRPr>
+            </a:pPr>
+            <a:r>
+              <a:rPr sz="1300" dirty="0">
+                <a:latin typeface="Montserrat" panose="00000500000000000000" pitchFamily="2" charset="0"/>
+              </a:rPr>
+              <a:t>📊 </a:t>
+            </a:r>
+            <a:r>
+              <a:rPr sz="1300" dirty="0">
+                <a:solidFill>
+                  <a:schemeClr val="bg1"/>
+                </a:solidFill>
+                <a:latin typeface="Montserrat" panose="00000500000000000000" pitchFamily="2" charset="0"/>
+              </a:rPr>
+              <a:t>Jeu de test : 50 images </a:t>
+            </a:r>
+            <a:r>
+              <a:rPr sz="1300" dirty="0" err="1">
+                <a:solidFill>
+                  <a:schemeClr val="bg1"/>
+                </a:solidFill>
+                <a:latin typeface="Montserrat" panose="00000500000000000000" pitchFamily="2" charset="0"/>
+              </a:rPr>
+              <a:t>annotées</a:t>
+            </a:r>
+            <a:endParaRPr sz="1300" dirty="0">
+              <a:solidFill>
+                <a:schemeClr val="bg1"/>
+              </a:solidFill>
+              <a:latin typeface="Montserrat" panose="00000500000000000000" pitchFamily="2" charset="0"/>
+            </a:endParaRPr>
+          </a:p>
+          <a:p>
+            <a:pPr lvl="1">
+              <a:lnSpc>
+                <a:spcPct val="120000"/>
+              </a:lnSpc>
+              <a:defRPr sz="1600">
+                <a:solidFill>
+                  <a:srgbClr val="505050"/>
+                </a:solidFill>
+              </a:defRPr>
+            </a:pPr>
+            <a:r>
+              <a:rPr sz="1300" dirty="0">
+                <a:solidFill>
+                  <a:schemeClr val="bg1"/>
+                </a:solidFill>
+                <a:latin typeface="Montserrat" panose="00000500000000000000" pitchFamily="2" charset="0"/>
+              </a:rPr>
+              <a:t>🧩 </a:t>
+            </a:r>
+            <a:r>
+              <a:rPr sz="1300" dirty="0" err="1">
+                <a:solidFill>
+                  <a:schemeClr val="bg1"/>
+                </a:solidFill>
+                <a:latin typeface="Montserrat" panose="00000500000000000000" pitchFamily="2" charset="0"/>
+              </a:rPr>
+              <a:t>Métriques</a:t>
+            </a:r>
+            <a:r>
+              <a:rPr sz="1300" dirty="0">
+                <a:solidFill>
+                  <a:schemeClr val="bg1"/>
+                </a:solidFill>
+                <a:latin typeface="Montserrat" panose="00000500000000000000" pitchFamily="2" charset="0"/>
+              </a:rPr>
+              <a:t> : </a:t>
+            </a:r>
+            <a:r>
+              <a:rPr sz="1300" dirty="0" err="1">
+                <a:solidFill>
+                  <a:schemeClr val="bg1"/>
+                </a:solidFill>
+                <a:latin typeface="Montserrat" panose="00000500000000000000" pitchFamily="2" charset="0"/>
+              </a:rPr>
+              <a:t>mIoU</a:t>
+            </a:r>
+            <a:r>
+              <a:rPr sz="1300" dirty="0">
+                <a:solidFill>
+                  <a:schemeClr val="bg1"/>
+                </a:solidFill>
+                <a:latin typeface="Montserrat" panose="00000500000000000000" pitchFamily="2" charset="0"/>
+              </a:rPr>
+              <a:t>, </a:t>
+            </a:r>
+            <a:r>
+              <a:rPr sz="1300" dirty="0" err="1">
+                <a:solidFill>
+                  <a:schemeClr val="bg1"/>
+                </a:solidFill>
+                <a:latin typeface="Montserrat" panose="00000500000000000000" pitchFamily="2" charset="0"/>
+              </a:rPr>
+              <a:t>IoU</a:t>
+            </a:r>
+            <a:r>
+              <a:rPr sz="1300" dirty="0">
+                <a:solidFill>
+                  <a:schemeClr val="bg1"/>
+                </a:solidFill>
+                <a:latin typeface="Montserrat" panose="00000500000000000000" pitchFamily="2" charset="0"/>
+              </a:rPr>
+              <a:t> par </a:t>
+            </a:r>
+            <a:r>
+              <a:rPr sz="1300" dirty="0" err="1">
+                <a:solidFill>
+                  <a:schemeClr val="bg1"/>
+                </a:solidFill>
+                <a:latin typeface="Montserrat" panose="00000500000000000000" pitchFamily="2" charset="0"/>
+              </a:rPr>
+              <a:t>classe</a:t>
+            </a:r>
+            <a:r>
+              <a:rPr sz="1300" dirty="0">
+                <a:solidFill>
+                  <a:schemeClr val="bg1"/>
+                </a:solidFill>
+                <a:latin typeface="Montserrat" panose="00000500000000000000" pitchFamily="2" charset="0"/>
+              </a:rPr>
+              <a:t>, F1-score</a:t>
+            </a:r>
+          </a:p>
+          <a:p>
+            <a:pPr lvl="1">
+              <a:lnSpc>
+                <a:spcPct val="120000"/>
+              </a:lnSpc>
+              <a:defRPr sz="1600">
+                <a:solidFill>
+                  <a:srgbClr val="505050"/>
+                </a:solidFill>
+              </a:defRPr>
+            </a:pPr>
+            <a:r>
+              <a:rPr sz="1300" dirty="0">
+                <a:solidFill>
+                  <a:schemeClr val="bg1"/>
+                </a:solidFill>
+                <a:latin typeface="Montserrat" panose="00000500000000000000" pitchFamily="2" charset="0"/>
+              </a:rPr>
+              <a:t>🔁 Tests de </a:t>
+            </a:r>
+            <a:r>
+              <a:rPr sz="1300" dirty="0" err="1">
+                <a:solidFill>
+                  <a:schemeClr val="bg1"/>
+                </a:solidFill>
+                <a:latin typeface="Montserrat" panose="00000500000000000000" pitchFamily="2" charset="0"/>
+              </a:rPr>
+              <a:t>robustesse</a:t>
+            </a:r>
+            <a:r>
+              <a:rPr sz="1300" dirty="0">
+                <a:solidFill>
+                  <a:schemeClr val="bg1"/>
+                </a:solidFill>
+                <a:latin typeface="Montserrat" panose="00000500000000000000" pitchFamily="2" charset="0"/>
+              </a:rPr>
+              <a:t> : variation de lumière, angles, textures</a:t>
+            </a:r>
+          </a:p>
+          <a:p>
+            <a:pPr lvl="1">
+              <a:lnSpc>
+                <a:spcPct val="120000"/>
+              </a:lnSpc>
+              <a:defRPr sz="1600">
+                <a:solidFill>
+                  <a:srgbClr val="505050"/>
+                </a:solidFill>
+              </a:defRPr>
+            </a:pPr>
+            <a:r>
+              <a:rPr sz="1300" dirty="0">
+                <a:solidFill>
+                  <a:schemeClr val="bg1"/>
+                </a:solidFill>
+                <a:latin typeface="Montserrat" panose="00000500000000000000" pitchFamily="2" charset="0"/>
+              </a:rPr>
+              <a:t>🧠 </a:t>
+            </a:r>
+            <a:r>
+              <a:rPr sz="1300" dirty="0" err="1">
+                <a:solidFill>
+                  <a:schemeClr val="bg1"/>
+                </a:solidFill>
+                <a:latin typeface="Montserrat" panose="00000500000000000000" pitchFamily="2" charset="0"/>
+              </a:rPr>
+              <a:t>Analyse</a:t>
+            </a:r>
+            <a:r>
+              <a:rPr sz="1300" dirty="0">
+                <a:solidFill>
+                  <a:schemeClr val="bg1"/>
+                </a:solidFill>
+                <a:latin typeface="Montserrat" panose="00000500000000000000" pitchFamily="2" charset="0"/>
+              </a:rPr>
+              <a:t> </a:t>
+            </a:r>
+            <a:r>
+              <a:rPr sz="1300" dirty="0" err="1">
+                <a:solidFill>
+                  <a:schemeClr val="bg1"/>
+                </a:solidFill>
+                <a:latin typeface="Montserrat" panose="00000500000000000000" pitchFamily="2" charset="0"/>
+              </a:rPr>
+              <a:t>ciblée</a:t>
+            </a:r>
+            <a:r>
+              <a:rPr sz="1300" dirty="0">
+                <a:solidFill>
+                  <a:schemeClr val="bg1"/>
+                </a:solidFill>
+                <a:latin typeface="Montserrat" panose="00000500000000000000" pitchFamily="2" charset="0"/>
+              </a:rPr>
+              <a:t> : confusion haut du corps (chemise / </a:t>
+            </a:r>
+            <a:r>
+              <a:rPr sz="1300" dirty="0" err="1">
+                <a:solidFill>
+                  <a:schemeClr val="bg1"/>
+                </a:solidFill>
+                <a:latin typeface="Montserrat" panose="00000500000000000000" pitchFamily="2" charset="0"/>
+              </a:rPr>
+              <a:t>veste</a:t>
+            </a:r>
+            <a:r>
+              <a:rPr sz="1300" dirty="0">
+                <a:solidFill>
+                  <a:schemeClr val="bg1"/>
+                </a:solidFill>
+                <a:latin typeface="Montserrat" panose="00000500000000000000" pitchFamily="2" charset="0"/>
+              </a:rPr>
+              <a:t> / polo)</a:t>
+            </a:r>
+          </a:p>
+          <a:p>
+            <a:pPr lvl="1">
+              <a:lnSpc>
+                <a:spcPct val="120000"/>
+              </a:lnSpc>
+              <a:defRPr sz="1600">
+                <a:solidFill>
+                  <a:srgbClr val="505050"/>
+                </a:solidFill>
+              </a:defRPr>
+            </a:pPr>
+            <a:r>
+              <a:rPr sz="1300" dirty="0">
+                <a:solidFill>
+                  <a:schemeClr val="bg1"/>
+                </a:solidFill>
+                <a:latin typeface="Montserrat" panose="00000500000000000000" pitchFamily="2" charset="0"/>
+              </a:rPr>
+              <a:t>👟 </a:t>
+            </a:r>
+            <a:r>
+              <a:rPr sz="1300" dirty="0" err="1">
+                <a:solidFill>
+                  <a:schemeClr val="bg1"/>
+                </a:solidFill>
+                <a:latin typeface="Montserrat" panose="00000500000000000000" pitchFamily="2" charset="0"/>
+              </a:rPr>
+              <a:t>Incohérence</a:t>
+            </a:r>
+            <a:r>
+              <a:rPr sz="1300" dirty="0">
+                <a:solidFill>
+                  <a:schemeClr val="bg1"/>
+                </a:solidFill>
+                <a:latin typeface="Montserrat" panose="00000500000000000000" pitchFamily="2" charset="0"/>
+              </a:rPr>
+              <a:t> de couleur entre chaussures gauche et droite</a:t>
+            </a:r>
+          </a:p>
+        </p:txBody>
+      </p:sp>
+      <p:sp>
+        <p:nvSpPr>
+          <p:cNvPr id="5" name="ZoneTexte 4">
+            <a:extLst>
+              <a:ext uri="{FF2B5EF4-FFF2-40B4-BE49-F238E27FC236}">
+                <a16:creationId xmlns:a16="http://schemas.microsoft.com/office/drawing/2014/main" id="{93A2F6A7-4562-BE18-456B-2672E76D2859}"/>
+              </a:ext>
+            </a:extLst>
+          </p:cNvPr>
+          <p:cNvSpPr txBox="1"/>
+          <p:nvPr/>
+        </p:nvSpPr>
+        <p:spPr>
+          <a:xfrm>
+            <a:off x="4287982" y="3549421"/>
+            <a:ext cx="4613564" cy="1403910"/>
+          </a:xfrm>
+          <a:prstGeom prst="rect">
+            <a:avLst/>
+          </a:prstGeom>
+          <a:noFill/>
+        </p:spPr>
+        <p:txBody>
+          <a:bodyPr wrap="square">
+            <a:spAutoFit/>
+          </a:bodyPr>
+          <a:lstStyle/>
+          <a:p>
+            <a:pPr>
+              <a:lnSpc>
+                <a:spcPct val="120000"/>
+              </a:lnSpc>
+            </a:pPr>
+            <a:endParaRPr lang="fr-FR" sz="1200" dirty="0">
+              <a:solidFill>
+                <a:schemeClr val="bg1"/>
+              </a:solidFill>
+              <a:latin typeface="Montserrat" panose="00000500000000000000" pitchFamily="2" charset="0"/>
+            </a:endParaRPr>
+          </a:p>
+          <a:p>
+            <a:pPr>
+              <a:lnSpc>
+                <a:spcPct val="120000"/>
+              </a:lnSpc>
+            </a:pPr>
+            <a:r>
+              <a:rPr lang="fr-FR" sz="1200" dirty="0">
+                <a:solidFill>
+                  <a:schemeClr val="bg1"/>
+                </a:solidFill>
+                <a:latin typeface="Montserrat" panose="00000500000000000000" pitchFamily="2" charset="0"/>
+              </a:rPr>
+              <a:t>📈 </a:t>
+            </a:r>
+            <a:r>
+              <a:rPr lang="fr-FR" sz="1200" dirty="0">
+                <a:solidFill>
+                  <a:srgbClr val="0070C0"/>
+                </a:solidFill>
+                <a:latin typeface="Montserrat" panose="00000500000000000000" pitchFamily="2" charset="0"/>
+              </a:rPr>
+              <a:t>Résultats attendus :</a:t>
+            </a:r>
+          </a:p>
+          <a:p>
+            <a:pPr>
+              <a:lnSpc>
+                <a:spcPct val="120000"/>
+              </a:lnSpc>
+            </a:pPr>
+            <a:r>
+              <a:rPr lang="fr-FR" sz="1200" dirty="0">
+                <a:solidFill>
+                  <a:schemeClr val="bg1"/>
+                </a:solidFill>
+                <a:latin typeface="Montserrat" panose="00000500000000000000" pitchFamily="2" charset="0"/>
+              </a:rPr>
+              <a:t>✅ </a:t>
+            </a:r>
+            <a:r>
+              <a:rPr lang="fr-FR" sz="1200" dirty="0" err="1">
+                <a:solidFill>
+                  <a:schemeClr val="bg1"/>
+                </a:solidFill>
+                <a:latin typeface="Montserrat" panose="00000500000000000000" pitchFamily="2" charset="0"/>
+              </a:rPr>
+              <a:t>mIoU</a:t>
+            </a:r>
+            <a:r>
+              <a:rPr lang="fr-FR" sz="1200" dirty="0">
+                <a:solidFill>
+                  <a:schemeClr val="bg1"/>
+                </a:solidFill>
+                <a:latin typeface="Montserrat" panose="00000500000000000000" pitchFamily="2" charset="0"/>
+              </a:rPr>
+              <a:t> ≥ 66 %</a:t>
+            </a:r>
+          </a:p>
+          <a:p>
+            <a:pPr>
+              <a:lnSpc>
+                <a:spcPct val="120000"/>
+              </a:lnSpc>
+            </a:pPr>
+            <a:r>
+              <a:rPr lang="fr-FR" sz="1200" dirty="0">
+                <a:solidFill>
+                  <a:schemeClr val="bg1"/>
+                </a:solidFill>
+                <a:latin typeface="Montserrat" panose="00000500000000000000" pitchFamily="2" charset="0"/>
+              </a:rPr>
+              <a:t>✅ Amélioration de la différenciation des vêtements</a:t>
+            </a:r>
+          </a:p>
+          <a:p>
+            <a:pPr>
+              <a:lnSpc>
+                <a:spcPct val="120000"/>
+              </a:lnSpc>
+            </a:pPr>
+            <a:r>
+              <a:rPr lang="fr-FR" sz="1200" dirty="0">
+                <a:solidFill>
+                  <a:schemeClr val="bg1"/>
+                </a:solidFill>
+                <a:latin typeface="Montserrat" panose="00000500000000000000" pitchFamily="2" charset="0"/>
+              </a:rPr>
+              <a:t>✅ Uniformisation des codes couleur</a:t>
+            </a:r>
+          </a:p>
+          <a:p>
+            <a:pPr>
+              <a:lnSpc>
+                <a:spcPct val="120000"/>
+              </a:lnSpc>
+            </a:pPr>
+            <a:r>
+              <a:rPr lang="fr-FR" sz="1200" dirty="0">
+                <a:solidFill>
+                  <a:schemeClr val="bg1"/>
+                </a:solidFill>
+                <a:latin typeface="Montserrat" panose="00000500000000000000" pitchFamily="2" charset="0"/>
+              </a:rPr>
+              <a:t>✅ Rapport synthétique avec images et erreurs typiques</a:t>
+            </a:r>
           </a:p>
         </p:txBody>
       </p:sp>
@@ -10652,7 +12649,7 @@
         <p:spPr>
           <a:xfrm>
             <a:off x="1297500" y="393750"/>
-            <a:ext cx="7038900" cy="914100"/>
+            <a:ext cx="7038900" cy="552371"/>
           </a:xfrm>
           <a:prstGeom prst="rect">
             <a:avLst/>
@@ -10674,10 +12671,10 @@
               <a:buNone/>
             </a:pPr>
             <a:r>
-              <a:rPr lang="fr"/>
+              <a:rPr lang="fr" dirty="0"/>
               <a:t>Passage à l’échelle et coût d’utilisation</a:t>
             </a:r>
-            <a:endParaRPr/>
+            <a:endParaRPr dirty="0"/>
           </a:p>
         </p:txBody>
       </p:sp>
@@ -10693,8 +12690,8 @@
         </p:nvSpPr>
         <p:spPr>
           <a:xfrm>
-            <a:off x="1297500" y="1567550"/>
-            <a:ext cx="7038900" cy="2911200"/>
+            <a:off x="1949254" y="991906"/>
+            <a:ext cx="5385402" cy="301380"/>
           </a:xfrm>
           <a:prstGeom prst="rect">
             <a:avLst/>
@@ -10702,7 +12699,7 @@
         </p:spPr>
         <p:txBody>
           <a:bodyPr spcFirstLastPara="1" wrap="square" lIns="91425" tIns="91425" rIns="91425" bIns="91425" anchor="t" anchorCtr="0">
-            <a:normAutofit/>
+            <a:noAutofit/>
           </a:bodyPr>
           <a:lstStyle/>
           <a:p>
@@ -10716,10 +12713,763 @@
               <a:buNone/>
             </a:pPr>
             <a:r>
-              <a:rPr lang="fr"/>
-              <a:t>Chiffrez notamment ici le coût pour 30 jours d’utilisation et 500 000 images. </a:t>
-            </a:r>
-            <a:endParaRPr/>
+              <a:rPr lang="fr" sz="1400" dirty="0">
+                <a:solidFill>
+                  <a:schemeClr val="tx2">
+                    <a:lumMod val="75000"/>
+                  </a:schemeClr>
+                </a:solidFill>
+                <a:latin typeface="Montserrat" panose="00000500000000000000" pitchFamily="2" charset="0"/>
+              </a:rPr>
+              <a:t>Le coût pour 30 jours d’utilisation et 500 000 images. </a:t>
+            </a:r>
+            <a:endParaRPr sz="1400" dirty="0">
+              <a:solidFill>
+                <a:schemeClr val="tx2">
+                  <a:lumMod val="75000"/>
+                </a:schemeClr>
+              </a:solidFill>
+              <a:latin typeface="Montserrat" panose="00000500000000000000" pitchFamily="2" charset="0"/>
+            </a:endParaRPr>
+          </a:p>
+        </p:txBody>
+      </p:sp>
+      <p:sp>
+        <p:nvSpPr>
+          <p:cNvPr id="2" name="TextBox 2">
+            <a:extLst>
+              <a:ext uri="{FF2B5EF4-FFF2-40B4-BE49-F238E27FC236}">
+                <a16:creationId xmlns:a16="http://schemas.microsoft.com/office/drawing/2014/main" id="{6E738528-FC80-54DE-800D-49CAA07584FB}"/>
+              </a:ext>
+            </a:extLst>
+          </p:cNvPr>
+          <p:cNvSpPr txBox="1"/>
+          <p:nvPr/>
+        </p:nvSpPr>
+        <p:spPr>
+          <a:xfrm>
+            <a:off x="459060" y="1665295"/>
+            <a:ext cx="3696512" cy="1787284"/>
+          </a:xfrm>
+          <a:prstGeom prst="rect">
+            <a:avLst/>
+          </a:prstGeom>
+          <a:noFill/>
+        </p:spPr>
+        <p:txBody>
+          <a:bodyPr wrap="square">
+            <a:spAutoFit/>
+          </a:bodyPr>
+          <a:lstStyle/>
+          <a:p>
+            <a:pPr>
+              <a:lnSpc>
+                <a:spcPct val="120000"/>
+              </a:lnSpc>
+              <a:defRPr sz="2000" b="1">
+                <a:solidFill>
+                  <a:srgbClr val="0066CC"/>
+                </a:solidFill>
+              </a:defRPr>
+            </a:pPr>
+            <a:r>
+              <a:rPr dirty="0">
+                <a:solidFill>
+                  <a:srgbClr val="0070C0"/>
+                </a:solidFill>
+                <a:latin typeface="Montserrat" panose="00000500000000000000" pitchFamily="2" charset="0"/>
+              </a:rPr>
+              <a:t>⚙️ </a:t>
+            </a:r>
+            <a:r>
+              <a:rPr dirty="0" err="1">
+                <a:solidFill>
+                  <a:srgbClr val="0070C0"/>
+                </a:solidFill>
+                <a:latin typeface="Montserrat" panose="00000500000000000000" pitchFamily="2" charset="0"/>
+              </a:rPr>
+              <a:t>Hypothèses</a:t>
+            </a:r>
+            <a:endParaRPr dirty="0">
+              <a:solidFill>
+                <a:srgbClr val="0070C0"/>
+              </a:solidFill>
+              <a:latin typeface="Montserrat" panose="00000500000000000000" pitchFamily="2" charset="0"/>
+            </a:endParaRPr>
+          </a:p>
+          <a:p>
+            <a:pPr lvl="1">
+              <a:lnSpc>
+                <a:spcPct val="130000"/>
+              </a:lnSpc>
+              <a:defRPr sz="1600">
+                <a:solidFill>
+                  <a:srgbClr val="464646"/>
+                </a:solidFill>
+              </a:defRPr>
+            </a:pPr>
+            <a:r>
+              <a:rPr sz="1350" dirty="0">
+                <a:solidFill>
+                  <a:schemeClr val="bg1"/>
+                </a:solidFill>
+                <a:latin typeface="Montserrat" panose="00000500000000000000" pitchFamily="2" charset="0"/>
+              </a:rPr>
+              <a:t>• Durée : 30 </a:t>
+            </a:r>
+            <a:r>
+              <a:rPr sz="1350" dirty="0" err="1">
+                <a:solidFill>
+                  <a:schemeClr val="bg1"/>
+                </a:solidFill>
+                <a:latin typeface="Montserrat" panose="00000500000000000000" pitchFamily="2" charset="0"/>
+              </a:rPr>
+              <a:t>jours</a:t>
+            </a:r>
+            <a:r>
+              <a:rPr sz="1350" dirty="0">
+                <a:solidFill>
+                  <a:schemeClr val="bg1"/>
+                </a:solidFill>
+                <a:latin typeface="Montserrat" panose="00000500000000000000" pitchFamily="2" charset="0"/>
+              </a:rPr>
+              <a:t> (720 h)</a:t>
+            </a:r>
+          </a:p>
+          <a:p>
+            <a:pPr lvl="1">
+              <a:lnSpc>
+                <a:spcPct val="130000"/>
+              </a:lnSpc>
+              <a:defRPr sz="1600">
+                <a:solidFill>
+                  <a:srgbClr val="464646"/>
+                </a:solidFill>
+              </a:defRPr>
+            </a:pPr>
+            <a:r>
+              <a:rPr sz="1350" dirty="0">
+                <a:solidFill>
+                  <a:schemeClr val="bg1"/>
+                </a:solidFill>
+                <a:latin typeface="Montserrat" panose="00000500000000000000" pitchFamily="2" charset="0"/>
+              </a:rPr>
+              <a:t>• Volume : 500 000 images</a:t>
+            </a:r>
+          </a:p>
+          <a:p>
+            <a:pPr lvl="1">
+              <a:lnSpc>
+                <a:spcPct val="130000"/>
+              </a:lnSpc>
+              <a:defRPr sz="1600">
+                <a:solidFill>
+                  <a:srgbClr val="464646"/>
+                </a:solidFill>
+              </a:defRPr>
+            </a:pPr>
+            <a:r>
+              <a:rPr sz="1350" dirty="0">
+                <a:solidFill>
+                  <a:schemeClr val="bg1"/>
+                </a:solidFill>
+                <a:latin typeface="Montserrat" panose="00000500000000000000" pitchFamily="2" charset="0"/>
+              </a:rPr>
+              <a:t>• Matériel : GPU NVIDIA T4 (1 </a:t>
+            </a:r>
+            <a:r>
+              <a:rPr sz="1350" dirty="0" err="1">
+                <a:solidFill>
+                  <a:schemeClr val="bg1"/>
+                </a:solidFill>
+                <a:latin typeface="Montserrat" panose="00000500000000000000" pitchFamily="2" charset="0"/>
+              </a:rPr>
+              <a:t>réplique</a:t>
+            </a:r>
+            <a:r>
+              <a:rPr sz="1350" dirty="0">
+                <a:solidFill>
+                  <a:schemeClr val="bg1"/>
+                </a:solidFill>
+                <a:latin typeface="Montserrat" panose="00000500000000000000" pitchFamily="2" charset="0"/>
+              </a:rPr>
+              <a:t>)</a:t>
+            </a:r>
+          </a:p>
+          <a:p>
+            <a:pPr lvl="1">
+              <a:lnSpc>
+                <a:spcPct val="130000"/>
+              </a:lnSpc>
+              <a:defRPr sz="1600">
+                <a:solidFill>
+                  <a:srgbClr val="464646"/>
+                </a:solidFill>
+              </a:defRPr>
+            </a:pPr>
+            <a:r>
+              <a:rPr sz="1350" dirty="0">
+                <a:solidFill>
+                  <a:schemeClr val="bg1"/>
+                </a:solidFill>
+                <a:latin typeface="Montserrat" panose="00000500000000000000" pitchFamily="2" charset="0"/>
+              </a:rPr>
+              <a:t>• </a:t>
+            </a:r>
+            <a:r>
+              <a:rPr sz="1350" dirty="0" err="1">
+                <a:solidFill>
+                  <a:schemeClr val="bg1"/>
+                </a:solidFill>
+                <a:latin typeface="Montserrat" panose="00000500000000000000" pitchFamily="2" charset="0"/>
+              </a:rPr>
+              <a:t>Scénarios</a:t>
+            </a:r>
+            <a:r>
+              <a:rPr sz="1350" dirty="0">
+                <a:solidFill>
+                  <a:schemeClr val="bg1"/>
+                </a:solidFill>
+                <a:latin typeface="Montserrat" panose="00000500000000000000" pitchFamily="2" charset="0"/>
+              </a:rPr>
+              <a:t> </a:t>
+            </a:r>
+            <a:r>
+              <a:rPr sz="1350" dirty="0" err="1">
+                <a:solidFill>
+                  <a:schemeClr val="bg1"/>
+                </a:solidFill>
+                <a:latin typeface="Montserrat" panose="00000500000000000000" pitchFamily="2" charset="0"/>
+              </a:rPr>
+              <a:t>comparés</a:t>
+            </a:r>
+            <a:r>
+              <a:rPr sz="1350" dirty="0">
+                <a:solidFill>
+                  <a:schemeClr val="bg1"/>
+                </a:solidFill>
+                <a:latin typeface="Montserrat" panose="00000500000000000000" pitchFamily="2" charset="0"/>
+              </a:rPr>
+              <a:t> : </a:t>
+            </a:r>
+            <a:r>
+              <a:rPr sz="1350" dirty="0" err="1">
+                <a:solidFill>
+                  <a:schemeClr val="bg1"/>
+                </a:solidFill>
+                <a:latin typeface="Montserrat" panose="00000500000000000000" pitchFamily="2" charset="0"/>
+              </a:rPr>
+              <a:t>fonctionnement</a:t>
+            </a:r>
+            <a:r>
+              <a:rPr sz="1350" dirty="0">
+                <a:solidFill>
+                  <a:schemeClr val="bg1"/>
+                </a:solidFill>
+                <a:latin typeface="Montserrat" panose="00000500000000000000" pitchFamily="2" charset="0"/>
+              </a:rPr>
+              <a:t> </a:t>
+            </a:r>
+            <a:r>
+              <a:rPr sz="1350" dirty="0" err="1">
+                <a:solidFill>
+                  <a:schemeClr val="bg1"/>
+                </a:solidFill>
+                <a:latin typeface="Montserrat" panose="00000500000000000000" pitchFamily="2" charset="0"/>
+              </a:rPr>
+              <a:t>continu</a:t>
+            </a:r>
+            <a:r>
+              <a:rPr sz="1350" dirty="0">
+                <a:solidFill>
+                  <a:schemeClr val="bg1"/>
+                </a:solidFill>
+                <a:latin typeface="Montserrat" panose="00000500000000000000" pitchFamily="2" charset="0"/>
+              </a:rPr>
+              <a:t> vs autoscaling</a:t>
+            </a:r>
+          </a:p>
+        </p:txBody>
+      </p:sp>
+      <p:sp>
+        <p:nvSpPr>
+          <p:cNvPr id="4" name="ZoneTexte 3">
+            <a:extLst>
+              <a:ext uri="{FF2B5EF4-FFF2-40B4-BE49-F238E27FC236}">
+                <a16:creationId xmlns:a16="http://schemas.microsoft.com/office/drawing/2014/main" id="{EB32942D-39BB-E89E-699E-C5D4655DDE48}"/>
+              </a:ext>
+            </a:extLst>
+          </p:cNvPr>
+          <p:cNvSpPr txBox="1"/>
+          <p:nvPr/>
+        </p:nvSpPr>
+        <p:spPr>
+          <a:xfrm>
+            <a:off x="4319080" y="1514869"/>
+            <a:ext cx="4737371" cy="2088136"/>
+          </a:xfrm>
+          <a:prstGeom prst="rect">
+            <a:avLst/>
+          </a:prstGeom>
+          <a:noFill/>
+        </p:spPr>
+        <p:txBody>
+          <a:bodyPr wrap="square">
+            <a:spAutoFit/>
+          </a:bodyPr>
+          <a:lstStyle/>
+          <a:p>
+            <a:pPr>
+              <a:lnSpc>
+                <a:spcPct val="130000"/>
+              </a:lnSpc>
+              <a:defRPr sz="2000" b="1">
+                <a:solidFill>
+                  <a:srgbClr val="0066CC"/>
+                </a:solidFill>
+              </a:defRPr>
+            </a:pPr>
+            <a:r>
+              <a:rPr lang="fr-FR" dirty="0">
+                <a:solidFill>
+                  <a:schemeClr val="bg1"/>
+                </a:solidFill>
+                <a:latin typeface="Montserrat" panose="00000500000000000000" pitchFamily="2" charset="0"/>
+              </a:rPr>
+              <a:t>📊 </a:t>
+            </a:r>
+            <a:r>
+              <a:rPr lang="fr-FR" dirty="0">
+                <a:solidFill>
+                  <a:srgbClr val="0070C0"/>
+                </a:solidFill>
+                <a:latin typeface="Montserrat" panose="00000500000000000000" pitchFamily="2" charset="0"/>
+              </a:rPr>
+              <a:t>Résultats du calcul</a:t>
+            </a:r>
+          </a:p>
+          <a:p>
+            <a:pPr lvl="1">
+              <a:lnSpc>
+                <a:spcPct val="130000"/>
+              </a:lnSpc>
+              <a:defRPr sz="1600">
+                <a:solidFill>
+                  <a:srgbClr val="464646"/>
+                </a:solidFill>
+              </a:defRPr>
+            </a:pPr>
+            <a:r>
+              <a:rPr lang="fr-FR" sz="1350" dirty="0">
+                <a:solidFill>
+                  <a:schemeClr val="bg1"/>
+                </a:solidFill>
+                <a:latin typeface="Montserrat" panose="00000500000000000000" pitchFamily="2" charset="0"/>
+              </a:rPr>
+              <a:t>• 24/7 continu : 720 h → 360 $</a:t>
+            </a:r>
+          </a:p>
+          <a:p>
+            <a:pPr lvl="1">
+              <a:lnSpc>
+                <a:spcPct val="130000"/>
+              </a:lnSpc>
+              <a:defRPr sz="1600">
+                <a:solidFill>
+                  <a:srgbClr val="464646"/>
+                </a:solidFill>
+              </a:defRPr>
+            </a:pPr>
+            <a:r>
+              <a:rPr lang="fr-FR" sz="1350" dirty="0">
+                <a:solidFill>
+                  <a:schemeClr val="bg1"/>
+                </a:solidFill>
+                <a:latin typeface="Montserrat" panose="00000500000000000000" pitchFamily="2" charset="0"/>
+              </a:rPr>
+              <a:t>• </a:t>
+            </a:r>
+            <a:r>
+              <a:rPr lang="fr-FR" sz="1350" dirty="0" err="1">
+                <a:solidFill>
+                  <a:schemeClr val="bg1"/>
+                </a:solidFill>
+                <a:latin typeface="Montserrat" panose="00000500000000000000" pitchFamily="2" charset="0"/>
+              </a:rPr>
+              <a:t>Scale</a:t>
+            </a:r>
+            <a:r>
+              <a:rPr lang="fr-FR" sz="1350" dirty="0">
+                <a:solidFill>
+                  <a:schemeClr val="bg1"/>
+                </a:solidFill>
+                <a:latin typeface="Montserrat" panose="00000500000000000000" pitchFamily="2" charset="0"/>
+              </a:rPr>
+              <a:t>-to-</a:t>
+            </a:r>
+            <a:r>
+              <a:rPr lang="fr-FR" sz="1350" dirty="0" err="1">
+                <a:solidFill>
+                  <a:schemeClr val="bg1"/>
+                </a:solidFill>
+                <a:latin typeface="Montserrat" panose="00000500000000000000" pitchFamily="2" charset="0"/>
+              </a:rPr>
+              <a:t>zero</a:t>
+            </a:r>
+            <a:r>
+              <a:rPr lang="fr-FR" sz="1350" dirty="0">
+                <a:solidFill>
+                  <a:schemeClr val="bg1"/>
+                </a:solidFill>
+                <a:latin typeface="Montserrat" panose="00000500000000000000" pitchFamily="2" charset="0"/>
+              </a:rPr>
+              <a:t> 0.5 </a:t>
+            </a:r>
+            <a:r>
+              <a:rPr lang="fr-FR" sz="1350" dirty="0" err="1">
+                <a:solidFill>
+                  <a:schemeClr val="bg1"/>
+                </a:solidFill>
+                <a:latin typeface="Montserrat" panose="00000500000000000000" pitchFamily="2" charset="0"/>
+              </a:rPr>
+              <a:t>img</a:t>
+            </a:r>
+            <a:r>
+              <a:rPr lang="fr-FR" sz="1350" dirty="0">
+                <a:solidFill>
+                  <a:schemeClr val="bg1"/>
+                </a:solidFill>
+                <a:latin typeface="Montserrat" panose="00000500000000000000" pitchFamily="2" charset="0"/>
+              </a:rPr>
+              <a:t>/s : 278 h → 138.9 $</a:t>
+            </a:r>
+          </a:p>
+          <a:p>
+            <a:pPr lvl="1">
+              <a:lnSpc>
+                <a:spcPct val="130000"/>
+              </a:lnSpc>
+              <a:defRPr sz="1600">
+                <a:solidFill>
+                  <a:srgbClr val="464646"/>
+                </a:solidFill>
+              </a:defRPr>
+            </a:pPr>
+            <a:r>
+              <a:rPr lang="fr-FR" sz="1350" dirty="0">
+                <a:solidFill>
+                  <a:schemeClr val="bg1"/>
+                </a:solidFill>
+                <a:latin typeface="Montserrat" panose="00000500000000000000" pitchFamily="2" charset="0"/>
+              </a:rPr>
+              <a:t>• </a:t>
+            </a:r>
+            <a:r>
+              <a:rPr lang="fr-FR" sz="1350" dirty="0" err="1">
+                <a:solidFill>
+                  <a:schemeClr val="bg1"/>
+                </a:solidFill>
+                <a:latin typeface="Montserrat" panose="00000500000000000000" pitchFamily="2" charset="0"/>
+              </a:rPr>
+              <a:t>Scale</a:t>
+            </a:r>
+            <a:r>
+              <a:rPr lang="fr-FR" sz="1350" dirty="0">
+                <a:solidFill>
+                  <a:schemeClr val="bg1"/>
+                </a:solidFill>
+                <a:latin typeface="Montserrat" panose="00000500000000000000" pitchFamily="2" charset="0"/>
+              </a:rPr>
+              <a:t>-to-</a:t>
+            </a:r>
+            <a:r>
+              <a:rPr lang="fr-FR" sz="1350" dirty="0" err="1">
+                <a:solidFill>
+                  <a:schemeClr val="bg1"/>
+                </a:solidFill>
+                <a:latin typeface="Montserrat" panose="00000500000000000000" pitchFamily="2" charset="0"/>
+              </a:rPr>
+              <a:t>zero</a:t>
+            </a:r>
+            <a:r>
+              <a:rPr lang="fr-FR" sz="1350" dirty="0">
+                <a:solidFill>
+                  <a:schemeClr val="bg1"/>
+                </a:solidFill>
+                <a:latin typeface="Montserrat" panose="00000500000000000000" pitchFamily="2" charset="0"/>
+              </a:rPr>
+              <a:t> 1.0 </a:t>
+            </a:r>
+            <a:r>
+              <a:rPr lang="fr-FR" sz="1350" dirty="0" err="1">
+                <a:solidFill>
+                  <a:schemeClr val="bg1"/>
+                </a:solidFill>
+                <a:latin typeface="Montserrat" panose="00000500000000000000" pitchFamily="2" charset="0"/>
+              </a:rPr>
+              <a:t>img</a:t>
+            </a:r>
+            <a:r>
+              <a:rPr lang="fr-FR" sz="1350" dirty="0">
+                <a:solidFill>
+                  <a:schemeClr val="bg1"/>
+                </a:solidFill>
+                <a:latin typeface="Montserrat" panose="00000500000000000000" pitchFamily="2" charset="0"/>
+              </a:rPr>
+              <a:t>/s : 139 h → 69.4 $</a:t>
+            </a:r>
+          </a:p>
+          <a:p>
+            <a:pPr lvl="1">
+              <a:lnSpc>
+                <a:spcPct val="130000"/>
+              </a:lnSpc>
+              <a:defRPr sz="1600">
+                <a:solidFill>
+                  <a:srgbClr val="464646"/>
+                </a:solidFill>
+              </a:defRPr>
+            </a:pPr>
+            <a:r>
+              <a:rPr lang="fr-FR" sz="1350" dirty="0">
+                <a:solidFill>
+                  <a:schemeClr val="bg1"/>
+                </a:solidFill>
+                <a:latin typeface="Montserrat" panose="00000500000000000000" pitchFamily="2" charset="0"/>
+              </a:rPr>
+              <a:t>• </a:t>
+            </a:r>
+            <a:r>
+              <a:rPr lang="fr-FR" sz="1350" dirty="0" err="1">
+                <a:solidFill>
+                  <a:schemeClr val="bg1"/>
+                </a:solidFill>
+                <a:latin typeface="Montserrat" panose="00000500000000000000" pitchFamily="2" charset="0"/>
+              </a:rPr>
+              <a:t>Scale</a:t>
+            </a:r>
+            <a:r>
+              <a:rPr lang="fr-FR" sz="1350" dirty="0">
+                <a:solidFill>
+                  <a:schemeClr val="bg1"/>
+                </a:solidFill>
+                <a:latin typeface="Montserrat" panose="00000500000000000000" pitchFamily="2" charset="0"/>
+              </a:rPr>
+              <a:t>-to-</a:t>
+            </a:r>
+            <a:r>
+              <a:rPr lang="fr-FR" sz="1350" dirty="0" err="1">
+                <a:solidFill>
+                  <a:schemeClr val="bg1"/>
+                </a:solidFill>
+                <a:latin typeface="Montserrat" panose="00000500000000000000" pitchFamily="2" charset="0"/>
+              </a:rPr>
+              <a:t>zero</a:t>
+            </a:r>
+            <a:r>
+              <a:rPr lang="fr-FR" sz="1350" dirty="0">
+                <a:solidFill>
+                  <a:schemeClr val="bg1"/>
+                </a:solidFill>
+                <a:latin typeface="Montserrat" panose="00000500000000000000" pitchFamily="2" charset="0"/>
+              </a:rPr>
+              <a:t> 2.0 </a:t>
+            </a:r>
+            <a:r>
+              <a:rPr lang="fr-FR" sz="1350" dirty="0" err="1">
+                <a:solidFill>
+                  <a:schemeClr val="bg1"/>
+                </a:solidFill>
+                <a:latin typeface="Montserrat" panose="00000500000000000000" pitchFamily="2" charset="0"/>
+              </a:rPr>
+              <a:t>img</a:t>
+            </a:r>
+            <a:r>
+              <a:rPr lang="fr-FR" sz="1350" dirty="0">
+                <a:solidFill>
+                  <a:schemeClr val="bg1"/>
+                </a:solidFill>
+                <a:latin typeface="Montserrat" panose="00000500000000000000" pitchFamily="2" charset="0"/>
+              </a:rPr>
+              <a:t>/s : 69 h → 34.7 $ ✅ (optimum)</a:t>
+            </a:r>
+          </a:p>
+          <a:p>
+            <a:pPr lvl="1">
+              <a:lnSpc>
+                <a:spcPct val="130000"/>
+              </a:lnSpc>
+              <a:defRPr sz="1600">
+                <a:solidFill>
+                  <a:srgbClr val="464646"/>
+                </a:solidFill>
+              </a:defRPr>
+            </a:pPr>
+            <a:r>
+              <a:rPr lang="fr-FR" sz="1350" dirty="0">
+                <a:solidFill>
+                  <a:schemeClr val="bg1"/>
+                </a:solidFill>
+                <a:latin typeface="Montserrat" panose="00000500000000000000" pitchFamily="2" charset="0"/>
+              </a:rPr>
+              <a:t>• </a:t>
+            </a:r>
+            <a:r>
+              <a:rPr lang="fr-FR" sz="1350" dirty="0" err="1">
+                <a:solidFill>
+                  <a:schemeClr val="bg1"/>
+                </a:solidFill>
+                <a:latin typeface="Montserrat" panose="00000500000000000000" pitchFamily="2" charset="0"/>
+              </a:rPr>
+              <a:t>Scale</a:t>
+            </a:r>
+            <a:r>
+              <a:rPr lang="fr-FR" sz="1350" dirty="0">
+                <a:solidFill>
+                  <a:schemeClr val="bg1"/>
+                </a:solidFill>
+                <a:latin typeface="Montserrat" panose="00000500000000000000" pitchFamily="2" charset="0"/>
+              </a:rPr>
+              <a:t>-to-</a:t>
+            </a:r>
+            <a:r>
+              <a:rPr lang="fr-FR" sz="1350" dirty="0" err="1">
+                <a:solidFill>
+                  <a:schemeClr val="bg1"/>
+                </a:solidFill>
+                <a:latin typeface="Montserrat" panose="00000500000000000000" pitchFamily="2" charset="0"/>
+              </a:rPr>
+              <a:t>zero</a:t>
+            </a:r>
+            <a:r>
+              <a:rPr lang="fr-FR" sz="1350" dirty="0">
+                <a:solidFill>
+                  <a:schemeClr val="bg1"/>
+                </a:solidFill>
+                <a:latin typeface="Montserrat" panose="00000500000000000000" pitchFamily="2" charset="0"/>
+              </a:rPr>
+              <a:t> 5.0 </a:t>
+            </a:r>
+            <a:r>
+              <a:rPr lang="fr-FR" sz="1350" dirty="0" err="1">
+                <a:solidFill>
+                  <a:schemeClr val="bg1"/>
+                </a:solidFill>
+                <a:latin typeface="Montserrat" panose="00000500000000000000" pitchFamily="2" charset="0"/>
+              </a:rPr>
+              <a:t>img</a:t>
+            </a:r>
+            <a:r>
+              <a:rPr lang="fr-FR" sz="1350" dirty="0">
+                <a:solidFill>
+                  <a:schemeClr val="bg1"/>
+                </a:solidFill>
+                <a:latin typeface="Montserrat" panose="00000500000000000000" pitchFamily="2" charset="0"/>
+              </a:rPr>
+              <a:t>/s : 28 h → 13.9 $</a:t>
+            </a:r>
+          </a:p>
+          <a:p>
+            <a:pPr lvl="1">
+              <a:lnSpc>
+                <a:spcPct val="130000"/>
+              </a:lnSpc>
+              <a:defRPr sz="1600">
+                <a:solidFill>
+                  <a:srgbClr val="464646"/>
+                </a:solidFill>
+              </a:defRPr>
+            </a:pPr>
+            <a:r>
+              <a:rPr lang="fr-FR" sz="1350" dirty="0">
+                <a:solidFill>
+                  <a:schemeClr val="bg1"/>
+                </a:solidFill>
+                <a:latin typeface="Montserrat" panose="00000500000000000000" pitchFamily="2" charset="0"/>
+              </a:rPr>
+              <a:t>• </a:t>
+            </a:r>
+            <a:r>
+              <a:rPr lang="fr-FR" sz="1350" dirty="0" err="1">
+                <a:solidFill>
+                  <a:schemeClr val="bg1"/>
+                </a:solidFill>
+                <a:latin typeface="Montserrat" panose="00000500000000000000" pitchFamily="2" charset="0"/>
+              </a:rPr>
+              <a:t>Bursty</a:t>
+            </a:r>
+            <a:r>
+              <a:rPr lang="fr-FR" sz="1350" dirty="0">
+                <a:solidFill>
+                  <a:schemeClr val="bg1"/>
+                </a:solidFill>
+                <a:latin typeface="Montserrat" panose="00000500000000000000" pitchFamily="2" charset="0"/>
+              </a:rPr>
+              <a:t> (2h/jour) : → 56.3 $</a:t>
+            </a:r>
+          </a:p>
+        </p:txBody>
+      </p:sp>
+      <p:sp>
+        <p:nvSpPr>
+          <p:cNvPr id="6" name="ZoneTexte 5">
+            <a:extLst>
+              <a:ext uri="{FF2B5EF4-FFF2-40B4-BE49-F238E27FC236}">
+                <a16:creationId xmlns:a16="http://schemas.microsoft.com/office/drawing/2014/main" id="{1CCA1628-18BB-25AD-39B3-3FCF3097E2E9}"/>
+              </a:ext>
+            </a:extLst>
+          </p:cNvPr>
+          <p:cNvSpPr txBox="1"/>
+          <p:nvPr/>
+        </p:nvSpPr>
+        <p:spPr>
+          <a:xfrm>
+            <a:off x="459059" y="4081072"/>
+            <a:ext cx="8247195" cy="626838"/>
+          </a:xfrm>
+          <a:prstGeom prst="rect">
+            <a:avLst/>
+          </a:prstGeom>
+          <a:noFill/>
+        </p:spPr>
+        <p:txBody>
+          <a:bodyPr wrap="square">
+            <a:spAutoFit/>
+          </a:bodyPr>
+          <a:lstStyle/>
+          <a:p>
+            <a:pPr>
+              <a:lnSpc>
+                <a:spcPct val="130000"/>
+              </a:lnSpc>
+            </a:pPr>
+            <a:r>
+              <a:rPr lang="fr-FR" dirty="0">
+                <a:solidFill>
+                  <a:schemeClr val="bg1"/>
+                </a:solidFill>
+                <a:latin typeface="Montserrat" panose="00000500000000000000" pitchFamily="2" charset="0"/>
+              </a:rPr>
+              <a:t>💡 Coût optimal entre 35 $ et 70 $ selon le débit (1–2 images/s) et le mode </a:t>
+            </a:r>
+            <a:r>
+              <a:rPr lang="fr-FR" dirty="0" err="1">
+                <a:solidFill>
+                  <a:schemeClr val="bg1"/>
+                </a:solidFill>
+                <a:latin typeface="Montserrat" panose="00000500000000000000" pitchFamily="2" charset="0"/>
+              </a:rPr>
+              <a:t>autoscaling</a:t>
+            </a:r>
+            <a:r>
+              <a:rPr lang="fr-FR" dirty="0">
+                <a:solidFill>
+                  <a:schemeClr val="bg1"/>
+                </a:solidFill>
+                <a:latin typeface="Montserrat" panose="00000500000000000000" pitchFamily="2" charset="0"/>
+              </a:rPr>
+              <a:t> choisi. En exécution continue 24/7, le coût serait d’environ 360 $.</a:t>
+            </a:r>
           </a:p>
         </p:txBody>
       </p:sp>
@@ -10760,8 +13510,8 @@
         </p:nvSpPr>
         <p:spPr>
           <a:xfrm>
-            <a:off x="1297500" y="393750"/>
-            <a:ext cx="7038900" cy="914100"/>
+            <a:off x="1622032" y="291309"/>
+            <a:ext cx="5899936" cy="914100"/>
           </a:xfrm>
           <a:prstGeom prst="rect">
             <a:avLst/>
@@ -10773,7 +13523,7 @@
           </a:bodyPr>
           <a:lstStyle/>
           <a:p>
-            <a:pPr marL="0" lvl="0" indent="0" algn="l" rtl="0">
+            <a:pPr marL="0" lvl="0" indent="0" algn="ctr" rtl="0">
               <a:spcBef>
                 <a:spcPts val="0"/>
               </a:spcBef>
@@ -10783,52 +13533,1155 @@
               <a:buNone/>
             </a:pPr>
             <a:r>
-              <a:rPr lang="fr"/>
-              <a:t>Analyse de la conformité réglementaire (slide optionnelle) </a:t>
-            </a:r>
-            <a:endParaRPr/>
+              <a:rPr lang="fr" dirty="0"/>
+              <a:t>Analyse de la conformité avec le RGPD et le respect de l’IA act</a:t>
+            </a:r>
+            <a:endParaRPr dirty="0"/>
           </a:p>
         </p:txBody>
       </p:sp>
       <p:sp>
         <p:nvSpPr>
-          <p:cNvPr id="171" name="Google Shape;171;p19"/>
-          <p:cNvSpPr txBox="1">
-            <a:spLocks noGrp="1"/>
-          </p:cNvSpPr>
-          <p:nvPr>
-            <p:ph type="body" idx="1"/>
-          </p:nvPr>
+          <p:cNvPr id="3" name="TextBox 2">
+            <a:extLst>
+              <a:ext uri="{FF2B5EF4-FFF2-40B4-BE49-F238E27FC236}">
+                <a16:creationId xmlns:a16="http://schemas.microsoft.com/office/drawing/2014/main" id="{B54B8FDF-F4C1-329B-F11E-71007292A6FB}"/>
+              </a:ext>
+            </a:extLst>
+          </p:cNvPr>
+          <p:cNvSpPr txBox="1"/>
+          <p:nvPr/>
         </p:nvSpPr>
         <p:spPr>
           <a:xfrm>
-            <a:off x="1297500" y="1567550"/>
-            <a:ext cx="7038900" cy="2911200"/>
+            <a:off x="1157591" y="1320852"/>
+            <a:ext cx="7498720" cy="793743"/>
           </a:xfrm>
           <a:prstGeom prst="rect">
             <a:avLst/>
           </a:prstGeom>
+          <a:noFill/>
         </p:spPr>
         <p:txBody>
-          <a:bodyPr spcFirstLastPara="1" wrap="square" lIns="91425" tIns="91425" rIns="91425" bIns="91425" anchor="t" anchorCtr="0">
-            <a:normAutofit/>
+          <a:bodyPr wrap="square">
+            <a:spAutoFit/>
           </a:bodyPr>
           <a:lstStyle/>
           <a:p>
-            <a:pPr marL="0" lvl="0" indent="0" algn="l" rtl="0">
-              <a:spcBef>
-                <a:spcPts val="0"/>
-              </a:spcBef>
-              <a:spcAft>
-                <a:spcPts val="1200"/>
-              </a:spcAft>
-              <a:buNone/>
+            <a:pPr>
+              <a:lnSpc>
+                <a:spcPct val="120000"/>
+              </a:lnSpc>
+              <a:defRPr sz="2000" b="1">
+                <a:solidFill>
+                  <a:srgbClr val="0066CC"/>
+                </a:solidFill>
+              </a:defRPr>
             </a:pPr>
             <a:r>
-              <a:rPr lang="fr"/>
-              <a:t>Optionnel : analyser la conformité avec le RGPD et le respect de l’IA act. </a:t>
-            </a:r>
-            <a:endParaRPr/>
+              <a:rPr sz="1300" dirty="0">
+                <a:solidFill>
+                  <a:schemeClr val="bg1"/>
+                </a:solidFill>
+                <a:latin typeface="Montserrat" panose="00000500000000000000" pitchFamily="2" charset="0"/>
+              </a:rPr>
+              <a:t>1️⃣ </a:t>
+            </a:r>
+            <a:r>
+              <a:rPr sz="1300" dirty="0">
+                <a:solidFill>
+                  <a:srgbClr val="0070C0"/>
+                </a:solidFill>
+                <a:latin typeface="Montserrat" panose="00000500000000000000" pitchFamily="2" charset="0"/>
+              </a:rPr>
+              <a:t>Cadre </a:t>
+            </a:r>
+            <a:r>
+              <a:rPr sz="1300" dirty="0" err="1">
+                <a:solidFill>
+                  <a:srgbClr val="0070C0"/>
+                </a:solidFill>
+                <a:latin typeface="Montserrat" panose="00000500000000000000" pitchFamily="2" charset="0"/>
+              </a:rPr>
+              <a:t>juridique</a:t>
+            </a:r>
+            <a:endParaRPr sz="1300" dirty="0">
+              <a:solidFill>
+                <a:srgbClr val="0070C0"/>
+              </a:solidFill>
+              <a:latin typeface="Montserrat" panose="00000500000000000000" pitchFamily="2" charset="0"/>
+            </a:endParaRPr>
+          </a:p>
+          <a:p>
+            <a:pPr lvl="1">
+              <a:lnSpc>
+                <a:spcPct val="120000"/>
+              </a:lnSpc>
+              <a:defRPr sz="1600">
+                <a:solidFill>
+                  <a:srgbClr val="464646"/>
+                </a:solidFill>
+              </a:defRPr>
+            </a:pPr>
+            <a:r>
+              <a:rPr sz="1300" dirty="0">
+                <a:solidFill>
+                  <a:schemeClr val="bg1"/>
+                </a:solidFill>
+                <a:latin typeface="Montserrat" panose="00000500000000000000" pitchFamily="2" charset="0"/>
+              </a:rPr>
+              <a:t>• RGPD : </a:t>
+            </a:r>
+            <a:r>
+              <a:rPr sz="1300" dirty="0" err="1">
+                <a:solidFill>
+                  <a:schemeClr val="bg1"/>
+                </a:solidFill>
+                <a:latin typeface="Montserrat" panose="00000500000000000000" pitchFamily="2" charset="0"/>
+              </a:rPr>
+              <a:t>encadre</a:t>
+            </a:r>
+            <a:r>
+              <a:rPr sz="1300" dirty="0">
+                <a:solidFill>
+                  <a:schemeClr val="bg1"/>
+                </a:solidFill>
+                <a:latin typeface="Montserrat" panose="00000500000000000000" pitchFamily="2" charset="0"/>
+              </a:rPr>
+              <a:t> le </a:t>
+            </a:r>
+            <a:r>
+              <a:rPr sz="1300" dirty="0" err="1">
+                <a:solidFill>
+                  <a:schemeClr val="bg1"/>
+                </a:solidFill>
+                <a:latin typeface="Montserrat" panose="00000500000000000000" pitchFamily="2" charset="0"/>
+              </a:rPr>
+              <a:t>traitement</a:t>
+            </a:r>
+            <a:r>
+              <a:rPr sz="1300" dirty="0">
+                <a:solidFill>
+                  <a:schemeClr val="bg1"/>
+                </a:solidFill>
+                <a:latin typeface="Montserrat" panose="00000500000000000000" pitchFamily="2" charset="0"/>
+              </a:rPr>
+              <a:t> des données </a:t>
+            </a:r>
+            <a:r>
+              <a:rPr sz="1300" dirty="0" err="1">
+                <a:solidFill>
+                  <a:schemeClr val="bg1"/>
+                </a:solidFill>
+                <a:latin typeface="Montserrat" panose="00000500000000000000" pitchFamily="2" charset="0"/>
+              </a:rPr>
+              <a:t>personnelles</a:t>
+            </a:r>
+            <a:r>
+              <a:rPr sz="1300" dirty="0">
+                <a:solidFill>
+                  <a:schemeClr val="bg1"/>
+                </a:solidFill>
+                <a:latin typeface="Montserrat" panose="00000500000000000000" pitchFamily="2" charset="0"/>
+              </a:rPr>
+              <a:t> </a:t>
+            </a:r>
+            <a:r>
+              <a:rPr sz="1300" dirty="0" err="1">
+                <a:solidFill>
+                  <a:schemeClr val="bg1"/>
+                </a:solidFill>
+                <a:latin typeface="Montserrat" panose="00000500000000000000" pitchFamily="2" charset="0"/>
+              </a:rPr>
+              <a:t>en</a:t>
+            </a:r>
+            <a:r>
+              <a:rPr sz="1300" dirty="0">
+                <a:solidFill>
+                  <a:schemeClr val="bg1"/>
+                </a:solidFill>
+                <a:latin typeface="Montserrat" panose="00000500000000000000" pitchFamily="2" charset="0"/>
+              </a:rPr>
+              <a:t> Europe.</a:t>
+            </a:r>
+          </a:p>
+          <a:p>
+            <a:pPr lvl="1">
+              <a:lnSpc>
+                <a:spcPct val="120000"/>
+              </a:lnSpc>
+              <a:defRPr sz="1600">
+                <a:solidFill>
+                  <a:srgbClr val="464646"/>
+                </a:solidFill>
+              </a:defRPr>
+            </a:pPr>
+            <a:r>
+              <a:rPr sz="1300" dirty="0">
+                <a:solidFill>
+                  <a:schemeClr val="bg1"/>
+                </a:solidFill>
+                <a:latin typeface="Montserrat" panose="00000500000000000000" pitchFamily="2" charset="0"/>
+              </a:rPr>
+              <a:t>• AI Act : </a:t>
+            </a:r>
+            <a:r>
+              <a:rPr sz="1300" dirty="0" err="1">
+                <a:solidFill>
+                  <a:schemeClr val="bg1"/>
+                </a:solidFill>
+                <a:latin typeface="Montserrat" panose="00000500000000000000" pitchFamily="2" charset="0"/>
+              </a:rPr>
+              <a:t>définit</a:t>
+            </a:r>
+            <a:r>
+              <a:rPr sz="1300" dirty="0">
+                <a:solidFill>
+                  <a:schemeClr val="bg1"/>
+                </a:solidFill>
+                <a:latin typeface="Montserrat" panose="00000500000000000000" pitchFamily="2" charset="0"/>
+              </a:rPr>
+              <a:t> les obligations </a:t>
+            </a:r>
+            <a:r>
+              <a:rPr sz="1300" dirty="0" err="1">
+                <a:solidFill>
+                  <a:schemeClr val="bg1"/>
+                </a:solidFill>
+                <a:latin typeface="Montserrat" panose="00000500000000000000" pitchFamily="2" charset="0"/>
+              </a:rPr>
+              <a:t>selon</a:t>
+            </a:r>
+            <a:r>
+              <a:rPr sz="1300" dirty="0">
+                <a:solidFill>
+                  <a:schemeClr val="bg1"/>
+                </a:solidFill>
+                <a:latin typeface="Montserrat" panose="00000500000000000000" pitchFamily="2" charset="0"/>
+              </a:rPr>
+              <a:t> le </a:t>
+            </a:r>
+            <a:r>
+              <a:rPr sz="1300" dirty="0" err="1">
+                <a:solidFill>
+                  <a:schemeClr val="bg1"/>
+                </a:solidFill>
+                <a:latin typeface="Montserrat" panose="00000500000000000000" pitchFamily="2" charset="0"/>
+              </a:rPr>
+              <a:t>niveau</a:t>
+            </a:r>
+            <a:r>
+              <a:rPr sz="1300" dirty="0">
+                <a:solidFill>
+                  <a:schemeClr val="bg1"/>
+                </a:solidFill>
+                <a:latin typeface="Montserrat" panose="00000500000000000000" pitchFamily="2" charset="0"/>
+              </a:rPr>
+              <a:t> de </a:t>
+            </a:r>
+            <a:r>
+              <a:rPr sz="1300" dirty="0" err="1">
+                <a:solidFill>
+                  <a:schemeClr val="bg1"/>
+                </a:solidFill>
+                <a:latin typeface="Montserrat" panose="00000500000000000000" pitchFamily="2" charset="0"/>
+              </a:rPr>
+              <a:t>risque</a:t>
+            </a:r>
+            <a:r>
+              <a:rPr sz="1300" dirty="0">
+                <a:solidFill>
+                  <a:schemeClr val="bg1"/>
+                </a:solidFill>
+                <a:latin typeface="Montserrat" panose="00000500000000000000" pitchFamily="2" charset="0"/>
+              </a:rPr>
+              <a:t> du </a:t>
+            </a:r>
+            <a:r>
+              <a:rPr sz="1300" dirty="0" err="1">
+                <a:solidFill>
+                  <a:schemeClr val="bg1"/>
+                </a:solidFill>
+                <a:latin typeface="Montserrat" panose="00000500000000000000" pitchFamily="2" charset="0"/>
+              </a:rPr>
+              <a:t>système</a:t>
+            </a:r>
+            <a:r>
+              <a:rPr sz="1300" dirty="0">
+                <a:solidFill>
+                  <a:schemeClr val="bg1"/>
+                </a:solidFill>
+                <a:latin typeface="Montserrat" panose="00000500000000000000" pitchFamily="2" charset="0"/>
+              </a:rPr>
+              <a:t> IA.</a:t>
+            </a:r>
+          </a:p>
+        </p:txBody>
+      </p:sp>
+      <p:sp>
+        <p:nvSpPr>
+          <p:cNvPr id="4" name="TextBox 3">
+            <a:extLst>
+              <a:ext uri="{FF2B5EF4-FFF2-40B4-BE49-F238E27FC236}">
+                <a16:creationId xmlns:a16="http://schemas.microsoft.com/office/drawing/2014/main" id="{2EEBD67D-7345-2FDE-522B-2B35DF2B8068}"/>
+              </a:ext>
+            </a:extLst>
+          </p:cNvPr>
+          <p:cNvSpPr txBox="1"/>
+          <p:nvPr/>
+        </p:nvSpPr>
+        <p:spPr>
+          <a:xfrm>
+            <a:off x="1157591" y="2023544"/>
+            <a:ext cx="7067961" cy="1513941"/>
+          </a:xfrm>
+          <a:prstGeom prst="rect">
+            <a:avLst/>
+          </a:prstGeom>
+          <a:noFill/>
+        </p:spPr>
+        <p:txBody>
+          <a:bodyPr wrap="none">
+            <a:spAutoFit/>
+          </a:bodyPr>
+          <a:lstStyle/>
+          <a:p>
+            <a:pPr>
+              <a:lnSpc>
+                <a:spcPct val="120000"/>
+              </a:lnSpc>
+            </a:pPr>
+            <a:endParaRPr sz="1300" dirty="0">
+              <a:solidFill>
+                <a:schemeClr val="bg1"/>
+              </a:solidFill>
+              <a:latin typeface="Montserrat" panose="00000500000000000000" pitchFamily="2" charset="0"/>
+            </a:endParaRPr>
+          </a:p>
+          <a:p>
+            <a:pPr>
+              <a:lnSpc>
+                <a:spcPct val="120000"/>
+              </a:lnSpc>
+              <a:defRPr sz="2000" b="1">
+                <a:solidFill>
+                  <a:srgbClr val="0066CC"/>
+                </a:solidFill>
+              </a:defRPr>
+            </a:pPr>
+            <a:r>
+              <a:rPr sz="1300" dirty="0">
+                <a:solidFill>
+                  <a:schemeClr val="bg1"/>
+                </a:solidFill>
+                <a:latin typeface="Montserrat" panose="00000500000000000000" pitchFamily="2" charset="0"/>
+              </a:rPr>
+              <a:t>2️⃣ </a:t>
+            </a:r>
+            <a:r>
+              <a:rPr sz="1300" dirty="0" err="1">
+                <a:solidFill>
+                  <a:srgbClr val="0070C0"/>
+                </a:solidFill>
+                <a:latin typeface="Montserrat" panose="00000500000000000000" pitchFamily="2" charset="0"/>
+              </a:rPr>
+              <a:t>Évaluation</a:t>
+            </a:r>
+            <a:r>
+              <a:rPr sz="1300" dirty="0">
+                <a:solidFill>
+                  <a:srgbClr val="0070C0"/>
+                </a:solidFill>
+                <a:latin typeface="Montserrat" panose="00000500000000000000" pitchFamily="2" charset="0"/>
+              </a:rPr>
+              <a:t> du </a:t>
+            </a:r>
+            <a:r>
+              <a:rPr sz="1300" dirty="0" err="1">
+                <a:solidFill>
+                  <a:srgbClr val="0070C0"/>
+                </a:solidFill>
+                <a:latin typeface="Montserrat" panose="00000500000000000000" pitchFamily="2" charset="0"/>
+              </a:rPr>
+              <a:t>modèle</a:t>
+            </a:r>
+            <a:r>
+              <a:rPr sz="1300" dirty="0">
+                <a:solidFill>
+                  <a:srgbClr val="0070C0"/>
+                </a:solidFill>
+                <a:latin typeface="Montserrat" panose="00000500000000000000" pitchFamily="2" charset="0"/>
+              </a:rPr>
+              <a:t> </a:t>
+            </a:r>
+            <a:r>
+              <a:rPr sz="1300" dirty="0" err="1">
+                <a:solidFill>
+                  <a:srgbClr val="0070C0"/>
+                </a:solidFill>
+                <a:latin typeface="Montserrat" panose="00000500000000000000" pitchFamily="2" charset="0"/>
+              </a:rPr>
+              <a:t>SegFormer</a:t>
+            </a:r>
+            <a:r>
+              <a:rPr sz="1300" dirty="0">
+                <a:solidFill>
+                  <a:srgbClr val="0070C0"/>
+                </a:solidFill>
+                <a:latin typeface="Montserrat" panose="00000500000000000000" pitchFamily="2" charset="0"/>
+              </a:rPr>
+              <a:t>-clothes</a:t>
+            </a:r>
+          </a:p>
+          <a:p>
+            <a:pPr lvl="1">
+              <a:lnSpc>
+                <a:spcPct val="120000"/>
+              </a:lnSpc>
+              <a:defRPr sz="1600">
+                <a:solidFill>
+                  <a:srgbClr val="464646"/>
+                </a:solidFill>
+              </a:defRPr>
+            </a:pPr>
+            <a:r>
+              <a:rPr sz="1300" dirty="0">
+                <a:solidFill>
+                  <a:schemeClr val="bg1"/>
+                </a:solidFill>
+                <a:latin typeface="Montserrat" panose="00000500000000000000" pitchFamily="2" charset="0"/>
+              </a:rPr>
+              <a:t>• Données : images de </a:t>
+            </a:r>
+            <a:r>
+              <a:rPr sz="1300" dirty="0" err="1">
+                <a:solidFill>
+                  <a:schemeClr val="bg1"/>
+                </a:solidFill>
+                <a:latin typeface="Montserrat" panose="00000500000000000000" pitchFamily="2" charset="0"/>
+              </a:rPr>
+              <a:t>vêtements</a:t>
+            </a:r>
+            <a:r>
+              <a:rPr sz="1300" dirty="0">
+                <a:solidFill>
+                  <a:schemeClr val="bg1"/>
+                </a:solidFill>
+                <a:latin typeface="Montserrat" panose="00000500000000000000" pitchFamily="2" charset="0"/>
+              </a:rPr>
+              <a:t> non </a:t>
+            </a:r>
+            <a:r>
+              <a:rPr sz="1300" dirty="0" err="1">
+                <a:solidFill>
+                  <a:schemeClr val="bg1"/>
+                </a:solidFill>
+                <a:latin typeface="Montserrat" panose="00000500000000000000" pitchFamily="2" charset="0"/>
+              </a:rPr>
+              <a:t>personnelles</a:t>
+            </a:r>
+            <a:r>
+              <a:rPr sz="1300" dirty="0">
+                <a:solidFill>
+                  <a:schemeClr val="bg1"/>
+                </a:solidFill>
+                <a:latin typeface="Montserrat" panose="00000500000000000000" pitchFamily="2" charset="0"/>
+              </a:rPr>
+              <a:t> → </a:t>
+            </a:r>
+            <a:r>
+              <a:rPr sz="1300" dirty="0" err="1">
+                <a:solidFill>
+                  <a:schemeClr val="bg1"/>
+                </a:solidFill>
+                <a:latin typeface="Montserrat" panose="00000500000000000000" pitchFamily="2" charset="0"/>
+              </a:rPr>
+              <a:t>risque</a:t>
+            </a:r>
+            <a:r>
+              <a:rPr sz="1300" dirty="0">
+                <a:solidFill>
+                  <a:schemeClr val="bg1"/>
+                </a:solidFill>
+                <a:latin typeface="Montserrat" panose="00000500000000000000" pitchFamily="2" charset="0"/>
+              </a:rPr>
+              <a:t> RGPD </a:t>
+            </a:r>
+            <a:r>
+              <a:rPr sz="1300" dirty="0" err="1">
+                <a:solidFill>
+                  <a:schemeClr val="bg1"/>
+                </a:solidFill>
+                <a:latin typeface="Montserrat" panose="00000500000000000000" pitchFamily="2" charset="0"/>
+              </a:rPr>
+              <a:t>faible</a:t>
+            </a:r>
+            <a:r>
+              <a:rPr sz="1300" dirty="0">
+                <a:solidFill>
+                  <a:schemeClr val="bg1"/>
+                </a:solidFill>
+                <a:latin typeface="Montserrat" panose="00000500000000000000" pitchFamily="2" charset="0"/>
+              </a:rPr>
+              <a:t>.</a:t>
+            </a:r>
+          </a:p>
+          <a:p>
+            <a:pPr lvl="1">
+              <a:lnSpc>
+                <a:spcPct val="120000"/>
+              </a:lnSpc>
+              <a:defRPr sz="1600">
+                <a:solidFill>
+                  <a:srgbClr val="464646"/>
+                </a:solidFill>
+              </a:defRPr>
+            </a:pPr>
+            <a:r>
+              <a:rPr sz="1300" dirty="0">
+                <a:solidFill>
+                  <a:schemeClr val="bg1"/>
+                </a:solidFill>
+                <a:latin typeface="Montserrat" panose="00000500000000000000" pitchFamily="2" charset="0"/>
+              </a:rPr>
+              <a:t>• </a:t>
+            </a:r>
+            <a:r>
+              <a:rPr sz="1300" dirty="0" err="1">
+                <a:solidFill>
+                  <a:schemeClr val="bg1"/>
+                </a:solidFill>
+                <a:latin typeface="Montserrat" panose="00000500000000000000" pitchFamily="2" charset="0"/>
+              </a:rPr>
+              <a:t>Catégorie</a:t>
+            </a:r>
+            <a:r>
+              <a:rPr sz="1300" dirty="0">
+                <a:solidFill>
+                  <a:schemeClr val="bg1"/>
+                </a:solidFill>
+                <a:latin typeface="Montserrat" panose="00000500000000000000" pitchFamily="2" charset="0"/>
+              </a:rPr>
+              <a:t> AI Act : </a:t>
+            </a:r>
+            <a:r>
+              <a:rPr sz="1300" dirty="0" err="1">
+                <a:solidFill>
+                  <a:schemeClr val="bg1"/>
+                </a:solidFill>
+                <a:latin typeface="Montserrat" panose="00000500000000000000" pitchFamily="2" charset="0"/>
+              </a:rPr>
+              <a:t>risque</a:t>
+            </a:r>
+            <a:r>
+              <a:rPr sz="1300" dirty="0">
+                <a:solidFill>
+                  <a:schemeClr val="bg1"/>
+                </a:solidFill>
+                <a:latin typeface="Montserrat" panose="00000500000000000000" pitchFamily="2" charset="0"/>
+              </a:rPr>
+              <a:t> </a:t>
+            </a:r>
+            <a:r>
+              <a:rPr sz="1300" dirty="0" err="1">
+                <a:solidFill>
+                  <a:schemeClr val="bg1"/>
+                </a:solidFill>
+                <a:latin typeface="Montserrat" panose="00000500000000000000" pitchFamily="2" charset="0"/>
+              </a:rPr>
+              <a:t>limité</a:t>
+            </a:r>
+            <a:r>
+              <a:rPr sz="1300" dirty="0">
+                <a:solidFill>
+                  <a:schemeClr val="bg1"/>
+                </a:solidFill>
+                <a:latin typeface="Montserrat" panose="00000500000000000000" pitchFamily="2" charset="0"/>
+              </a:rPr>
+              <a:t> (segmentation </a:t>
+            </a:r>
+            <a:r>
+              <a:rPr sz="1300" dirty="0" err="1">
+                <a:solidFill>
+                  <a:schemeClr val="bg1"/>
+                </a:solidFill>
+                <a:latin typeface="Montserrat" panose="00000500000000000000" pitchFamily="2" charset="0"/>
+              </a:rPr>
+              <a:t>visuelle</a:t>
+            </a:r>
+            <a:r>
+              <a:rPr sz="1300" dirty="0">
+                <a:solidFill>
+                  <a:schemeClr val="bg1"/>
+                </a:solidFill>
+                <a:latin typeface="Montserrat" panose="00000500000000000000" pitchFamily="2" charset="0"/>
+              </a:rPr>
+              <a:t> sans </a:t>
+            </a:r>
+            <a:r>
+              <a:rPr sz="1300" dirty="0" err="1">
+                <a:solidFill>
+                  <a:schemeClr val="bg1"/>
+                </a:solidFill>
+                <a:latin typeface="Montserrat" panose="00000500000000000000" pitchFamily="2" charset="0"/>
+              </a:rPr>
+              <a:t>décision</a:t>
+            </a:r>
+            <a:r>
+              <a:rPr sz="1300" dirty="0">
+                <a:solidFill>
+                  <a:schemeClr val="bg1"/>
+                </a:solidFill>
+                <a:latin typeface="Montserrat" panose="00000500000000000000" pitchFamily="2" charset="0"/>
+              </a:rPr>
+              <a:t> </a:t>
+            </a:r>
+            <a:r>
+              <a:rPr sz="1300" dirty="0" err="1">
+                <a:solidFill>
+                  <a:schemeClr val="bg1"/>
+                </a:solidFill>
+                <a:latin typeface="Montserrat" panose="00000500000000000000" pitchFamily="2" charset="0"/>
+              </a:rPr>
+              <a:t>automatisée</a:t>
+            </a:r>
+            <a:r>
+              <a:rPr sz="1300" dirty="0">
+                <a:solidFill>
+                  <a:schemeClr val="bg1"/>
+                </a:solidFill>
+                <a:latin typeface="Montserrat" panose="00000500000000000000" pitchFamily="2" charset="0"/>
+              </a:rPr>
+              <a:t>).</a:t>
+            </a:r>
+          </a:p>
+          <a:p>
+            <a:pPr lvl="1">
+              <a:lnSpc>
+                <a:spcPct val="120000"/>
+              </a:lnSpc>
+              <a:defRPr sz="1600">
+                <a:solidFill>
+                  <a:srgbClr val="464646"/>
+                </a:solidFill>
+              </a:defRPr>
+            </a:pPr>
+            <a:r>
+              <a:rPr sz="1300" dirty="0">
+                <a:solidFill>
+                  <a:schemeClr val="bg1"/>
+                </a:solidFill>
+                <a:latin typeface="Montserrat" panose="00000500000000000000" pitchFamily="2" charset="0"/>
+              </a:rPr>
+              <a:t>• Transparence : </a:t>
+            </a:r>
+            <a:r>
+              <a:rPr sz="1300" dirty="0" err="1">
+                <a:solidFill>
+                  <a:schemeClr val="bg1"/>
+                </a:solidFill>
+                <a:latin typeface="Montserrat" panose="00000500000000000000" pitchFamily="2" charset="0"/>
+              </a:rPr>
+              <a:t>mentionner</a:t>
+            </a:r>
+            <a:r>
+              <a:rPr sz="1300" dirty="0">
+                <a:solidFill>
+                  <a:schemeClr val="bg1"/>
+                </a:solidFill>
+                <a:latin typeface="Montserrat" panose="00000500000000000000" pitchFamily="2" charset="0"/>
+              </a:rPr>
+              <a:t> </a:t>
+            </a:r>
+            <a:r>
+              <a:rPr sz="1300" dirty="0" err="1">
+                <a:solidFill>
+                  <a:schemeClr val="bg1"/>
+                </a:solidFill>
+                <a:latin typeface="Montserrat" panose="00000500000000000000" pitchFamily="2" charset="0"/>
+              </a:rPr>
+              <a:t>l’utilisation</a:t>
+            </a:r>
+            <a:r>
+              <a:rPr sz="1300" dirty="0">
+                <a:solidFill>
+                  <a:schemeClr val="bg1"/>
+                </a:solidFill>
+                <a:latin typeface="Montserrat" panose="00000500000000000000" pitchFamily="2" charset="0"/>
+              </a:rPr>
+              <a:t> du </a:t>
+            </a:r>
+            <a:r>
+              <a:rPr sz="1300" dirty="0" err="1">
+                <a:solidFill>
+                  <a:schemeClr val="bg1"/>
+                </a:solidFill>
+                <a:latin typeface="Montserrat" panose="00000500000000000000" pitchFamily="2" charset="0"/>
+              </a:rPr>
+              <a:t>modèle</a:t>
+            </a:r>
+            <a:r>
+              <a:rPr sz="1300" dirty="0">
+                <a:solidFill>
+                  <a:schemeClr val="bg1"/>
+                </a:solidFill>
+                <a:latin typeface="Montserrat" panose="00000500000000000000" pitchFamily="2" charset="0"/>
+              </a:rPr>
+              <a:t> open source Hugging Face.</a:t>
+            </a:r>
+          </a:p>
+          <a:p>
+            <a:pPr lvl="1">
+              <a:lnSpc>
+                <a:spcPct val="120000"/>
+              </a:lnSpc>
+              <a:defRPr sz="1600">
+                <a:solidFill>
+                  <a:srgbClr val="464646"/>
+                </a:solidFill>
+              </a:defRPr>
+            </a:pPr>
+            <a:r>
+              <a:rPr sz="1300" dirty="0">
+                <a:solidFill>
+                  <a:schemeClr val="bg1"/>
+                </a:solidFill>
+                <a:latin typeface="Montserrat" panose="00000500000000000000" pitchFamily="2" charset="0"/>
+              </a:rPr>
+              <a:t>• </a:t>
+            </a:r>
+            <a:r>
+              <a:rPr sz="1300" dirty="0" err="1">
+                <a:solidFill>
+                  <a:schemeClr val="bg1"/>
+                </a:solidFill>
+                <a:latin typeface="Montserrat" panose="00000500000000000000" pitchFamily="2" charset="0"/>
+              </a:rPr>
+              <a:t>Traçabilité</a:t>
+            </a:r>
+            <a:r>
+              <a:rPr sz="1300" dirty="0">
+                <a:solidFill>
+                  <a:schemeClr val="bg1"/>
+                </a:solidFill>
+                <a:latin typeface="Montserrat" panose="00000500000000000000" pitchFamily="2" charset="0"/>
+              </a:rPr>
+              <a:t> : conserver logs et </a:t>
+            </a:r>
+            <a:r>
+              <a:rPr sz="1300" dirty="0" err="1">
+                <a:solidFill>
+                  <a:schemeClr val="bg1"/>
+                </a:solidFill>
+                <a:latin typeface="Montserrat" panose="00000500000000000000" pitchFamily="2" charset="0"/>
+              </a:rPr>
+              <a:t>paramètres</a:t>
+            </a:r>
+            <a:r>
+              <a:rPr sz="1300" dirty="0">
+                <a:solidFill>
+                  <a:schemeClr val="bg1"/>
+                </a:solidFill>
+                <a:latin typeface="Montserrat" panose="00000500000000000000" pitchFamily="2" charset="0"/>
+              </a:rPr>
+              <a:t> </a:t>
+            </a:r>
+            <a:r>
+              <a:rPr sz="1300" dirty="0" err="1">
+                <a:solidFill>
+                  <a:schemeClr val="bg1"/>
+                </a:solidFill>
+                <a:latin typeface="Montserrat" panose="00000500000000000000" pitchFamily="2" charset="0"/>
+              </a:rPr>
+              <a:t>d’inférence</a:t>
+            </a:r>
+            <a:r>
+              <a:rPr sz="1300" dirty="0">
+                <a:solidFill>
+                  <a:schemeClr val="bg1"/>
+                </a:solidFill>
+                <a:latin typeface="Montserrat" panose="00000500000000000000" pitchFamily="2" charset="0"/>
+              </a:rPr>
+              <a:t> pour audit.</a:t>
+            </a:r>
+          </a:p>
+        </p:txBody>
+      </p:sp>
+      <p:sp>
+        <p:nvSpPr>
+          <p:cNvPr id="5" name="TextBox 4">
+            <a:extLst>
+              <a:ext uri="{FF2B5EF4-FFF2-40B4-BE49-F238E27FC236}">
+                <a16:creationId xmlns:a16="http://schemas.microsoft.com/office/drawing/2014/main" id="{CCD6973A-A0DE-7698-82E8-7F725D01127B}"/>
+              </a:ext>
+            </a:extLst>
+          </p:cNvPr>
+          <p:cNvSpPr txBox="1"/>
+          <p:nvPr/>
+        </p:nvSpPr>
+        <p:spPr>
+          <a:xfrm>
+            <a:off x="1157591" y="3446434"/>
+            <a:ext cx="7850909" cy="1513941"/>
+          </a:xfrm>
+          <a:prstGeom prst="rect">
+            <a:avLst/>
+          </a:prstGeom>
+          <a:noFill/>
+        </p:spPr>
+        <p:txBody>
+          <a:bodyPr wrap="square">
+            <a:spAutoFit/>
+          </a:bodyPr>
+          <a:lstStyle/>
+          <a:p>
+            <a:pPr>
+              <a:lnSpc>
+                <a:spcPct val="120000"/>
+              </a:lnSpc>
+            </a:pPr>
+            <a:endParaRPr sz="1300" dirty="0">
+              <a:solidFill>
+                <a:schemeClr val="bg1"/>
+              </a:solidFill>
+              <a:latin typeface="Montserrat" panose="00000500000000000000" pitchFamily="2" charset="0"/>
+            </a:endParaRPr>
+          </a:p>
+          <a:p>
+            <a:pPr>
+              <a:lnSpc>
+                <a:spcPct val="120000"/>
+              </a:lnSpc>
+              <a:defRPr sz="2000" b="1">
+                <a:solidFill>
+                  <a:srgbClr val="0066CC"/>
+                </a:solidFill>
+              </a:defRPr>
+            </a:pPr>
+            <a:r>
+              <a:rPr sz="1300" dirty="0">
+                <a:solidFill>
+                  <a:schemeClr val="bg1"/>
+                </a:solidFill>
+                <a:latin typeface="Montserrat" panose="00000500000000000000" pitchFamily="2" charset="0"/>
+              </a:rPr>
+              <a:t>3️⃣ </a:t>
+            </a:r>
+            <a:r>
+              <a:rPr sz="1300" dirty="0" err="1">
+                <a:solidFill>
+                  <a:srgbClr val="0070C0"/>
+                </a:solidFill>
+                <a:latin typeface="Montserrat" panose="00000500000000000000" pitchFamily="2" charset="0"/>
+              </a:rPr>
+              <a:t>Recommandations</a:t>
+            </a:r>
+            <a:endParaRPr sz="1300" dirty="0">
+              <a:solidFill>
+                <a:srgbClr val="0070C0"/>
+              </a:solidFill>
+              <a:latin typeface="Montserrat" panose="00000500000000000000" pitchFamily="2" charset="0"/>
+            </a:endParaRPr>
+          </a:p>
+          <a:p>
+            <a:pPr lvl="1">
+              <a:lnSpc>
+                <a:spcPct val="120000"/>
+              </a:lnSpc>
+              <a:defRPr sz="1600">
+                <a:solidFill>
+                  <a:srgbClr val="464646"/>
+                </a:solidFill>
+              </a:defRPr>
+            </a:pPr>
+            <a:r>
+              <a:rPr sz="1300" dirty="0">
+                <a:solidFill>
+                  <a:schemeClr val="bg1"/>
+                </a:solidFill>
+                <a:latin typeface="Montserrat" panose="00000500000000000000" pitchFamily="2" charset="0"/>
+              </a:rPr>
+              <a:t>• Documenter les sources de données et </a:t>
+            </a:r>
+            <a:r>
+              <a:rPr sz="1300" dirty="0" err="1">
+                <a:solidFill>
+                  <a:schemeClr val="bg1"/>
+                </a:solidFill>
+                <a:latin typeface="Montserrat" panose="00000500000000000000" pitchFamily="2" charset="0"/>
+              </a:rPr>
+              <a:t>leur</a:t>
+            </a:r>
+            <a:r>
+              <a:rPr sz="1300" dirty="0">
+                <a:solidFill>
+                  <a:schemeClr val="bg1"/>
+                </a:solidFill>
+                <a:latin typeface="Montserrat" panose="00000500000000000000" pitchFamily="2" charset="0"/>
+              </a:rPr>
+              <a:t> </a:t>
+            </a:r>
+            <a:r>
+              <a:rPr sz="1300" dirty="0" err="1">
+                <a:solidFill>
+                  <a:schemeClr val="bg1"/>
+                </a:solidFill>
+                <a:latin typeface="Montserrat" panose="00000500000000000000" pitchFamily="2" charset="0"/>
+              </a:rPr>
+              <a:t>caractère</a:t>
+            </a:r>
+            <a:r>
+              <a:rPr sz="1300" dirty="0">
+                <a:solidFill>
+                  <a:schemeClr val="bg1"/>
+                </a:solidFill>
+                <a:latin typeface="Montserrat" panose="00000500000000000000" pitchFamily="2" charset="0"/>
+              </a:rPr>
+              <a:t> non personnel.</a:t>
+            </a:r>
+          </a:p>
+          <a:p>
+            <a:pPr lvl="1">
+              <a:lnSpc>
+                <a:spcPct val="120000"/>
+              </a:lnSpc>
+              <a:defRPr sz="1600">
+                <a:solidFill>
+                  <a:srgbClr val="464646"/>
+                </a:solidFill>
+              </a:defRPr>
+            </a:pPr>
+            <a:r>
+              <a:rPr sz="1300" dirty="0">
+                <a:solidFill>
+                  <a:schemeClr val="bg1"/>
+                </a:solidFill>
+                <a:latin typeface="Montserrat" panose="00000500000000000000" pitchFamily="2" charset="0"/>
+              </a:rPr>
+              <a:t>• </a:t>
+            </a:r>
+            <a:r>
+              <a:rPr sz="1300" dirty="0" err="1">
+                <a:solidFill>
+                  <a:schemeClr val="bg1"/>
+                </a:solidFill>
+                <a:latin typeface="Montserrat" panose="00000500000000000000" pitchFamily="2" charset="0"/>
+              </a:rPr>
+              <a:t>Ajouter</a:t>
+            </a:r>
+            <a:r>
+              <a:rPr sz="1300" dirty="0">
+                <a:solidFill>
+                  <a:schemeClr val="bg1"/>
+                </a:solidFill>
+                <a:latin typeface="Montserrat" panose="00000500000000000000" pitchFamily="2" charset="0"/>
+              </a:rPr>
+              <a:t> </a:t>
+            </a:r>
+            <a:r>
+              <a:rPr sz="1300" dirty="0" err="1">
+                <a:solidFill>
+                  <a:schemeClr val="bg1"/>
+                </a:solidFill>
+                <a:latin typeface="Montserrat" panose="00000500000000000000" pitchFamily="2" charset="0"/>
+              </a:rPr>
+              <a:t>une</a:t>
+            </a:r>
+            <a:r>
+              <a:rPr sz="1300" dirty="0">
+                <a:solidFill>
+                  <a:schemeClr val="bg1"/>
+                </a:solidFill>
+                <a:latin typeface="Montserrat" panose="00000500000000000000" pitchFamily="2" charset="0"/>
+              </a:rPr>
+              <a:t> note de transparence dans les </a:t>
+            </a:r>
+            <a:r>
+              <a:rPr sz="1300" dirty="0" err="1">
+                <a:solidFill>
+                  <a:schemeClr val="bg1"/>
+                </a:solidFill>
+                <a:latin typeface="Montserrat" panose="00000500000000000000" pitchFamily="2" charset="0"/>
+              </a:rPr>
+              <a:t>livrables</a:t>
+            </a:r>
+            <a:r>
+              <a:rPr sz="1300" dirty="0">
+                <a:solidFill>
+                  <a:schemeClr val="bg1"/>
+                </a:solidFill>
+                <a:latin typeface="Montserrat" panose="00000500000000000000" pitchFamily="2" charset="0"/>
+              </a:rPr>
+              <a:t>.</a:t>
+            </a:r>
+          </a:p>
+          <a:p>
+            <a:pPr lvl="1">
+              <a:lnSpc>
+                <a:spcPct val="120000"/>
+              </a:lnSpc>
+              <a:defRPr sz="1600">
+                <a:solidFill>
+                  <a:srgbClr val="464646"/>
+                </a:solidFill>
+              </a:defRPr>
+            </a:pPr>
+            <a:r>
+              <a:rPr sz="1300" dirty="0">
+                <a:solidFill>
+                  <a:schemeClr val="bg1"/>
+                </a:solidFill>
+                <a:latin typeface="Montserrat" panose="00000500000000000000" pitchFamily="2" charset="0"/>
+              </a:rPr>
+              <a:t>• Conserver les versions du </a:t>
+            </a:r>
+            <a:r>
+              <a:rPr sz="1300" dirty="0" err="1">
+                <a:solidFill>
+                  <a:schemeClr val="bg1"/>
+                </a:solidFill>
+                <a:latin typeface="Montserrat" panose="00000500000000000000" pitchFamily="2" charset="0"/>
+              </a:rPr>
+              <a:t>modèle</a:t>
+            </a:r>
+            <a:r>
+              <a:rPr sz="1300" dirty="0">
+                <a:solidFill>
+                  <a:schemeClr val="bg1"/>
+                </a:solidFill>
+                <a:latin typeface="Montserrat" panose="00000500000000000000" pitchFamily="2" charset="0"/>
+              </a:rPr>
+              <a:t> et des </a:t>
+            </a:r>
+            <a:r>
+              <a:rPr sz="1300" dirty="0" err="1">
+                <a:solidFill>
+                  <a:schemeClr val="bg1"/>
+                </a:solidFill>
+                <a:latin typeface="Montserrat" panose="00000500000000000000" pitchFamily="2" charset="0"/>
+              </a:rPr>
+              <a:t>poids</a:t>
+            </a:r>
+            <a:r>
+              <a:rPr sz="1300" dirty="0">
+                <a:solidFill>
+                  <a:schemeClr val="bg1"/>
+                </a:solidFill>
+                <a:latin typeface="Montserrat" panose="00000500000000000000" pitchFamily="2" charset="0"/>
+              </a:rPr>
+              <a:t> </a:t>
+            </a:r>
+            <a:r>
+              <a:rPr sz="1300" dirty="0" err="1">
+                <a:solidFill>
+                  <a:schemeClr val="bg1"/>
+                </a:solidFill>
+                <a:latin typeface="Montserrat" panose="00000500000000000000" pitchFamily="2" charset="0"/>
+              </a:rPr>
+              <a:t>utilisés</a:t>
+            </a:r>
+            <a:r>
+              <a:rPr sz="1300" dirty="0">
+                <a:solidFill>
+                  <a:schemeClr val="bg1"/>
+                </a:solidFill>
+                <a:latin typeface="Montserrat" panose="00000500000000000000" pitchFamily="2" charset="0"/>
+              </a:rPr>
+              <a:t>.</a:t>
+            </a:r>
+          </a:p>
+          <a:p>
+            <a:pPr lvl="1">
+              <a:lnSpc>
+                <a:spcPct val="120000"/>
+              </a:lnSpc>
+              <a:defRPr sz="1600">
+                <a:solidFill>
+                  <a:srgbClr val="464646"/>
+                </a:solidFill>
+              </a:defRPr>
+            </a:pPr>
+            <a:r>
+              <a:rPr sz="1300" dirty="0">
+                <a:solidFill>
+                  <a:schemeClr val="bg1"/>
+                </a:solidFill>
+                <a:latin typeface="Montserrat" panose="00000500000000000000" pitchFamily="2" charset="0"/>
+              </a:rPr>
+              <a:t>• </a:t>
+            </a:r>
+            <a:r>
+              <a:rPr sz="1300" dirty="0" err="1">
+                <a:solidFill>
+                  <a:schemeClr val="bg1"/>
+                </a:solidFill>
+                <a:latin typeface="Montserrat" panose="00000500000000000000" pitchFamily="2" charset="0"/>
+              </a:rPr>
+              <a:t>Vérifier</a:t>
+            </a:r>
+            <a:r>
+              <a:rPr sz="1300" dirty="0">
+                <a:solidFill>
+                  <a:schemeClr val="bg1"/>
+                </a:solidFill>
+                <a:latin typeface="Montserrat" panose="00000500000000000000" pitchFamily="2" charset="0"/>
+              </a:rPr>
+              <a:t> la </a:t>
+            </a:r>
+            <a:r>
+              <a:rPr sz="1300" dirty="0" err="1">
+                <a:solidFill>
+                  <a:schemeClr val="bg1"/>
+                </a:solidFill>
+                <a:latin typeface="Montserrat" panose="00000500000000000000" pitchFamily="2" charset="0"/>
+              </a:rPr>
+              <a:t>licence</a:t>
+            </a:r>
+            <a:r>
+              <a:rPr sz="1300" dirty="0">
+                <a:solidFill>
+                  <a:schemeClr val="bg1"/>
+                </a:solidFill>
+                <a:latin typeface="Montserrat" panose="00000500000000000000" pitchFamily="2" charset="0"/>
+              </a:rPr>
+              <a:t> </a:t>
+            </a:r>
+            <a:r>
+              <a:rPr sz="1300" dirty="0" err="1">
+                <a:solidFill>
+                  <a:schemeClr val="bg1"/>
+                </a:solidFill>
+                <a:latin typeface="Montserrat" panose="00000500000000000000" pitchFamily="2" charset="0"/>
+              </a:rPr>
+              <a:t>d’usage</a:t>
+            </a:r>
+            <a:r>
+              <a:rPr sz="1300" dirty="0">
+                <a:solidFill>
+                  <a:schemeClr val="bg1"/>
+                </a:solidFill>
+                <a:latin typeface="Montserrat" panose="00000500000000000000" pitchFamily="2" charset="0"/>
+              </a:rPr>
+              <a:t> du </a:t>
+            </a:r>
+            <a:r>
+              <a:rPr sz="1300" dirty="0" err="1">
+                <a:solidFill>
+                  <a:schemeClr val="bg1"/>
+                </a:solidFill>
+                <a:latin typeface="Montserrat" panose="00000500000000000000" pitchFamily="2" charset="0"/>
+              </a:rPr>
+              <a:t>modèle</a:t>
+            </a:r>
+            <a:r>
+              <a:rPr sz="1300" dirty="0">
+                <a:solidFill>
+                  <a:schemeClr val="bg1"/>
+                </a:solidFill>
+                <a:latin typeface="Montserrat" panose="00000500000000000000" pitchFamily="2" charset="0"/>
+              </a:rPr>
+              <a:t> sur Hugging Face.</a:t>
+            </a:r>
           </a:p>
         </p:txBody>
       </p:sp>
@@ -10901,123 +14754,984 @@
       </p:sp>
       <p:sp>
         <p:nvSpPr>
-          <p:cNvPr id="177" name="Google Shape;177;p20"/>
-          <p:cNvSpPr txBox="1">
-            <a:spLocks noGrp="1"/>
-          </p:cNvSpPr>
-          <p:nvPr>
-            <p:ph type="body" idx="1"/>
-          </p:nvPr>
+          <p:cNvPr id="4" name="TextBox 2">
+            <a:extLst>
+              <a:ext uri="{FF2B5EF4-FFF2-40B4-BE49-F238E27FC236}">
+                <a16:creationId xmlns:a16="http://schemas.microsoft.com/office/drawing/2014/main" id="{93CFF912-1B84-7D7A-FAC6-6979B671D103}"/>
+              </a:ext>
+            </a:extLst>
+          </p:cNvPr>
+          <p:cNvSpPr txBox="1"/>
+          <p:nvPr/>
         </p:nvSpPr>
         <p:spPr>
           <a:xfrm>
-            <a:off x="1297500" y="1567550"/>
-            <a:ext cx="7038900" cy="2911200"/>
+            <a:off x="470536" y="1440180"/>
+            <a:ext cx="4011410" cy="2031325"/>
           </a:xfrm>
           <a:prstGeom prst="rect">
             <a:avLst/>
           </a:prstGeom>
+          <a:noFill/>
         </p:spPr>
         <p:txBody>
-          <a:bodyPr spcFirstLastPara="1" wrap="square" lIns="91425" tIns="91425" rIns="91425" bIns="91425" anchor="t" anchorCtr="0">
-            <a:normAutofit/>
+          <a:bodyPr wrap="square">
+            <a:spAutoFit/>
           </a:bodyPr>
           <a:lstStyle/>
           <a:p>
-            <a:pPr marL="0" lvl="0" indent="0" algn="l" rtl="0">
-              <a:spcBef>
-                <a:spcPts val="0"/>
-              </a:spcBef>
-              <a:spcAft>
-                <a:spcPts val="0"/>
-              </a:spcAft>
-              <a:buNone/>
+            <a:pPr>
+              <a:defRPr sz="2000" b="1">
+                <a:solidFill>
+                  <a:srgbClr val="0066CC"/>
+                </a:solidFill>
+              </a:defRPr>
             </a:pPr>
             <a:r>
-              <a:rPr lang="fr"/>
-              <a:t>Résumez  : </a:t>
-            </a:r>
-            <a:endParaRPr/>
-          </a:p>
-          <a:p>
-            <a:pPr marL="0" lvl="0" indent="0" algn="l" rtl="0">
-              <a:spcBef>
-                <a:spcPts val="1200"/>
-              </a:spcBef>
-              <a:spcAft>
-                <a:spcPts val="0"/>
-              </a:spcAft>
-              <a:buNone/>
-            </a:pPr>
-            <a:r>
-              <a:rPr lang="fr"/>
-              <a:t>Les défis techniques rencontrés </a:t>
-            </a:r>
-            <a:endParaRPr/>
-          </a:p>
-          <a:p>
-            <a:pPr marL="0" lvl="0" indent="0" algn="l" rtl="0">
-              <a:spcBef>
-                <a:spcPts val="1200"/>
-              </a:spcBef>
-              <a:spcAft>
-                <a:spcPts val="0"/>
-              </a:spcAft>
-              <a:buNone/>
-            </a:pPr>
-            <a:r>
-              <a:rPr lang="fr"/>
-              <a:t>Vos idées pour améliorer le système</a:t>
-            </a:r>
-            <a:endParaRPr/>
-          </a:p>
-          <a:p>
-            <a:pPr marL="0" lvl="0" indent="0" algn="l" rtl="0">
-              <a:spcBef>
-                <a:spcPts val="1200"/>
-              </a:spcBef>
-              <a:spcAft>
-                <a:spcPts val="0"/>
-              </a:spcAft>
-              <a:buNone/>
-            </a:pPr>
-            <a:r>
-              <a:rPr lang="fr"/>
-              <a:t>Les applications potentielles pour les clients de ModeTrend</a:t>
-            </a:r>
-            <a:endParaRPr sz="1100">
-              <a:solidFill>
-                <a:srgbClr val="000000"/>
-              </a:solidFill>
-              <a:latin typeface="Inter"/>
-              <a:ea typeface="Inter"/>
-              <a:cs typeface="Inter"/>
-              <a:sym typeface="Inter"/>
+              <a:rPr sz="1800" dirty="0">
+                <a:latin typeface="Montserrat" panose="00000500000000000000" pitchFamily="2" charset="0"/>
+              </a:rPr>
+              <a:t>⚙️ </a:t>
+            </a:r>
+            <a:r>
+              <a:rPr sz="1600" dirty="0" err="1">
+                <a:latin typeface="Montserrat" panose="00000500000000000000" pitchFamily="2" charset="0"/>
+              </a:rPr>
+              <a:t>Défis</a:t>
+            </a:r>
+            <a:r>
+              <a:rPr sz="1600" dirty="0">
+                <a:latin typeface="Montserrat" panose="00000500000000000000" pitchFamily="2" charset="0"/>
+              </a:rPr>
+              <a:t> techniques </a:t>
+            </a:r>
+            <a:r>
+              <a:rPr sz="1600" dirty="0" err="1">
+                <a:latin typeface="Montserrat" panose="00000500000000000000" pitchFamily="2" charset="0"/>
+              </a:rPr>
+              <a:t>rencontrés</a:t>
+            </a:r>
+            <a:endParaRPr sz="1600" dirty="0">
+              <a:latin typeface="Montserrat" panose="00000500000000000000" pitchFamily="2" charset="0"/>
             </a:endParaRPr>
           </a:p>
           <a:p>
-            <a:pPr marL="0" lvl="0" indent="0" algn="l" rtl="0">
-              <a:spcBef>
-                <a:spcPts val="1200"/>
-              </a:spcBef>
-              <a:spcAft>
-                <a:spcPts val="0"/>
-              </a:spcAft>
-              <a:buNone/>
+            <a:pPr marL="171450" indent="-171450">
+              <a:buClr>
+                <a:schemeClr val="bg1"/>
+              </a:buClr>
+              <a:buFont typeface="Wingdings" panose="05000000000000000000" pitchFamily="2" charset="2"/>
+              <a:buChar char="§"/>
+              <a:defRPr sz="1400">
+                <a:solidFill>
+                  <a:srgbClr val="3C3C3C"/>
+                </a:solidFill>
+              </a:defRPr>
             </a:pPr>
-            <a:endParaRPr/>
+            <a:r>
+              <a:rPr lang="fr-FR" sz="1200" dirty="0">
+                <a:solidFill>
+                  <a:schemeClr val="bg1"/>
+                </a:solidFill>
+                <a:latin typeface="Montserrat" panose="00000500000000000000" pitchFamily="2" charset="0"/>
+              </a:rPr>
+              <a:t>Difficultés d’application de l’API</a:t>
+            </a:r>
           </a:p>
           <a:p>
-            <a:pPr marL="0" lvl="0" indent="0" algn="l" rtl="0">
-              <a:spcBef>
-                <a:spcPts val="1200"/>
-              </a:spcBef>
-              <a:spcAft>
-                <a:spcPts val="1200"/>
-              </a:spcAft>
-              <a:buNone/>
+            <a:pPr marL="171450" indent="-171450">
+              <a:buClr>
+                <a:schemeClr val="bg1"/>
+              </a:buClr>
+              <a:buFont typeface="Wingdings" panose="05000000000000000000" pitchFamily="2" charset="2"/>
+              <a:buChar char="§"/>
+              <a:defRPr sz="1400">
+                <a:solidFill>
+                  <a:srgbClr val="3C3C3C"/>
+                </a:solidFill>
+              </a:defRPr>
             </a:pPr>
-            <a:endParaRPr/>
+            <a:r>
+              <a:rPr lang="fr-FR" sz="1200">
+                <a:solidFill>
+                  <a:schemeClr val="bg1"/>
+                </a:solidFill>
+                <a:latin typeface="Montserrat" panose="00000500000000000000" pitchFamily="2" charset="0"/>
+              </a:rPr>
+              <a:t>Difficulté de mise </a:t>
+            </a:r>
+            <a:r>
+              <a:rPr lang="fr-FR" sz="1200" dirty="0">
+                <a:solidFill>
+                  <a:schemeClr val="bg1"/>
+                </a:solidFill>
+                <a:latin typeface="Montserrat" panose="00000500000000000000" pitchFamily="2" charset="0"/>
+              </a:rPr>
+              <a:t>en place du projet en raison de la non maitrise des concepts nouveaux</a:t>
+            </a:r>
+          </a:p>
+          <a:p>
+            <a:pPr marL="171450" indent="-171450">
+              <a:buClr>
+                <a:schemeClr val="bg1"/>
+              </a:buClr>
+              <a:buFont typeface="Wingdings" panose="05000000000000000000" pitchFamily="2" charset="2"/>
+              <a:buChar char="§"/>
+              <a:defRPr sz="1400">
+                <a:solidFill>
+                  <a:srgbClr val="3C3C3C"/>
+                </a:solidFill>
+              </a:defRPr>
+            </a:pPr>
+            <a:r>
+              <a:rPr sz="1200" dirty="0">
+                <a:solidFill>
+                  <a:schemeClr val="bg1"/>
+                </a:solidFill>
+                <a:latin typeface="Montserrat" panose="00000500000000000000" pitchFamily="2" charset="0"/>
+              </a:rPr>
+              <a:t>Confusion entre chemise, </a:t>
+            </a:r>
+            <a:r>
+              <a:rPr sz="1200" dirty="0" err="1">
+                <a:solidFill>
+                  <a:schemeClr val="bg1"/>
+                </a:solidFill>
+                <a:latin typeface="Montserrat" panose="00000500000000000000" pitchFamily="2" charset="0"/>
+              </a:rPr>
+              <a:t>veste</a:t>
+            </a:r>
+            <a:r>
+              <a:rPr sz="1200" dirty="0">
+                <a:solidFill>
+                  <a:schemeClr val="bg1"/>
+                </a:solidFill>
+                <a:latin typeface="Montserrat" panose="00000500000000000000" pitchFamily="2" charset="0"/>
+              </a:rPr>
+              <a:t> et polo (</a:t>
+            </a:r>
+            <a:r>
+              <a:rPr sz="1200" dirty="0" err="1">
+                <a:solidFill>
+                  <a:schemeClr val="bg1"/>
+                </a:solidFill>
+                <a:latin typeface="Montserrat" panose="00000500000000000000" pitchFamily="2" charset="0"/>
+              </a:rPr>
+              <a:t>même</a:t>
+            </a:r>
+            <a:r>
+              <a:rPr sz="1200" dirty="0">
+                <a:solidFill>
+                  <a:schemeClr val="bg1"/>
+                </a:solidFill>
+                <a:latin typeface="Montserrat" panose="00000500000000000000" pitchFamily="2" charset="0"/>
+              </a:rPr>
+              <a:t> code couleur).</a:t>
+            </a:r>
+          </a:p>
+          <a:p>
+            <a:pPr marL="171450" indent="-171450">
+              <a:buClr>
+                <a:schemeClr val="bg1"/>
+              </a:buClr>
+              <a:buFont typeface="Wingdings" panose="05000000000000000000" pitchFamily="2" charset="2"/>
+              <a:buChar char="§"/>
+              <a:defRPr sz="1400">
+                <a:solidFill>
+                  <a:srgbClr val="3C3C3C"/>
+                </a:solidFill>
+              </a:defRPr>
+            </a:pPr>
+            <a:r>
+              <a:rPr sz="1200" dirty="0" err="1">
+                <a:solidFill>
+                  <a:schemeClr val="bg1"/>
+                </a:solidFill>
+                <a:latin typeface="Montserrat" panose="00000500000000000000" pitchFamily="2" charset="0"/>
+              </a:rPr>
+              <a:t>Incohérence</a:t>
+            </a:r>
+            <a:r>
+              <a:rPr sz="1200" dirty="0">
+                <a:solidFill>
+                  <a:schemeClr val="bg1"/>
+                </a:solidFill>
+                <a:latin typeface="Montserrat" panose="00000500000000000000" pitchFamily="2" charset="0"/>
+              </a:rPr>
+              <a:t> entre les deux </a:t>
+            </a:r>
+            <a:r>
+              <a:rPr sz="1200" dirty="0" err="1">
+                <a:solidFill>
+                  <a:schemeClr val="bg1"/>
+                </a:solidFill>
+                <a:latin typeface="Montserrat" panose="00000500000000000000" pitchFamily="2" charset="0"/>
+              </a:rPr>
+              <a:t>pieds</a:t>
+            </a:r>
+            <a:r>
+              <a:rPr sz="1200" dirty="0">
+                <a:solidFill>
+                  <a:schemeClr val="bg1"/>
+                </a:solidFill>
+                <a:latin typeface="Montserrat" panose="00000500000000000000" pitchFamily="2" charset="0"/>
+              </a:rPr>
+              <a:t> </a:t>
+            </a:r>
+            <a:r>
+              <a:rPr sz="1200" dirty="0" err="1">
+                <a:solidFill>
+                  <a:schemeClr val="bg1"/>
+                </a:solidFill>
+                <a:latin typeface="Montserrat" panose="00000500000000000000" pitchFamily="2" charset="0"/>
+              </a:rPr>
+              <a:t>d’une</a:t>
+            </a:r>
+            <a:r>
+              <a:rPr sz="1200" dirty="0">
+                <a:solidFill>
+                  <a:schemeClr val="bg1"/>
+                </a:solidFill>
+                <a:latin typeface="Montserrat" panose="00000500000000000000" pitchFamily="2" charset="0"/>
+              </a:rPr>
+              <a:t> </a:t>
+            </a:r>
+            <a:r>
+              <a:rPr sz="1200" dirty="0" err="1">
+                <a:solidFill>
+                  <a:schemeClr val="bg1"/>
+                </a:solidFill>
+                <a:latin typeface="Montserrat" panose="00000500000000000000" pitchFamily="2" charset="0"/>
+              </a:rPr>
+              <a:t>même</a:t>
+            </a:r>
+            <a:r>
+              <a:rPr sz="1200" dirty="0">
+                <a:solidFill>
+                  <a:schemeClr val="bg1"/>
+                </a:solidFill>
+                <a:latin typeface="Montserrat" panose="00000500000000000000" pitchFamily="2" charset="0"/>
+              </a:rPr>
+              <a:t> chaussure.</a:t>
+            </a:r>
+          </a:p>
+          <a:p>
+            <a:pPr marL="171450" indent="-171450">
+              <a:buClr>
+                <a:schemeClr val="bg1"/>
+              </a:buClr>
+              <a:buFont typeface="Wingdings" panose="05000000000000000000" pitchFamily="2" charset="2"/>
+              <a:buChar char="§"/>
+              <a:defRPr sz="1400">
+                <a:solidFill>
+                  <a:srgbClr val="3C3C3C"/>
+                </a:solidFill>
+              </a:defRPr>
+            </a:pPr>
+            <a:r>
+              <a:rPr sz="1200" dirty="0">
+                <a:solidFill>
+                  <a:schemeClr val="bg1"/>
+                </a:solidFill>
+                <a:latin typeface="Montserrat" panose="00000500000000000000" pitchFamily="2" charset="0"/>
+              </a:rPr>
+              <a:t>Temps de </a:t>
+            </a:r>
+            <a:r>
+              <a:rPr sz="1200" dirty="0" err="1">
+                <a:solidFill>
+                  <a:schemeClr val="bg1"/>
+                </a:solidFill>
+                <a:latin typeface="Montserrat" panose="00000500000000000000" pitchFamily="2" charset="0"/>
+              </a:rPr>
+              <a:t>traitement</a:t>
+            </a:r>
+            <a:r>
+              <a:rPr sz="1200" dirty="0">
+                <a:solidFill>
+                  <a:schemeClr val="bg1"/>
+                </a:solidFill>
+                <a:latin typeface="Montserrat" panose="00000500000000000000" pitchFamily="2" charset="0"/>
+              </a:rPr>
+              <a:t> : 50 images </a:t>
+            </a:r>
+            <a:r>
+              <a:rPr sz="1200" dirty="0" err="1">
+                <a:solidFill>
+                  <a:schemeClr val="bg1"/>
+                </a:solidFill>
+                <a:latin typeface="Montserrat" panose="00000500000000000000" pitchFamily="2" charset="0"/>
+              </a:rPr>
+              <a:t>en</a:t>
+            </a:r>
+            <a:r>
+              <a:rPr sz="1200" dirty="0">
+                <a:solidFill>
+                  <a:schemeClr val="bg1"/>
+                </a:solidFill>
+                <a:latin typeface="Montserrat" panose="00000500000000000000" pitchFamily="2" charset="0"/>
+              </a:rPr>
+              <a:t> 3 min 25 s.</a:t>
+            </a:r>
+          </a:p>
+          <a:p>
+            <a:pPr marL="171450" indent="-171450">
+              <a:buClr>
+                <a:schemeClr val="bg1"/>
+              </a:buClr>
+              <a:buFont typeface="Wingdings" panose="05000000000000000000" pitchFamily="2" charset="2"/>
+              <a:buChar char="§"/>
+              <a:defRPr sz="1400">
+                <a:solidFill>
+                  <a:srgbClr val="3C3C3C"/>
+                </a:solidFill>
+              </a:defRPr>
+            </a:pPr>
+            <a:r>
+              <a:rPr sz="1200" dirty="0" err="1">
+                <a:solidFill>
+                  <a:schemeClr val="bg1"/>
+                </a:solidFill>
+                <a:latin typeface="Montserrat" panose="00000500000000000000" pitchFamily="2" charset="0"/>
+              </a:rPr>
+              <a:t>Déséquilibre</a:t>
+            </a:r>
+            <a:r>
+              <a:rPr sz="1200" dirty="0">
+                <a:solidFill>
+                  <a:schemeClr val="bg1"/>
+                </a:solidFill>
+                <a:latin typeface="Montserrat" panose="00000500000000000000" pitchFamily="2" charset="0"/>
+              </a:rPr>
+              <a:t> des classes dans les données.</a:t>
+            </a:r>
+          </a:p>
+        </p:txBody>
+      </p:sp>
+      <p:sp>
+        <p:nvSpPr>
+          <p:cNvPr id="5" name="TextBox 3">
+            <a:extLst>
+              <a:ext uri="{FF2B5EF4-FFF2-40B4-BE49-F238E27FC236}">
+                <a16:creationId xmlns:a16="http://schemas.microsoft.com/office/drawing/2014/main" id="{2781F0E3-39B6-800B-E0CE-359FADAEB646}"/>
+              </a:ext>
+            </a:extLst>
+          </p:cNvPr>
+          <p:cNvSpPr txBox="1"/>
+          <p:nvPr/>
+        </p:nvSpPr>
+        <p:spPr>
+          <a:xfrm>
+            <a:off x="4662056" y="1286770"/>
+            <a:ext cx="4294909" cy="1846659"/>
+          </a:xfrm>
+          <a:prstGeom prst="rect">
+            <a:avLst/>
+          </a:prstGeom>
+          <a:noFill/>
+        </p:spPr>
+        <p:txBody>
+          <a:bodyPr wrap="square">
+            <a:spAutoFit/>
+          </a:bodyPr>
+          <a:lstStyle/>
+          <a:p>
+            <a:endParaRPr dirty="0">
+              <a:latin typeface="Montserrat" panose="00000500000000000000" pitchFamily="2" charset="0"/>
+            </a:endParaRPr>
+          </a:p>
+          <a:p>
+            <a:pPr>
+              <a:defRPr sz="2000" b="1">
+                <a:solidFill>
+                  <a:srgbClr val="0066CC"/>
+                </a:solidFill>
+              </a:defRPr>
+            </a:pPr>
+            <a:r>
+              <a:rPr sz="1600" dirty="0">
+                <a:latin typeface="Montserrat" panose="00000500000000000000" pitchFamily="2" charset="0"/>
+              </a:rPr>
+              <a:t>💡 </a:t>
+            </a:r>
+            <a:r>
+              <a:rPr sz="1600" dirty="0" err="1">
+                <a:latin typeface="Montserrat" panose="00000500000000000000" pitchFamily="2" charset="0"/>
+              </a:rPr>
+              <a:t>Idées</a:t>
+            </a:r>
+            <a:r>
+              <a:rPr sz="1600" dirty="0">
+                <a:latin typeface="Montserrat" panose="00000500000000000000" pitchFamily="2" charset="0"/>
+              </a:rPr>
+              <a:t> pour </a:t>
+            </a:r>
+            <a:r>
+              <a:rPr sz="1600" dirty="0" err="1">
+                <a:latin typeface="Montserrat" panose="00000500000000000000" pitchFamily="2" charset="0"/>
+              </a:rPr>
+              <a:t>améliorer</a:t>
+            </a:r>
+            <a:r>
+              <a:rPr sz="1600" dirty="0">
+                <a:latin typeface="Montserrat" panose="00000500000000000000" pitchFamily="2" charset="0"/>
+              </a:rPr>
+              <a:t> le </a:t>
+            </a:r>
+            <a:r>
+              <a:rPr sz="1600" dirty="0" err="1">
+                <a:latin typeface="Montserrat" panose="00000500000000000000" pitchFamily="2" charset="0"/>
+              </a:rPr>
+              <a:t>système</a:t>
+            </a:r>
+            <a:endParaRPr sz="1600" dirty="0">
+              <a:latin typeface="Montserrat" panose="00000500000000000000" pitchFamily="2" charset="0"/>
+            </a:endParaRPr>
+          </a:p>
+          <a:p>
+            <a:pPr marL="171450" indent="-171450">
+              <a:buClr>
+                <a:schemeClr val="bg1"/>
+              </a:buClr>
+              <a:buFont typeface="Wingdings" panose="05000000000000000000" pitchFamily="2" charset="2"/>
+              <a:buChar char="§"/>
+              <a:defRPr sz="1400">
+                <a:solidFill>
+                  <a:srgbClr val="3C3C3C"/>
+                </a:solidFill>
+              </a:defRPr>
+            </a:pPr>
+            <a:r>
+              <a:rPr sz="1200" dirty="0" err="1">
+                <a:solidFill>
+                  <a:schemeClr val="bg1"/>
+                </a:solidFill>
+                <a:latin typeface="Montserrat" panose="00000500000000000000" pitchFamily="2" charset="0"/>
+              </a:rPr>
+              <a:t>Créer</a:t>
+            </a:r>
+            <a:r>
+              <a:rPr sz="1200" dirty="0">
+                <a:solidFill>
+                  <a:schemeClr val="bg1"/>
+                </a:solidFill>
+                <a:latin typeface="Montserrat" panose="00000500000000000000" pitchFamily="2" charset="0"/>
+              </a:rPr>
+              <a:t> un dataset </a:t>
+            </a:r>
+            <a:r>
+              <a:rPr sz="1200" dirty="0" err="1">
+                <a:solidFill>
+                  <a:schemeClr val="bg1"/>
+                </a:solidFill>
+                <a:latin typeface="Montserrat" panose="00000500000000000000" pitchFamily="2" charset="0"/>
+              </a:rPr>
+              <a:t>ModeTrend</a:t>
+            </a:r>
+            <a:r>
+              <a:rPr sz="1200" dirty="0">
+                <a:solidFill>
+                  <a:schemeClr val="bg1"/>
+                </a:solidFill>
+                <a:latin typeface="Montserrat" panose="00000500000000000000" pitchFamily="2" charset="0"/>
+              </a:rPr>
+              <a:t> </a:t>
+            </a:r>
+            <a:r>
+              <a:rPr sz="1200" dirty="0" err="1">
+                <a:solidFill>
+                  <a:schemeClr val="bg1"/>
+                </a:solidFill>
+                <a:latin typeface="Montserrat" panose="00000500000000000000" pitchFamily="2" charset="0"/>
+              </a:rPr>
+              <a:t>équilibré</a:t>
+            </a:r>
+            <a:r>
+              <a:rPr sz="1200" dirty="0">
+                <a:solidFill>
+                  <a:schemeClr val="bg1"/>
+                </a:solidFill>
+                <a:latin typeface="Montserrat" panose="00000500000000000000" pitchFamily="2" charset="0"/>
+              </a:rPr>
+              <a:t> et </a:t>
+            </a:r>
+            <a:r>
+              <a:rPr sz="1200" dirty="0" err="1">
+                <a:solidFill>
+                  <a:schemeClr val="bg1"/>
+                </a:solidFill>
+                <a:latin typeface="Montserrat" panose="00000500000000000000" pitchFamily="2" charset="0"/>
+              </a:rPr>
+              <a:t>annoté</a:t>
+            </a:r>
+            <a:r>
+              <a:rPr sz="1200" dirty="0">
+                <a:solidFill>
+                  <a:schemeClr val="bg1"/>
+                </a:solidFill>
+                <a:latin typeface="Montserrat" panose="00000500000000000000" pitchFamily="2" charset="0"/>
+              </a:rPr>
+              <a:t>.</a:t>
+            </a:r>
+          </a:p>
+          <a:p>
+            <a:pPr marL="171450" indent="-171450">
+              <a:buClr>
+                <a:schemeClr val="bg1"/>
+              </a:buClr>
+              <a:buFont typeface="Wingdings" panose="05000000000000000000" pitchFamily="2" charset="2"/>
+              <a:buChar char="§"/>
+              <a:defRPr sz="1400">
+                <a:solidFill>
+                  <a:srgbClr val="3C3C3C"/>
+                </a:solidFill>
+              </a:defRPr>
+            </a:pPr>
+            <a:r>
+              <a:rPr sz="1200" dirty="0">
+                <a:solidFill>
+                  <a:schemeClr val="bg1"/>
+                </a:solidFill>
+                <a:latin typeface="Montserrat" panose="00000500000000000000" pitchFamily="2" charset="0"/>
+              </a:rPr>
+              <a:t>Fine-tuning du </a:t>
+            </a:r>
+            <a:r>
+              <a:rPr sz="1200" dirty="0" err="1">
+                <a:solidFill>
+                  <a:schemeClr val="bg1"/>
+                </a:solidFill>
+                <a:latin typeface="Montserrat" panose="00000500000000000000" pitchFamily="2" charset="0"/>
+              </a:rPr>
+              <a:t>modèle</a:t>
+            </a:r>
+            <a:r>
+              <a:rPr sz="1200" dirty="0">
+                <a:solidFill>
+                  <a:schemeClr val="bg1"/>
+                </a:solidFill>
+                <a:latin typeface="Montserrat" panose="00000500000000000000" pitchFamily="2" charset="0"/>
+              </a:rPr>
+              <a:t> </a:t>
+            </a:r>
+            <a:r>
+              <a:rPr sz="1200" dirty="0" err="1">
+                <a:solidFill>
+                  <a:schemeClr val="bg1"/>
+                </a:solidFill>
+                <a:latin typeface="Montserrat" panose="00000500000000000000" pitchFamily="2" charset="0"/>
+              </a:rPr>
+              <a:t>SegFormer</a:t>
+            </a:r>
+            <a:r>
+              <a:rPr sz="1200" dirty="0">
+                <a:solidFill>
+                  <a:schemeClr val="bg1"/>
+                </a:solidFill>
+                <a:latin typeface="Montserrat" panose="00000500000000000000" pitchFamily="2" charset="0"/>
+              </a:rPr>
+              <a:t> sur données </a:t>
+            </a:r>
+            <a:r>
+              <a:rPr sz="1200" dirty="0" err="1">
+                <a:solidFill>
+                  <a:schemeClr val="bg1"/>
+                </a:solidFill>
+                <a:latin typeface="Montserrat" panose="00000500000000000000" pitchFamily="2" charset="0"/>
+              </a:rPr>
+              <a:t>ModeTrend</a:t>
+            </a:r>
+            <a:r>
+              <a:rPr sz="1200" dirty="0">
+                <a:solidFill>
+                  <a:schemeClr val="bg1"/>
+                </a:solidFill>
+                <a:latin typeface="Montserrat" panose="00000500000000000000" pitchFamily="2" charset="0"/>
+              </a:rPr>
+              <a:t>.</a:t>
+            </a:r>
+          </a:p>
+          <a:p>
+            <a:pPr marL="171450" indent="-171450">
+              <a:buClr>
+                <a:schemeClr val="bg1"/>
+              </a:buClr>
+              <a:buFont typeface="Wingdings" panose="05000000000000000000" pitchFamily="2" charset="2"/>
+              <a:buChar char="§"/>
+              <a:defRPr sz="1400">
+                <a:solidFill>
+                  <a:srgbClr val="3C3C3C"/>
+                </a:solidFill>
+              </a:defRPr>
+            </a:pPr>
+            <a:r>
+              <a:rPr sz="1200" dirty="0">
+                <a:solidFill>
+                  <a:schemeClr val="bg1"/>
+                </a:solidFill>
+                <a:latin typeface="Montserrat" panose="00000500000000000000" pitchFamily="2" charset="0"/>
+              </a:rPr>
+              <a:t>Post-</a:t>
+            </a:r>
+            <a:r>
+              <a:rPr sz="1200" dirty="0" err="1">
+                <a:solidFill>
+                  <a:schemeClr val="bg1"/>
+                </a:solidFill>
+                <a:latin typeface="Montserrat" panose="00000500000000000000" pitchFamily="2" charset="0"/>
+              </a:rPr>
+              <a:t>traitement</a:t>
+            </a:r>
+            <a:r>
+              <a:rPr sz="1200" dirty="0">
+                <a:solidFill>
+                  <a:schemeClr val="bg1"/>
+                </a:solidFill>
+                <a:latin typeface="Montserrat" panose="00000500000000000000" pitchFamily="2" charset="0"/>
+              </a:rPr>
+              <a:t> pour </a:t>
+            </a:r>
+            <a:r>
+              <a:rPr sz="1200" dirty="0" err="1">
+                <a:solidFill>
+                  <a:schemeClr val="bg1"/>
+                </a:solidFill>
+                <a:latin typeface="Montserrat" panose="00000500000000000000" pitchFamily="2" charset="0"/>
+              </a:rPr>
+              <a:t>corriger</a:t>
+            </a:r>
+            <a:r>
+              <a:rPr sz="1200" dirty="0">
+                <a:solidFill>
+                  <a:schemeClr val="bg1"/>
+                </a:solidFill>
+                <a:latin typeface="Montserrat" panose="00000500000000000000" pitchFamily="2" charset="0"/>
+              </a:rPr>
+              <a:t> les </a:t>
+            </a:r>
+            <a:r>
+              <a:rPr sz="1200" dirty="0" err="1">
+                <a:solidFill>
+                  <a:schemeClr val="bg1"/>
+                </a:solidFill>
+                <a:latin typeface="Montserrat" panose="00000500000000000000" pitchFamily="2" charset="0"/>
+              </a:rPr>
+              <a:t>incohérences</a:t>
+            </a:r>
+            <a:r>
+              <a:rPr sz="1200" dirty="0">
+                <a:solidFill>
+                  <a:schemeClr val="bg1"/>
+                </a:solidFill>
+                <a:latin typeface="Montserrat" panose="00000500000000000000" pitchFamily="2" charset="0"/>
+              </a:rPr>
+              <a:t> gauche/droite.</a:t>
+            </a:r>
+          </a:p>
+          <a:p>
+            <a:pPr marL="171450" indent="-171450">
+              <a:buClr>
+                <a:schemeClr val="bg1"/>
+              </a:buClr>
+              <a:buFont typeface="Wingdings" panose="05000000000000000000" pitchFamily="2" charset="2"/>
+              <a:buChar char="§"/>
+              <a:defRPr sz="1400">
+                <a:solidFill>
+                  <a:srgbClr val="3C3C3C"/>
+                </a:solidFill>
+              </a:defRPr>
+            </a:pPr>
+            <a:r>
+              <a:rPr sz="1200" dirty="0">
+                <a:solidFill>
+                  <a:schemeClr val="bg1"/>
+                </a:solidFill>
+                <a:latin typeface="Montserrat" panose="00000500000000000000" pitchFamily="2" charset="0"/>
+              </a:rPr>
+              <a:t>Mode autoscaling GPU (2 </a:t>
+            </a:r>
+            <a:r>
+              <a:rPr sz="1200" dirty="0" err="1">
+                <a:solidFill>
+                  <a:schemeClr val="bg1"/>
+                </a:solidFill>
+                <a:latin typeface="Montserrat" panose="00000500000000000000" pitchFamily="2" charset="0"/>
+              </a:rPr>
+              <a:t>img</a:t>
+            </a:r>
+            <a:r>
+              <a:rPr sz="1200" dirty="0">
+                <a:solidFill>
+                  <a:schemeClr val="bg1"/>
+                </a:solidFill>
+                <a:latin typeface="Montserrat" panose="00000500000000000000" pitchFamily="2" charset="0"/>
+              </a:rPr>
+              <a:t>/s) → </a:t>
+            </a:r>
+            <a:r>
+              <a:rPr sz="1200" dirty="0" err="1">
+                <a:solidFill>
+                  <a:schemeClr val="bg1"/>
+                </a:solidFill>
+                <a:latin typeface="Montserrat" panose="00000500000000000000" pitchFamily="2" charset="0"/>
+              </a:rPr>
+              <a:t>coût</a:t>
+            </a:r>
+            <a:r>
+              <a:rPr sz="1200" dirty="0">
+                <a:solidFill>
+                  <a:schemeClr val="bg1"/>
+                </a:solidFill>
+                <a:latin typeface="Montserrat" panose="00000500000000000000" pitchFamily="2" charset="0"/>
+              </a:rPr>
+              <a:t> ≈ 35 $/</a:t>
+            </a:r>
+            <a:r>
+              <a:rPr sz="1200" dirty="0" err="1">
+                <a:solidFill>
+                  <a:schemeClr val="bg1"/>
+                </a:solidFill>
+                <a:latin typeface="Montserrat" panose="00000500000000000000" pitchFamily="2" charset="0"/>
+              </a:rPr>
+              <a:t>mois</a:t>
+            </a:r>
+            <a:r>
+              <a:rPr sz="1200" dirty="0">
+                <a:solidFill>
+                  <a:schemeClr val="bg1"/>
+                </a:solidFill>
+                <a:latin typeface="Montserrat" panose="00000500000000000000" pitchFamily="2" charset="0"/>
+              </a:rPr>
+              <a:t>.</a:t>
+            </a:r>
+          </a:p>
+          <a:p>
+            <a:pPr marL="171450" indent="-171450">
+              <a:buClr>
+                <a:schemeClr val="bg1"/>
+              </a:buClr>
+              <a:buFont typeface="Wingdings" panose="05000000000000000000" pitchFamily="2" charset="2"/>
+              <a:buChar char="§"/>
+              <a:defRPr sz="1400">
+                <a:solidFill>
+                  <a:srgbClr val="3C3C3C"/>
+                </a:solidFill>
+              </a:defRPr>
+            </a:pPr>
+            <a:r>
+              <a:rPr sz="1200" dirty="0">
+                <a:solidFill>
+                  <a:schemeClr val="bg1"/>
+                </a:solidFill>
+                <a:latin typeface="Montserrat" panose="00000500000000000000" pitchFamily="2" charset="0"/>
+              </a:rPr>
+              <a:t>•</a:t>
+            </a:r>
+            <a:r>
+              <a:rPr sz="1200" dirty="0" err="1">
+                <a:solidFill>
+                  <a:schemeClr val="bg1"/>
+                </a:solidFill>
+                <a:latin typeface="Montserrat" panose="00000500000000000000" pitchFamily="2" charset="0"/>
+              </a:rPr>
+              <a:t>Suivi</a:t>
+            </a:r>
+            <a:r>
+              <a:rPr sz="1200" dirty="0">
+                <a:solidFill>
+                  <a:schemeClr val="bg1"/>
+                </a:solidFill>
+                <a:latin typeface="Montserrat" panose="00000500000000000000" pitchFamily="2" charset="0"/>
+              </a:rPr>
+              <a:t> </a:t>
+            </a:r>
+            <a:r>
+              <a:rPr sz="1200" dirty="0" err="1">
+                <a:solidFill>
+                  <a:schemeClr val="bg1"/>
+                </a:solidFill>
+                <a:latin typeface="Montserrat" panose="00000500000000000000" pitchFamily="2" charset="0"/>
+              </a:rPr>
+              <a:t>qualité</a:t>
+            </a:r>
+            <a:r>
+              <a:rPr sz="1200" dirty="0">
+                <a:solidFill>
+                  <a:schemeClr val="bg1"/>
+                </a:solidFill>
+                <a:latin typeface="Montserrat" panose="00000500000000000000" pitchFamily="2" charset="0"/>
+              </a:rPr>
+              <a:t> avec </a:t>
+            </a:r>
+            <a:r>
+              <a:rPr sz="1200" dirty="0" err="1">
+                <a:solidFill>
+                  <a:schemeClr val="bg1"/>
+                </a:solidFill>
+                <a:latin typeface="Montserrat" panose="00000500000000000000" pitchFamily="2" charset="0"/>
+              </a:rPr>
+              <a:t>IoU</a:t>
+            </a:r>
+            <a:r>
+              <a:rPr sz="1200" dirty="0">
+                <a:solidFill>
+                  <a:schemeClr val="bg1"/>
+                </a:solidFill>
+                <a:latin typeface="Montserrat" panose="00000500000000000000" pitchFamily="2" charset="0"/>
+              </a:rPr>
+              <a:t> et tableau de bord.</a:t>
+            </a:r>
+          </a:p>
+        </p:txBody>
+      </p:sp>
+      <p:sp>
+        <p:nvSpPr>
+          <p:cNvPr id="7" name="ZoneTexte 6">
+            <a:extLst>
+              <a:ext uri="{FF2B5EF4-FFF2-40B4-BE49-F238E27FC236}">
+                <a16:creationId xmlns:a16="http://schemas.microsoft.com/office/drawing/2014/main" id="{CB87BC34-3CE3-C56D-1979-141C5259FD9B}"/>
+              </a:ext>
+            </a:extLst>
+          </p:cNvPr>
+          <p:cNvSpPr txBox="1"/>
+          <p:nvPr/>
+        </p:nvSpPr>
+        <p:spPr>
+          <a:xfrm>
+            <a:off x="1456963" y="3696306"/>
+            <a:ext cx="6719973" cy="1138773"/>
+          </a:xfrm>
+          <a:prstGeom prst="rect">
+            <a:avLst/>
+          </a:prstGeom>
+          <a:noFill/>
+        </p:spPr>
+        <p:txBody>
+          <a:bodyPr wrap="square">
+            <a:spAutoFit/>
+          </a:bodyPr>
+          <a:lstStyle/>
+          <a:p>
+            <a:pPr>
+              <a:defRPr sz="2000" b="1">
+                <a:solidFill>
+                  <a:srgbClr val="0066CC"/>
+                </a:solidFill>
+              </a:defRPr>
+            </a:pPr>
+            <a:r>
+              <a:rPr lang="fr-FR" dirty="0">
+                <a:latin typeface="Montserrat" panose="00000500000000000000" pitchFamily="2" charset="0"/>
+              </a:rPr>
+              <a:t>🛍️ </a:t>
+            </a:r>
+            <a:r>
+              <a:rPr lang="fr-FR" sz="1600" dirty="0">
+                <a:latin typeface="Montserrat" panose="00000500000000000000" pitchFamily="2" charset="0"/>
+              </a:rPr>
+              <a:t>Applications potentielles pour les clients </a:t>
+            </a:r>
+            <a:r>
+              <a:rPr lang="fr-FR" sz="1600" dirty="0" err="1">
+                <a:latin typeface="Montserrat" panose="00000500000000000000" pitchFamily="2" charset="0"/>
+              </a:rPr>
+              <a:t>ModeTrend</a:t>
+            </a:r>
+            <a:endParaRPr lang="fr-FR" dirty="0">
+              <a:latin typeface="Montserrat" panose="00000500000000000000" pitchFamily="2" charset="0"/>
+            </a:endParaRPr>
+          </a:p>
+          <a:p>
+            <a:pPr marL="171450" indent="-171450">
+              <a:buClr>
+                <a:schemeClr val="bg1"/>
+              </a:buClr>
+              <a:buFont typeface="Wingdings" panose="05000000000000000000" pitchFamily="2" charset="2"/>
+              <a:buChar char="§"/>
+              <a:defRPr sz="1400">
+                <a:solidFill>
+                  <a:srgbClr val="3C3C3C"/>
+                </a:solidFill>
+              </a:defRPr>
+            </a:pPr>
+            <a:r>
+              <a:rPr lang="fr-FR" sz="1200" dirty="0">
+                <a:solidFill>
+                  <a:schemeClr val="bg1"/>
+                </a:solidFill>
+                <a:latin typeface="Montserrat" panose="00000500000000000000" pitchFamily="2" charset="0"/>
+              </a:rPr>
+              <a:t>Essayage virtuel automatisé à partir d’images clients.</a:t>
+            </a:r>
+          </a:p>
+          <a:p>
+            <a:pPr marL="171450" indent="-171450">
+              <a:buClr>
+                <a:schemeClr val="bg1"/>
+              </a:buClr>
+              <a:buFont typeface="Wingdings" panose="05000000000000000000" pitchFamily="2" charset="2"/>
+              <a:buChar char="§"/>
+              <a:defRPr sz="1400">
+                <a:solidFill>
+                  <a:srgbClr val="3C3C3C"/>
+                </a:solidFill>
+              </a:defRPr>
+            </a:pPr>
+            <a:r>
+              <a:rPr lang="fr-FR" sz="1200" dirty="0">
+                <a:solidFill>
+                  <a:schemeClr val="bg1"/>
+                </a:solidFill>
+                <a:latin typeface="Montserrat" panose="00000500000000000000" pitchFamily="2" charset="0"/>
+              </a:rPr>
+              <a:t>Détection de tendances vestimentaires sur réseaux sociaux.</a:t>
+            </a:r>
+          </a:p>
+          <a:p>
+            <a:pPr marL="171450" indent="-171450">
+              <a:buClr>
+                <a:schemeClr val="bg1"/>
+              </a:buClr>
+              <a:buFont typeface="Wingdings" panose="05000000000000000000" pitchFamily="2" charset="2"/>
+              <a:buChar char="§"/>
+              <a:defRPr sz="1400">
+                <a:solidFill>
+                  <a:srgbClr val="3C3C3C"/>
+                </a:solidFill>
+              </a:defRPr>
+            </a:pPr>
+            <a:r>
+              <a:rPr lang="fr-FR" sz="1200" dirty="0">
+                <a:solidFill>
+                  <a:schemeClr val="bg1"/>
+                </a:solidFill>
+                <a:latin typeface="Montserrat" panose="00000500000000000000" pitchFamily="2" charset="0"/>
+              </a:rPr>
+              <a:t>Analyse visuelle des prototypes et comparaisons de coupes.</a:t>
+            </a:r>
+          </a:p>
+          <a:p>
+            <a:pPr marL="171450" indent="-171450">
+              <a:buClr>
+                <a:schemeClr val="bg1"/>
+              </a:buClr>
+              <a:buFont typeface="Wingdings" panose="05000000000000000000" pitchFamily="2" charset="2"/>
+              <a:buChar char="§"/>
+              <a:defRPr sz="1400">
+                <a:solidFill>
+                  <a:srgbClr val="3C3C3C"/>
+                </a:solidFill>
+              </a:defRPr>
+            </a:pPr>
+            <a:r>
+              <a:rPr lang="fr-FR" sz="1200" dirty="0">
+                <a:solidFill>
+                  <a:schemeClr val="bg1"/>
+                </a:solidFill>
+                <a:latin typeface="Montserrat" panose="00000500000000000000" pitchFamily="2" charset="0"/>
+              </a:rPr>
+              <a:t>Recommandation personnalisée basée sur les tenues détectées.</a:t>
+            </a:r>
           </a:p>
         </p:txBody>
       </p:sp>
